--- a/A090H333_資訊安全與素養_期中考報告.pptx
+++ b/A090H333_資訊安全與素養_期中考報告.pptx
@@ -9,30 +9,38 @@
     <p:sldId id="257" r:id="rId3"/>
     <p:sldId id="285" r:id="rId4"/>
     <p:sldId id="265" r:id="rId5"/>
-    <p:sldId id="286" r:id="rId6"/>
-    <p:sldId id="266" r:id="rId7"/>
-    <p:sldId id="267" r:id="rId8"/>
-    <p:sldId id="268" r:id="rId9"/>
-    <p:sldId id="269" r:id="rId10"/>
-    <p:sldId id="270" r:id="rId11"/>
-    <p:sldId id="271" r:id="rId12"/>
-    <p:sldId id="258" r:id="rId13"/>
-    <p:sldId id="259" r:id="rId14"/>
-    <p:sldId id="260" r:id="rId15"/>
-    <p:sldId id="261" r:id="rId16"/>
-    <p:sldId id="262" r:id="rId17"/>
-    <p:sldId id="263" r:id="rId18"/>
-    <p:sldId id="264" r:id="rId19"/>
-    <p:sldId id="275" r:id="rId20"/>
-    <p:sldId id="276" r:id="rId21"/>
-    <p:sldId id="277" r:id="rId22"/>
-    <p:sldId id="278" r:id="rId23"/>
-    <p:sldId id="279" r:id="rId24"/>
-    <p:sldId id="280" r:id="rId25"/>
-    <p:sldId id="281" r:id="rId26"/>
-    <p:sldId id="282" r:id="rId27"/>
-    <p:sldId id="283" r:id="rId28"/>
-    <p:sldId id="284" r:id="rId29"/>
+    <p:sldId id="287" r:id="rId6"/>
+    <p:sldId id="289" r:id="rId7"/>
+    <p:sldId id="286" r:id="rId8"/>
+    <p:sldId id="266" r:id="rId9"/>
+    <p:sldId id="267" r:id="rId10"/>
+    <p:sldId id="268" r:id="rId11"/>
+    <p:sldId id="269" r:id="rId12"/>
+    <p:sldId id="270" r:id="rId13"/>
+    <p:sldId id="271" r:id="rId14"/>
+    <p:sldId id="290" r:id="rId15"/>
+    <p:sldId id="291" r:id="rId16"/>
+    <p:sldId id="292" r:id="rId17"/>
+    <p:sldId id="293" r:id="rId18"/>
+    <p:sldId id="258" r:id="rId19"/>
+    <p:sldId id="295" r:id="rId20"/>
+    <p:sldId id="294" r:id="rId21"/>
+    <p:sldId id="259" r:id="rId22"/>
+    <p:sldId id="260" r:id="rId23"/>
+    <p:sldId id="261" r:id="rId24"/>
+    <p:sldId id="262" r:id="rId25"/>
+    <p:sldId id="263" r:id="rId26"/>
+    <p:sldId id="264" r:id="rId27"/>
+    <p:sldId id="275" r:id="rId28"/>
+    <p:sldId id="276" r:id="rId29"/>
+    <p:sldId id="277" r:id="rId30"/>
+    <p:sldId id="278" r:id="rId31"/>
+    <p:sldId id="279" r:id="rId32"/>
+    <p:sldId id="280" r:id="rId33"/>
+    <p:sldId id="281" r:id="rId34"/>
+    <p:sldId id="282" r:id="rId35"/>
+    <p:sldId id="283" r:id="rId36"/>
+    <p:sldId id="284" r:id="rId37"/>
   </p:sldIdLst>
   <p:sldSz cx="12192000" cy="6858000"/>
   <p:notesSz cx="6858000" cy="9144000"/>
@@ -861,7 +869,7 @@
           <a:p>
             <a:fld id="{48A87A34-81AB-432B-8DAE-1953F412C126}" type="datetimeFigureOut">
               <a:rPr lang="en-US" smtClean="0"/>
-              <a:t>10/26/2022</a:t>
+              <a:t>11/2/2022</a:t>
             </a:fld>
             <a:endParaRPr lang="en-US" dirty="0"/>
           </a:p>
@@ -1112,7 +1120,7 @@
           <a:p>
             <a:fld id="{48A87A34-81AB-432B-8DAE-1953F412C126}" type="datetimeFigureOut">
               <a:rPr lang="en-US" smtClean="0"/>
-              <a:t>10/26/2022</a:t>
+              <a:t>11/2/2022</a:t>
             </a:fld>
             <a:endParaRPr lang="en-US" dirty="0"/>
           </a:p>
@@ -1426,7 +1434,7 @@
           <a:p>
             <a:fld id="{48A87A34-81AB-432B-8DAE-1953F412C126}" type="datetimeFigureOut">
               <a:rPr lang="en-US" smtClean="0"/>
-              <a:t>10/26/2022</a:t>
+              <a:t>11/2/2022</a:t>
             </a:fld>
             <a:endParaRPr lang="en-US" dirty="0"/>
           </a:p>
@@ -1767,7 +1775,7 @@
           <a:p>
             <a:fld id="{48A87A34-81AB-432B-8DAE-1953F412C126}" type="datetimeFigureOut">
               <a:rPr lang="en-US" smtClean="0"/>
-              <a:t>10/26/2022</a:t>
+              <a:t>11/2/2022</a:t>
             </a:fld>
             <a:endParaRPr lang="en-US" dirty="0"/>
           </a:p>
@@ -2082,7 +2090,7 @@
             <a:fld id="{48A87A34-81AB-432B-8DAE-1953F412C126}" type="datetimeFigureOut">
               <a:rPr lang="en-US" smtClean="0"/>
               <a:pPr/>
-              <a:t>10/26/2022</a:t>
+              <a:t>11/2/2022</a:t>
             </a:fld>
             <a:endParaRPr lang="en-US" dirty="0"/>
           </a:p>
@@ -2477,7 +2485,7 @@
             <a:fld id="{48A87A34-81AB-432B-8DAE-1953F412C126}" type="datetimeFigureOut">
               <a:rPr lang="en-US" smtClean="0"/>
               <a:pPr/>
-              <a:t>10/26/2022</a:t>
+              <a:t>11/2/2022</a:t>
             </a:fld>
             <a:endParaRPr lang="en-US" dirty="0"/>
           </a:p>
@@ -2648,7 +2656,7 @@
           <a:p>
             <a:fld id="{48A87A34-81AB-432B-8DAE-1953F412C126}" type="datetimeFigureOut">
               <a:rPr lang="en-US" smtClean="0"/>
-              <a:t>10/26/2022</a:t>
+              <a:t>11/2/2022</a:t>
             </a:fld>
             <a:endParaRPr lang="en-US" dirty="0"/>
           </a:p>
@@ -2828,7 +2836,7 @@
           <a:p>
             <a:fld id="{48A87A34-81AB-432B-8DAE-1953F412C126}" type="datetimeFigureOut">
               <a:rPr lang="en-US" smtClean="0"/>
-              <a:t>10/26/2022</a:t>
+              <a:t>11/2/2022</a:t>
             </a:fld>
             <a:endParaRPr lang="en-US" dirty="0"/>
           </a:p>
@@ -3004,7 +3012,7 @@
           <a:p>
             <a:fld id="{48A87A34-81AB-432B-8DAE-1953F412C126}" type="datetimeFigureOut">
               <a:rPr lang="en-US" smtClean="0"/>
-              <a:t>10/26/2022</a:t>
+              <a:t>11/2/2022</a:t>
             </a:fld>
             <a:endParaRPr lang="en-US" dirty="0"/>
           </a:p>
@@ -3251,7 +3259,7 @@
           <a:p>
             <a:fld id="{48A87A34-81AB-432B-8DAE-1953F412C126}" type="datetimeFigureOut">
               <a:rPr lang="en-US" smtClean="0"/>
-              <a:t>10/26/2022</a:t>
+              <a:t>11/2/2022</a:t>
             </a:fld>
             <a:endParaRPr lang="en-US" dirty="0"/>
           </a:p>
@@ -3483,7 +3491,7 @@
           <a:p>
             <a:fld id="{48A87A34-81AB-432B-8DAE-1953F412C126}" type="datetimeFigureOut">
               <a:rPr lang="en-US" smtClean="0"/>
-              <a:t>10/26/2022</a:t>
+              <a:t>11/2/2022</a:t>
             </a:fld>
             <a:endParaRPr lang="en-US" dirty="0"/>
           </a:p>
@@ -3857,7 +3865,7 @@
           <a:p>
             <a:fld id="{48A87A34-81AB-432B-8DAE-1953F412C126}" type="datetimeFigureOut">
               <a:rPr lang="en-US" smtClean="0"/>
-              <a:t>10/26/2022</a:t>
+              <a:t>11/2/2022</a:t>
             </a:fld>
             <a:endParaRPr lang="en-US" dirty="0"/>
           </a:p>
@@ -3980,7 +3988,7 @@
           <a:p>
             <a:fld id="{48A87A34-81AB-432B-8DAE-1953F412C126}" type="datetimeFigureOut">
               <a:rPr lang="en-US" smtClean="0"/>
-              <a:t>10/26/2022</a:t>
+              <a:t>11/2/2022</a:t>
             </a:fld>
             <a:endParaRPr lang="en-US" dirty="0"/>
           </a:p>
@@ -4075,7 +4083,7 @@
           <a:p>
             <a:fld id="{48A87A34-81AB-432B-8DAE-1953F412C126}" type="datetimeFigureOut">
               <a:rPr lang="en-US" smtClean="0"/>
-              <a:t>10/26/2022</a:t>
+              <a:t>11/2/2022</a:t>
             </a:fld>
             <a:endParaRPr lang="en-US" dirty="0"/>
           </a:p>
@@ -4330,7 +4338,7 @@
           <a:p>
             <a:fld id="{48A87A34-81AB-432B-8DAE-1953F412C126}" type="datetimeFigureOut">
               <a:rPr lang="en-US" smtClean="0"/>
-              <a:t>10/26/2022</a:t>
+              <a:t>11/2/2022</a:t>
             </a:fld>
             <a:endParaRPr lang="en-US" dirty="0"/>
           </a:p>
@@ -4593,7 +4601,7 @@
           <a:p>
             <a:fld id="{48A87A34-81AB-432B-8DAE-1953F412C126}" type="datetimeFigureOut">
               <a:rPr lang="en-US" smtClean="0"/>
-              <a:t>10/26/2022</a:t>
+              <a:t>11/2/2022</a:t>
             </a:fld>
             <a:endParaRPr lang="en-US" dirty="0"/>
           </a:p>
@@ -5337,7 +5345,7 @@
             <a:fld id="{48A87A34-81AB-432B-8DAE-1953F412C126}" type="datetimeFigureOut">
               <a:rPr lang="en-US" smtClean="0"/>
               <a:pPr/>
-              <a:t>10/26/2022</a:t>
+              <a:t>11/2/2022</a:t>
             </a:fld>
             <a:endParaRPr lang="en-US" dirty="0"/>
           </a:p>
@@ -5882,32 +5890,32 @@
           <a:bodyPr/>
           <a:lstStyle/>
           <a:p>
-            <a:pPr algn="l"/>
-            <a:r>
-              <a:rPr lang="zh-TW" altLang="en-US" dirty="0" smtClean="0"/>
+            <a:pPr algn="ctr"/>
+            <a:r>
+              <a:rPr lang="zh-TW" altLang="en-US" b="1" i="1" dirty="0" smtClean="0"/>
               <a:t>期中考報告</a:t>
             </a:r>
             <a:r>
-              <a:rPr lang="en-US" altLang="zh-TW" dirty="0" smtClean="0"/>
+              <a:rPr lang="en-US" altLang="zh-TW" b="1" i="1" dirty="0" smtClean="0"/>
               <a:t/>
             </a:r>
             <a:br>
-              <a:rPr lang="en-US" altLang="zh-TW" dirty="0" smtClean="0"/>
+              <a:rPr lang="en-US" altLang="zh-TW" b="1" i="1" dirty="0" smtClean="0"/>
             </a:br>
             <a:r>
-              <a:rPr lang="zh-TW" altLang="en-US" dirty="0" smtClean="0"/>
+              <a:rPr lang="zh-TW" altLang="en-US" b="1" i="1" dirty="0" smtClean="0"/>
               <a:t>資訊安全</a:t>
             </a:r>
             <a:r>
-              <a:rPr lang="zh-TW" altLang="en-US" dirty="0"/>
+              <a:rPr lang="zh-TW" altLang="en-US" b="1" i="1" dirty="0"/>
               <a:t>分析的</a:t>
             </a:r>
             <a:r>
-              <a:rPr lang="en-US" altLang="zh-TW" dirty="0" err="1"/>
+              <a:rPr lang="en-US" altLang="zh-TW" b="1" i="1" dirty="0" err="1"/>
               <a:t>linux</a:t>
             </a:r>
             <a:r>
-              <a:rPr lang="zh-TW" altLang="en-US" dirty="0"/>
+              <a:rPr lang="zh-TW" altLang="en-US" b="1" i="1" dirty="0"/>
               <a:t>實戰</a:t>
             </a:r>
           </a:p>
@@ -6054,34 +6062,13 @@
           <a:chExt cx="0" cy="0"/>
         </a:xfrm>
       </p:grpSpPr>
-      <p:sp>
-        <p:nvSpPr>
-          <p:cNvPr id="2" name="標題 1"/>
-          <p:cNvSpPr>
-            <a:spLocks noGrp="1"/>
-          </p:cNvSpPr>
-          <p:nvPr>
-            <p:ph type="title"/>
-          </p:nvPr>
-        </p:nvSpPr>
-        <p:spPr/>
-        <p:txBody>
-          <a:bodyPr/>
-          <a:lstStyle/>
-          <a:p>
-            <a:endParaRPr lang="zh-TW" altLang="en-US"/>
-          </a:p>
-        </p:txBody>
-      </p:sp>
       <p:pic>
         <p:nvPicPr>
-          <p:cNvPr id="4" name="內容版面配置區 3"/>
+          <p:cNvPr id="2" name="圖片 1"/>
           <p:cNvPicPr>
-            <a:picLocks noGrp="1" noChangeAspect="1"/>
+            <a:picLocks noChangeAspect="1"/>
           </p:cNvPicPr>
-          <p:nvPr>
-            <p:ph idx="1"/>
-          </p:nvPr>
+          <p:nvPr/>
         </p:nvPicPr>
         <p:blipFill>
           <a:blip r:embed="rId2"/>
@@ -6091,8 +6078,8 @@
         </p:blipFill>
         <p:spPr>
           <a:xfrm>
-            <a:off x="638286" y="545980"/>
-            <a:ext cx="10639940" cy="6128360"/>
+            <a:off x="1683025" y="1160593"/>
+            <a:ext cx="9106874" cy="5294915"/>
           </a:xfrm>
           <a:prstGeom prst="rect">
             <a:avLst/>
@@ -6101,14 +6088,14 @@
       </p:pic>
       <p:sp>
         <p:nvSpPr>
-          <p:cNvPr id="5" name="矩形 4"/>
+          <p:cNvPr id="3" name="矩形 2"/>
           <p:cNvSpPr/>
           <p:nvPr/>
         </p:nvSpPr>
         <p:spPr>
           <a:xfrm>
-            <a:off x="5415712" y="2125785"/>
-            <a:ext cx="1646092" cy="954107"/>
+            <a:off x="3371500" y="422980"/>
+            <a:ext cx="6127768" cy="584775"/>
           </a:xfrm>
           <a:prstGeom prst="rect">
             <a:avLst/>
@@ -6121,89 +6108,23 @@
           <a:lstStyle/>
           <a:p>
             <a:r>
-              <a:rPr lang="zh-TW" altLang="en-US" sz="2800" b="1" dirty="0">
-                <a:solidFill>
-                  <a:schemeClr val="bg1"/>
-                </a:solidFill>
-                <a:effectLst>
-                  <a:outerShdw blurRad="38100" dist="38100" dir="2700000" algn="tl">
-                    <a:srgbClr val="000000">
-                      <a:alpha val="43137"/>
-                    </a:srgbClr>
-                  </a:outerShdw>
-                </a:effectLst>
-              </a:rPr>
-              <a:t>密</a:t>
-            </a:r>
-            <a:r>
-              <a:rPr lang="zh-TW" altLang="en-US" sz="2800" b="1" dirty="0" smtClean="0">
-                <a:solidFill>
-                  <a:schemeClr val="bg1"/>
-                </a:solidFill>
-                <a:effectLst>
-                  <a:outerShdw blurRad="38100" dist="38100" dir="2700000" algn="tl">
-                    <a:srgbClr val="000000">
-                      <a:alpha val="43137"/>
-                    </a:srgbClr>
-                  </a:outerShdw>
-                </a:effectLst>
-              </a:rPr>
-              <a:t>文 </a:t>
-            </a:r>
-            <a:endParaRPr lang="en-US" altLang="zh-TW" sz="2800" b="1" dirty="0" smtClean="0">
-              <a:solidFill>
-                <a:schemeClr val="bg1"/>
-              </a:solidFill>
-              <a:effectLst>
-                <a:outerShdw blurRad="38100" dist="38100" dir="2700000" algn="tl">
-                  <a:srgbClr val="000000">
-                    <a:alpha val="43137"/>
-                  </a:srgbClr>
-                </a:outerShdw>
-              </a:effectLst>
-            </a:endParaRPr>
-          </a:p>
-          <a:p>
-            <a:r>
-              <a:rPr lang="en-US" altLang="zh-TW" sz="2800" b="1" dirty="0" err="1" smtClean="0">
-                <a:solidFill>
-                  <a:schemeClr val="bg1"/>
-                </a:solidFill>
-                <a:effectLst>
-                  <a:outerShdw blurRad="38100" dist="38100" dir="2700000" algn="tl">
-                    <a:srgbClr val="000000">
-                      <a:alpha val="43137"/>
-                    </a:srgbClr>
-                  </a:outerShdw>
-                </a:effectLst>
-              </a:rPr>
-              <a:t>ciphertext</a:t>
-            </a:r>
-            <a:endParaRPr lang="zh-TW" altLang="en-US" sz="2800" b="1" dirty="0">
-              <a:solidFill>
-                <a:schemeClr val="bg1"/>
-              </a:solidFill>
-              <a:effectLst>
-                <a:outerShdw blurRad="38100" dist="38100" dir="2700000" algn="tl">
-                  <a:srgbClr val="000000">
-                    <a:alpha val="43137"/>
-                  </a:srgbClr>
-                </a:outerShdw>
-              </a:effectLst>
-            </a:endParaRPr>
-          </a:p>
-        </p:txBody>
-      </p:sp>
-      <p:sp>
-        <p:nvSpPr>
-          <p:cNvPr id="6" name="圓角矩形 5"/>
+              <a:rPr lang="en-US" altLang="zh-TW" sz="3200" dirty="0"/>
+              <a:t>https://www.dcode.fr/caesar-cipher</a:t>
+            </a:r>
+            <a:endParaRPr lang="zh-TW" altLang="en-US" sz="3200" dirty="0"/>
+          </a:p>
+        </p:txBody>
+      </p:sp>
+      <p:sp>
+        <p:nvSpPr>
+          <p:cNvPr id="4" name="圓角矩形 3"/>
           <p:cNvSpPr/>
           <p:nvPr/>
         </p:nvSpPr>
         <p:spPr>
           <a:xfrm>
-            <a:off x="5376985" y="1492739"/>
-            <a:ext cx="2797907" cy="633046"/>
+            <a:off x="5165969" y="4431323"/>
+            <a:ext cx="2579077" cy="633046"/>
           </a:xfrm>
           <a:prstGeom prst="roundRect">
             <a:avLst/>
@@ -6242,14 +6163,14 @@
       </p:sp>
       <p:sp>
         <p:nvSpPr>
-          <p:cNvPr id="7" name="圓角矩形 6"/>
+          <p:cNvPr id="6" name="圓角矩形 5"/>
           <p:cNvSpPr/>
           <p:nvPr/>
         </p:nvSpPr>
         <p:spPr>
           <a:xfrm>
-            <a:off x="5376984" y="4192955"/>
-            <a:ext cx="4314093" cy="633046"/>
+            <a:off x="5263662" y="5822462"/>
+            <a:ext cx="4013200" cy="633046"/>
           </a:xfrm>
           <a:prstGeom prst="roundRect">
             <a:avLst/>
@@ -6286,22 +6207,58 @@
           </a:p>
         </p:txBody>
       </p:sp>
-      <p:sp>
-        <p:nvSpPr>
-          <p:cNvPr id="8" name="圓角矩形 7"/>
+      <p:cxnSp>
+        <p:nvCxnSpPr>
+          <p:cNvPr id="8" name="直線單箭頭接點 7"/>
+          <p:cNvCxnSpPr/>
+          <p:nvPr/>
+        </p:nvCxnSpPr>
+        <p:spPr>
+          <a:xfrm flipH="1" flipV="1">
+            <a:off x="3907692" y="1430215"/>
+            <a:ext cx="1258277" cy="3219938"/>
+          </a:xfrm>
+          <a:prstGeom prst="straightConnector1">
+            <a:avLst/>
+          </a:prstGeom>
+          <a:ln w="38100">
+            <a:solidFill>
+              <a:srgbClr val="FF0000"/>
+            </a:solidFill>
+            <a:tailEnd type="triangle"/>
+          </a:ln>
+        </p:spPr>
+        <p:style>
+          <a:lnRef idx="1">
+            <a:schemeClr val="accent1"/>
+          </a:lnRef>
+          <a:fillRef idx="0">
+            <a:schemeClr val="accent1"/>
+          </a:fillRef>
+          <a:effectRef idx="0">
+            <a:schemeClr val="accent1"/>
+          </a:effectRef>
+          <a:fontRef idx="minor">
+            <a:schemeClr val="tx1"/>
+          </a:fontRef>
+        </p:style>
+      </p:cxnSp>
+      <p:sp>
+        <p:nvSpPr>
+          <p:cNvPr id="9" name="圓角矩形 8"/>
           <p:cNvSpPr/>
           <p:nvPr/>
         </p:nvSpPr>
         <p:spPr>
           <a:xfrm>
-            <a:off x="7534030" y="6085749"/>
-            <a:ext cx="1547447" cy="588591"/>
+            <a:off x="3067538" y="1256103"/>
+            <a:ext cx="840154" cy="348223"/>
           </a:xfrm>
           <a:prstGeom prst="roundRect">
             <a:avLst/>
           </a:prstGeom>
           <a:noFill/>
-          <a:ln w="57150">
+          <a:ln w="38100">
             <a:solidFill>
               <a:srgbClr val="FF0000"/>
             </a:solidFill>
@@ -6332,132 +6289,16 @@
           </a:p>
         </p:txBody>
       </p:sp>
-      <p:cxnSp>
-        <p:nvCxnSpPr>
-          <p:cNvPr id="10" name="直線單箭頭接點 9"/>
-          <p:cNvCxnSpPr>
-            <a:stCxn id="8" idx="1"/>
-          </p:cNvCxnSpPr>
-          <p:nvPr/>
-        </p:nvCxnSpPr>
-        <p:spPr>
-          <a:xfrm flipH="1" flipV="1">
-            <a:off x="3978031" y="4024923"/>
-            <a:ext cx="3555999" cy="2355122"/>
-          </a:xfrm>
-          <a:prstGeom prst="straightConnector1">
-            <a:avLst/>
-          </a:prstGeom>
-          <a:ln w="57150">
-            <a:solidFill>
-              <a:srgbClr val="FF0000"/>
-            </a:solidFill>
-            <a:tailEnd type="triangle"/>
-          </a:ln>
-        </p:spPr>
-        <p:style>
-          <a:lnRef idx="1">
-            <a:schemeClr val="accent1"/>
-          </a:lnRef>
-          <a:fillRef idx="0">
-            <a:schemeClr val="accent1"/>
-          </a:fillRef>
-          <a:effectRef idx="0">
-            <a:schemeClr val="accent1"/>
-          </a:effectRef>
-          <a:fontRef idx="minor">
-            <a:schemeClr val="tx1"/>
-          </a:fontRef>
-        </p:style>
-      </p:cxnSp>
-      <p:sp>
-        <p:nvSpPr>
-          <p:cNvPr id="11" name="圓角矩形 10"/>
+      <p:sp>
+        <p:nvSpPr>
+          <p:cNvPr id="10" name="矩形 9"/>
           <p:cNvSpPr/>
           <p:nvPr/>
         </p:nvSpPr>
         <p:spPr>
           <a:xfrm>
-            <a:off x="3055814" y="3799750"/>
-            <a:ext cx="922218" cy="326774"/>
-          </a:xfrm>
-          <a:prstGeom prst="roundRect">
-            <a:avLst/>
-          </a:prstGeom>
-          <a:noFill/>
-          <a:ln w="57150">
-            <a:solidFill>
-              <a:srgbClr val="FF0000"/>
-            </a:solidFill>
-          </a:ln>
-        </p:spPr>
-        <p:style>
-          <a:lnRef idx="2">
-            <a:schemeClr val="accent1">
-              <a:shade val="50000"/>
-            </a:schemeClr>
-          </a:lnRef>
-          <a:fillRef idx="1">
-            <a:schemeClr val="accent1"/>
-          </a:fillRef>
-          <a:effectRef idx="0">
-            <a:schemeClr val="accent1"/>
-          </a:effectRef>
-          <a:fontRef idx="minor">
-            <a:schemeClr val="lt1"/>
-          </a:fontRef>
-        </p:style>
-        <p:txBody>
-          <a:bodyPr rtlCol="0" anchor="ctr"/>
-          <a:lstStyle/>
-          <a:p>
-            <a:pPr algn="ctr"/>
-            <a:endParaRPr lang="zh-TW" altLang="en-US"/>
-          </a:p>
-        </p:txBody>
-      </p:sp>
-      <p:sp>
-        <p:nvSpPr>
-          <p:cNvPr id="12" name="矩形 11"/>
-          <p:cNvSpPr/>
-          <p:nvPr/>
-        </p:nvSpPr>
-        <p:spPr>
-          <a:xfrm>
-            <a:off x="4515209" y="-92317"/>
-            <a:ext cx="1723549" cy="1015663"/>
-          </a:xfrm>
-          <a:prstGeom prst="rect">
-            <a:avLst/>
-          </a:prstGeom>
-        </p:spPr>
-        <p:txBody>
-          <a:bodyPr wrap="none">
-            <a:spAutoFit/>
-          </a:bodyPr>
-          <a:lstStyle/>
-          <a:p>
-            <a:r>
-              <a:rPr lang="zh-TW" altLang="en-US" sz="6000" dirty="0">
-                <a:solidFill>
-                  <a:srgbClr val="00B0F0"/>
-                </a:solidFill>
-              </a:rPr>
-              <a:t>解密</a:t>
-            </a:r>
-          </a:p>
-        </p:txBody>
-      </p:sp>
-      <p:sp>
-        <p:nvSpPr>
-          <p:cNvPr id="13" name="矩形 12"/>
-          <p:cNvSpPr/>
-          <p:nvPr/>
-        </p:nvSpPr>
-        <p:spPr>
-          <a:xfrm>
-            <a:off x="4030442" y="3400367"/>
-            <a:ext cx="1482329" cy="954107"/>
+            <a:off x="7854996" y="4541149"/>
+            <a:ext cx="2296654" cy="523220"/>
           </a:xfrm>
           <a:prstGeom prst="rect">
             <a:avLst/>
@@ -6483,6 +6324,87 @@
                 </a:effectLst>
               </a:rPr>
               <a:t>明文 </a:t>
+            </a:r>
+            <a:r>
+              <a:rPr lang="en-US" altLang="zh-TW" sz="2800" b="1" dirty="0" smtClean="0">
+                <a:solidFill>
+                  <a:schemeClr val="bg1"/>
+                </a:solidFill>
+                <a:effectLst>
+                  <a:outerShdw blurRad="38100" dist="38100" dir="2700000" algn="tl">
+                    <a:srgbClr val="000000">
+                      <a:alpha val="43137"/>
+                    </a:srgbClr>
+                  </a:outerShdw>
+                </a:effectLst>
+              </a:rPr>
+              <a:t>plaintext</a:t>
+            </a:r>
+            <a:endParaRPr lang="zh-TW" altLang="en-US" sz="2800" b="1" dirty="0">
+              <a:solidFill>
+                <a:schemeClr val="bg1"/>
+              </a:solidFill>
+              <a:effectLst>
+                <a:outerShdw blurRad="38100" dist="38100" dir="2700000" algn="tl">
+                  <a:srgbClr val="000000">
+                    <a:alpha val="43137"/>
+                  </a:srgbClr>
+                </a:outerShdw>
+              </a:effectLst>
+            </a:endParaRPr>
+          </a:p>
+        </p:txBody>
+      </p:sp>
+      <p:sp>
+        <p:nvSpPr>
+          <p:cNvPr id="11" name="矩形 10"/>
+          <p:cNvSpPr/>
+          <p:nvPr/>
+        </p:nvSpPr>
+        <p:spPr>
+          <a:xfrm>
+            <a:off x="4202296" y="1181867"/>
+            <a:ext cx="1646092" cy="954107"/>
+          </a:xfrm>
+          <a:prstGeom prst="rect">
+            <a:avLst/>
+          </a:prstGeom>
+        </p:spPr>
+        <p:txBody>
+          <a:bodyPr wrap="none">
+            <a:spAutoFit/>
+          </a:bodyPr>
+          <a:lstStyle/>
+          <a:p>
+            <a:r>
+              <a:rPr lang="zh-TW" altLang="en-US" sz="2800" b="1" dirty="0">
+                <a:solidFill>
+                  <a:schemeClr val="bg1"/>
+                </a:solidFill>
+                <a:effectLst>
+                  <a:outerShdw blurRad="38100" dist="38100" dir="2700000" algn="tl">
+                    <a:srgbClr val="000000">
+                      <a:alpha val="43137"/>
+                    </a:srgbClr>
+                  </a:outerShdw>
+                </a:effectLst>
+              </a:rPr>
+              <a:t>密</a:t>
+            </a:r>
+            <a:r>
+              <a:rPr lang="zh-TW" altLang="en-US" sz="2800" b="1" dirty="0" smtClean="0">
+                <a:solidFill>
+                  <a:schemeClr val="bg1"/>
+                </a:solidFill>
+                <a:effectLst>
+                  <a:outerShdw blurRad="38100" dist="38100" dir="2700000" algn="tl">
+                    <a:srgbClr val="000000">
+                      <a:alpha val="43137"/>
+                    </a:srgbClr>
+                  </a:outerShdw>
+                </a:effectLst>
+              </a:rPr>
+              <a:t>文 </a:t>
             </a:r>
             <a:endParaRPr lang="en-US" altLang="zh-TW" sz="2800" b="1" dirty="0" smtClean="0">
               <a:solidFill>
@@ -6499,7 +6421,7 @@
           </a:p>
           <a:p>
             <a:r>
-              <a:rPr lang="en-US" altLang="zh-TW" sz="2800" b="1" dirty="0" smtClean="0">
+              <a:rPr lang="en-US" altLang="zh-TW" sz="2800" b="1" dirty="0" err="1" smtClean="0">
                 <a:solidFill>
                   <a:schemeClr val="bg1"/>
                 </a:solidFill>
@@ -6511,7 +6433,7 @@
                   </a:outerShdw>
                 </a:effectLst>
               </a:rPr>
-              <a:t>plaintext</a:t>
+              <a:t>ciphertext</a:t>
             </a:r>
             <a:endParaRPr lang="zh-TW" altLang="en-US" sz="2800" b="1" dirty="0">
               <a:solidFill>
@@ -6531,7 +6453,7 @@
     </p:spTree>
     <p:extLst>
       <p:ext uri="{BB962C8B-B14F-4D97-AF65-F5344CB8AC3E}">
-        <p14:creationId xmlns:p14="http://schemas.microsoft.com/office/powerpoint/2010/main" val="1655836444"/>
+        <p14:creationId xmlns:p14="http://schemas.microsoft.com/office/powerpoint/2010/main" val="990824978"/>
       </p:ext>
     </p:extLst>
   </p:cSld>
@@ -6566,8 +6488,8 @@
         </p:nvSpPr>
         <p:spPr>
           <a:xfrm>
-            <a:off x="3604979" y="536118"/>
-            <a:ext cx="2995372" cy="1200329"/>
+            <a:off x="3594276" y="3422557"/>
+            <a:ext cx="3268844" cy="1200329"/>
           </a:xfrm>
           <a:prstGeom prst="rect">
             <a:avLst/>
@@ -6586,7 +6508,7 @@
             <a:r>
               <a:rPr lang="en-US" altLang="zh-TW" sz="7200" dirty="0" err="1">
                 <a:solidFill>
-                  <a:srgbClr val="FFFF00"/>
+                  <a:srgbClr val="FF0000"/>
                 </a:solidFill>
               </a:rPr>
               <a:t>a</a:t>
@@ -6607,8 +6529,8 @@
         </p:nvSpPr>
         <p:spPr>
           <a:xfrm>
-            <a:off x="3809202" y="2795207"/>
-            <a:ext cx="2791149" cy="1107996"/>
+            <a:off x="3848279" y="1197677"/>
+            <a:ext cx="2946640" cy="1107996"/>
           </a:xfrm>
           <a:prstGeom prst="rect">
             <a:avLst/>
@@ -6627,7 +6549,7 @@
             <a:r>
               <a:rPr lang="en-US" altLang="zh-TW" sz="6600" dirty="0" err="1">
                 <a:solidFill>
-                  <a:srgbClr val="FFFF00"/>
+                  <a:srgbClr val="FF0000"/>
                 </a:solidFill>
               </a:rPr>
               <a:t>d</a:t>
@@ -6648,7 +6570,7 @@
         </p:nvCxnSpPr>
         <p:spPr>
           <a:xfrm flipH="1">
-            <a:off x="6002215" y="1646345"/>
+            <a:off x="6041292" y="2258646"/>
             <a:ext cx="7816" cy="1336431"/>
           </a:xfrm>
           <a:prstGeom prst="straightConnector1">
@@ -6656,7 +6578,7 @@
           </a:prstGeom>
           <a:ln w="57150">
             <a:solidFill>
-              <a:srgbClr val="FFFF00"/>
+              <a:srgbClr val="FF0000"/>
             </a:solidFill>
             <a:tailEnd type="triangle"/>
           </a:ln>
@@ -6692,7 +6614,7 @@
         </p:blipFill>
         <p:spPr>
           <a:xfrm>
-            <a:off x="7503962" y="1860472"/>
+            <a:off x="7367192" y="1735426"/>
             <a:ext cx="4539328" cy="2520420"/>
           </a:xfrm>
           <a:prstGeom prst="rect">
@@ -6708,7 +6630,7 @@
         </p:nvSpPr>
         <p:spPr>
           <a:xfrm>
-            <a:off x="6115075" y="1926177"/>
+            <a:off x="6154152" y="2538478"/>
             <a:ext cx="1107996" cy="646331"/>
           </a:xfrm>
           <a:prstGeom prst="rect">
@@ -6722,9 +6644,9 @@
           <a:lstStyle/>
           <a:p>
             <a:r>
-              <a:rPr lang="zh-TW" altLang="en-US" sz="3600" b="1" dirty="0" smtClean="0">
-                <a:solidFill>
-                  <a:srgbClr val="FFFF00"/>
+              <a:rPr lang="zh-TW" altLang="en-US" sz="3600" b="1" dirty="0">
+                <a:solidFill>
+                  <a:srgbClr val="FF0000"/>
                 </a:solidFill>
                 <a:effectLst>
                   <a:outerShdw blurRad="38100" dist="38100" dir="2700000" algn="tl">
@@ -6734,11 +6656,26 @@
                   </a:outerShdw>
                 </a:effectLst>
               </a:rPr>
-              <a:t>加密</a:t>
+              <a:t>解</a:t>
+            </a:r>
+            <a:r>
+              <a:rPr lang="zh-TW" altLang="en-US" sz="3600" b="1" dirty="0" smtClean="0">
+                <a:solidFill>
+                  <a:srgbClr val="FF0000"/>
+                </a:solidFill>
+                <a:effectLst>
+                  <a:outerShdw blurRad="38100" dist="38100" dir="2700000" algn="tl">
+                    <a:srgbClr val="000000">
+                      <a:alpha val="43137"/>
+                    </a:srgbClr>
+                  </a:outerShdw>
+                </a:effectLst>
+              </a:rPr>
+              <a:t>密</a:t>
             </a:r>
             <a:endParaRPr lang="en-US" altLang="zh-TW" sz="3600" b="1" dirty="0">
               <a:solidFill>
-                <a:srgbClr val="FFFF00"/>
+                <a:srgbClr val="FF0000"/>
               </a:solidFill>
               <a:effectLst>
                 <a:outerShdw blurRad="38100" dist="38100" dir="2700000" algn="tl">
@@ -6759,8 +6696,8 @@
         </p:nvSpPr>
         <p:spPr>
           <a:xfrm>
-            <a:off x="1159231" y="1123125"/>
-            <a:ext cx="2296654" cy="523220"/>
+            <a:off x="1285751" y="3756168"/>
+            <a:ext cx="2525050" cy="523220"/>
           </a:xfrm>
           <a:prstGeom prst="rect">
             <a:avLst/>
@@ -6775,7 +6712,7 @@
             <a:r>
               <a:rPr lang="zh-TW" altLang="en-US" sz="2800" b="1" dirty="0" smtClean="0">
                 <a:solidFill>
-                  <a:srgbClr val="FFC000"/>
+                  <a:srgbClr val="92D050"/>
                 </a:solidFill>
                 <a:effectLst>
                   <a:outerShdw blurRad="38100" dist="38100" dir="2700000" algn="tl">
@@ -6790,7 +6727,7 @@
             <a:r>
               <a:rPr lang="en-US" altLang="zh-TW" sz="2800" b="1" dirty="0" smtClean="0">
                 <a:solidFill>
-                  <a:srgbClr val="FFC000"/>
+                  <a:srgbClr val="92D050"/>
                 </a:solidFill>
                 <a:effectLst>
                   <a:outerShdw blurRad="38100" dist="38100" dir="2700000" algn="tl">
@@ -6804,7 +6741,7 @@
             </a:r>
             <a:endParaRPr lang="zh-TW" altLang="en-US" sz="2800" b="1" dirty="0">
               <a:solidFill>
-                <a:srgbClr val="FFC000"/>
+                <a:srgbClr val="92D050"/>
               </a:solidFill>
               <a:effectLst>
                 <a:outerShdw blurRad="38100" dist="38100" dir="2700000" algn="tl">
@@ -6825,8 +6762,8 @@
         </p:nvSpPr>
         <p:spPr>
           <a:xfrm>
-            <a:off x="1201188" y="3221555"/>
-            <a:ext cx="2460417" cy="523220"/>
+            <a:off x="1285751" y="1606471"/>
+            <a:ext cx="2775119" cy="523220"/>
           </a:xfrm>
           <a:prstGeom prst="rect">
             <a:avLst/>
@@ -6841,7 +6778,7 @@
             <a:r>
               <a:rPr lang="zh-TW" altLang="en-US" sz="2800" b="1" dirty="0">
                 <a:solidFill>
-                  <a:srgbClr val="FFC000"/>
+                  <a:srgbClr val="92D050"/>
                 </a:solidFill>
                 <a:effectLst>
                   <a:outerShdw blurRad="38100" dist="38100" dir="2700000" algn="tl">
@@ -6856,7 +6793,7 @@
             <a:r>
               <a:rPr lang="zh-TW" altLang="en-US" sz="2800" b="1" dirty="0" smtClean="0">
                 <a:solidFill>
-                  <a:srgbClr val="FFC000"/>
+                  <a:srgbClr val="92D050"/>
                 </a:solidFill>
                 <a:effectLst>
                   <a:outerShdw blurRad="38100" dist="38100" dir="2700000" algn="tl">
@@ -6871,7 +6808,7 @@
             <a:r>
               <a:rPr lang="en-US" altLang="zh-TW" sz="2800" b="1" dirty="0" err="1">
                 <a:solidFill>
-                  <a:srgbClr val="FFC000"/>
+                  <a:srgbClr val="92D050"/>
                 </a:solidFill>
                 <a:effectLst>
                   <a:outerShdw blurRad="38100" dist="38100" dir="2700000" algn="tl">
@@ -6885,7 +6822,7 @@
             </a:r>
             <a:endParaRPr lang="zh-TW" altLang="en-US" sz="2800" b="1" dirty="0">
               <a:solidFill>
-                <a:srgbClr val="FFC000"/>
+                <a:srgbClr val="92D050"/>
               </a:solidFill>
               <a:effectLst>
                 <a:outerShdw blurRad="38100" dist="38100" dir="2700000" algn="tl">
@@ -6898,219 +6835,10 @@
           </a:p>
         </p:txBody>
       </p:sp>
-      <p:cxnSp>
-        <p:nvCxnSpPr>
-          <p:cNvPr id="9" name="直線單箭頭接點 8"/>
-          <p:cNvCxnSpPr/>
-          <p:nvPr/>
-        </p:nvCxnSpPr>
-        <p:spPr>
-          <a:xfrm flipH="1">
-            <a:off x="5927968" y="3903203"/>
-            <a:ext cx="7816" cy="1336431"/>
-          </a:xfrm>
-          <a:prstGeom prst="straightConnector1">
-            <a:avLst/>
-          </a:prstGeom>
-          <a:ln w="57150">
-            <a:solidFill>
-              <a:srgbClr val="FFFF00"/>
-            </a:solidFill>
-            <a:tailEnd type="triangle"/>
-          </a:ln>
-        </p:spPr>
-        <p:style>
-          <a:lnRef idx="1">
-            <a:schemeClr val="accent1"/>
-          </a:lnRef>
-          <a:fillRef idx="0">
-            <a:schemeClr val="accent1"/>
-          </a:fillRef>
-          <a:effectRef idx="0">
-            <a:schemeClr val="accent1"/>
-          </a:effectRef>
-          <a:fontRef idx="minor">
-            <a:schemeClr val="tx1"/>
-          </a:fontRef>
-        </p:style>
-      </p:cxnSp>
-      <p:sp>
-        <p:nvSpPr>
-          <p:cNvPr id="12" name="矩形 11"/>
-          <p:cNvSpPr/>
-          <p:nvPr/>
-        </p:nvSpPr>
-        <p:spPr>
-          <a:xfrm>
-            <a:off x="6216675" y="4228271"/>
-            <a:ext cx="1107996" cy="646331"/>
-          </a:xfrm>
-          <a:prstGeom prst="rect">
-            <a:avLst/>
-          </a:prstGeom>
-        </p:spPr>
-        <p:txBody>
-          <a:bodyPr wrap="none">
-            <a:spAutoFit/>
-          </a:bodyPr>
-          <a:lstStyle/>
-          <a:p>
-            <a:r>
-              <a:rPr lang="zh-TW" altLang="en-US" sz="3600" b="1" dirty="0">
-                <a:solidFill>
-                  <a:srgbClr val="FFFF00"/>
-                </a:solidFill>
-                <a:effectLst>
-                  <a:outerShdw blurRad="38100" dist="38100" dir="2700000" algn="tl">
-                    <a:srgbClr val="000000">
-                      <a:alpha val="43137"/>
-                    </a:srgbClr>
-                  </a:outerShdw>
-                </a:effectLst>
-              </a:rPr>
-              <a:t>解</a:t>
-            </a:r>
-            <a:r>
-              <a:rPr lang="zh-TW" altLang="en-US" sz="3600" b="1" dirty="0" smtClean="0">
-                <a:solidFill>
-                  <a:srgbClr val="FFFF00"/>
-                </a:solidFill>
-                <a:effectLst>
-                  <a:outerShdw blurRad="38100" dist="38100" dir="2700000" algn="tl">
-                    <a:srgbClr val="000000">
-                      <a:alpha val="43137"/>
-                    </a:srgbClr>
-                  </a:outerShdw>
-                </a:effectLst>
-              </a:rPr>
-              <a:t>密</a:t>
-            </a:r>
-            <a:endParaRPr lang="en-US" altLang="zh-TW" sz="3600" b="1" dirty="0">
-              <a:solidFill>
-                <a:srgbClr val="FFFF00"/>
-              </a:solidFill>
-              <a:effectLst>
-                <a:outerShdw blurRad="38100" dist="38100" dir="2700000" algn="tl">
-                  <a:srgbClr val="000000">
-                    <a:alpha val="43137"/>
-                  </a:srgbClr>
-                </a:outerShdw>
-              </a:effectLst>
-            </a:endParaRPr>
-          </a:p>
-        </p:txBody>
-      </p:sp>
-      <p:sp>
-        <p:nvSpPr>
-          <p:cNvPr id="13" name="矩形 12"/>
-          <p:cNvSpPr/>
-          <p:nvPr/>
-        </p:nvSpPr>
-        <p:spPr>
-          <a:xfrm>
-            <a:off x="3707091" y="4946368"/>
-            <a:ext cx="2995372" cy="1200329"/>
-          </a:xfrm>
-          <a:prstGeom prst="rect">
-            <a:avLst/>
-          </a:prstGeom>
-        </p:spPr>
-        <p:txBody>
-          <a:bodyPr wrap="none">
-            <a:spAutoFit/>
-          </a:bodyPr>
-          <a:lstStyle/>
-          <a:p>
-            <a:r>
-              <a:rPr lang="en-US" altLang="zh-TW" sz="7200" dirty="0" err="1"/>
-              <a:t>myde</a:t>
-            </a:r>
-            <a:r>
-              <a:rPr lang="en-US" altLang="zh-TW" sz="7200" dirty="0" err="1">
-                <a:solidFill>
-                  <a:srgbClr val="FFFF00"/>
-                </a:solidFill>
-              </a:rPr>
-              <a:t>a</a:t>
-            </a:r>
-            <a:r>
-              <a:rPr lang="en-US" altLang="zh-TW" sz="7200" dirty="0" err="1"/>
-              <a:t>r</a:t>
-            </a:r>
-            <a:endParaRPr lang="zh-TW" altLang="en-US" sz="7200" dirty="0"/>
-          </a:p>
-        </p:txBody>
-      </p:sp>
-      <p:sp>
-        <p:nvSpPr>
-          <p:cNvPr id="15" name="矩形 14"/>
-          <p:cNvSpPr/>
-          <p:nvPr/>
-        </p:nvSpPr>
-        <p:spPr>
-          <a:xfrm>
-            <a:off x="1159231" y="5446014"/>
-            <a:ext cx="2296654" cy="523220"/>
-          </a:xfrm>
-          <a:prstGeom prst="rect">
-            <a:avLst/>
-          </a:prstGeom>
-        </p:spPr>
-        <p:txBody>
-          <a:bodyPr wrap="none">
-            <a:spAutoFit/>
-          </a:bodyPr>
-          <a:lstStyle/>
-          <a:p>
-            <a:r>
-              <a:rPr lang="zh-TW" altLang="en-US" sz="2800" b="1" dirty="0" smtClean="0">
-                <a:solidFill>
-                  <a:srgbClr val="FFC000"/>
-                </a:solidFill>
-                <a:effectLst>
-                  <a:outerShdw blurRad="38100" dist="38100" dir="2700000" algn="tl">
-                    <a:srgbClr val="000000">
-                      <a:alpha val="43137"/>
-                    </a:srgbClr>
-                  </a:outerShdw>
-                </a:effectLst>
-              </a:rPr>
-              <a:t>明文 </a:t>
-            </a:r>
-            <a:r>
-              <a:rPr lang="en-US" altLang="zh-TW" sz="2800" b="1" dirty="0" smtClean="0">
-                <a:solidFill>
-                  <a:srgbClr val="FFC000"/>
-                </a:solidFill>
-                <a:effectLst>
-                  <a:outerShdw blurRad="38100" dist="38100" dir="2700000" algn="tl">
-                    <a:srgbClr val="000000">
-                      <a:alpha val="43137"/>
-                    </a:srgbClr>
-                  </a:outerShdw>
-                </a:effectLst>
-              </a:rPr>
-              <a:t>plaintext</a:t>
-            </a:r>
-            <a:endParaRPr lang="zh-TW" altLang="en-US" sz="2800" b="1" dirty="0">
-              <a:solidFill>
-                <a:srgbClr val="FFC000"/>
-              </a:solidFill>
-              <a:effectLst>
-                <a:outerShdw blurRad="38100" dist="38100" dir="2700000" algn="tl">
-                  <a:srgbClr val="000000">
-                    <a:alpha val="43137"/>
-                  </a:srgbClr>
-                </a:outerShdw>
-              </a:effectLst>
-            </a:endParaRPr>
-          </a:p>
-        </p:txBody>
-      </p:sp>
     </p:spTree>
     <p:extLst>
       <p:ext uri="{BB962C8B-B14F-4D97-AF65-F5344CB8AC3E}">
-        <p14:creationId xmlns:p14="http://schemas.microsoft.com/office/powerpoint/2010/main" val="3996857597"/>
+        <p14:creationId xmlns:p14="http://schemas.microsoft.com/office/powerpoint/2010/main" val="209240901"/>
       </p:ext>
     </p:extLst>
   </p:cSld>
@@ -7152,45 +6880,442 @@
           <a:bodyPr/>
           <a:lstStyle/>
           <a:p>
-            <a:r>
-              <a:rPr lang="en-US" altLang="zh-TW" dirty="0"/>
-              <a:t>4.linux</a:t>
-            </a:r>
-            <a:r>
-              <a:rPr lang="zh-TW" altLang="en-US" dirty="0"/>
-              <a:t>實戰</a:t>
-            </a:r>
-            <a:r>
-              <a:rPr lang="zh-TW" altLang="en-US" dirty="0" smtClean="0"/>
-              <a:t>技術</a:t>
-            </a:r>
-            <a:endParaRPr lang="zh-TW" altLang="en-US" dirty="0"/>
-          </a:p>
-        </p:txBody>
-      </p:sp>
-      <p:sp>
-        <p:nvSpPr>
-          <p:cNvPr id="3" name="內容版面配置區 2"/>
-          <p:cNvSpPr>
-            <a:spLocks noGrp="1"/>
-          </p:cNvSpPr>
+            <a:endParaRPr lang="zh-TW" altLang="en-US"/>
+          </a:p>
+        </p:txBody>
+      </p:sp>
+      <p:pic>
+        <p:nvPicPr>
+          <p:cNvPr id="4" name="內容版面配置區 3"/>
+          <p:cNvPicPr>
+            <a:picLocks noGrp="1" noChangeAspect="1"/>
+          </p:cNvPicPr>
           <p:nvPr>
             <p:ph idx="1"/>
           </p:nvPr>
-        </p:nvSpPr>
-        <p:spPr/>
-        <p:txBody>
-          <a:bodyPr/>
-          <a:lstStyle/>
-          <a:p>
+        </p:nvPicPr>
+        <p:blipFill>
+          <a:blip r:embed="rId2"/>
+          <a:stretch>
+            <a:fillRect/>
+          </a:stretch>
+        </p:blipFill>
+        <p:spPr>
+          <a:xfrm>
+            <a:off x="638286" y="545980"/>
+            <a:ext cx="10639940" cy="6128360"/>
+          </a:xfrm>
+          <a:prstGeom prst="rect">
+            <a:avLst/>
+          </a:prstGeom>
+        </p:spPr>
+      </p:pic>
+      <p:sp>
+        <p:nvSpPr>
+          <p:cNvPr id="5" name="矩形 4"/>
+          <p:cNvSpPr/>
+          <p:nvPr/>
+        </p:nvSpPr>
+        <p:spPr>
+          <a:xfrm>
+            <a:off x="5415712" y="2125785"/>
+            <a:ext cx="1949573" cy="954107"/>
+          </a:xfrm>
+          <a:prstGeom prst="rect">
+            <a:avLst/>
+          </a:prstGeom>
+        </p:spPr>
+        <p:txBody>
+          <a:bodyPr wrap="none">
+            <a:spAutoFit/>
+          </a:bodyPr>
+          <a:lstStyle/>
+          <a:p>
+            <a:r>
+              <a:rPr lang="zh-TW" altLang="en-US" sz="2800" b="1" dirty="0">
+                <a:effectLst>
+                  <a:outerShdw blurRad="38100" dist="38100" dir="2700000" algn="tl">
+                    <a:srgbClr val="000000">
+                      <a:alpha val="43137"/>
+                    </a:srgbClr>
+                  </a:outerShdw>
+                </a:effectLst>
+              </a:rPr>
+              <a:t>密</a:t>
+            </a:r>
+            <a:r>
+              <a:rPr lang="zh-TW" altLang="en-US" sz="2800" b="1" dirty="0" smtClean="0">
+                <a:effectLst>
+                  <a:outerShdw blurRad="38100" dist="38100" dir="2700000" algn="tl">
+                    <a:srgbClr val="000000">
+                      <a:alpha val="43137"/>
+                    </a:srgbClr>
+                  </a:outerShdw>
+                </a:effectLst>
+              </a:rPr>
+              <a:t>文 </a:t>
+            </a:r>
+            <a:endParaRPr lang="en-US" altLang="zh-TW" sz="2800" b="1" dirty="0" smtClean="0">
+              <a:effectLst>
+                <a:outerShdw blurRad="38100" dist="38100" dir="2700000" algn="tl">
+                  <a:srgbClr val="000000">
+                    <a:alpha val="43137"/>
+                  </a:srgbClr>
+                </a:outerShdw>
+              </a:effectLst>
+            </a:endParaRPr>
+          </a:p>
+          <a:p>
+            <a:r>
+              <a:rPr lang="en-US" altLang="zh-TW" sz="2800" b="1" dirty="0" err="1" smtClean="0">
+                <a:effectLst>
+                  <a:outerShdw blurRad="38100" dist="38100" dir="2700000" algn="tl">
+                    <a:srgbClr val="000000">
+                      <a:alpha val="43137"/>
+                    </a:srgbClr>
+                  </a:outerShdw>
+                </a:effectLst>
+              </a:rPr>
+              <a:t>ciphertext</a:t>
+            </a:r>
+            <a:endParaRPr lang="zh-TW" altLang="en-US" sz="2800" b="1" dirty="0">
+              <a:effectLst>
+                <a:outerShdw blurRad="38100" dist="38100" dir="2700000" algn="tl">
+                  <a:srgbClr val="000000">
+                    <a:alpha val="43137"/>
+                  </a:srgbClr>
+                </a:outerShdw>
+              </a:effectLst>
+            </a:endParaRPr>
+          </a:p>
+        </p:txBody>
+      </p:sp>
+      <p:sp>
+        <p:nvSpPr>
+          <p:cNvPr id="6" name="圓角矩形 5"/>
+          <p:cNvSpPr/>
+          <p:nvPr/>
+        </p:nvSpPr>
+        <p:spPr>
+          <a:xfrm>
+            <a:off x="5376985" y="1492739"/>
+            <a:ext cx="2797907" cy="633046"/>
+          </a:xfrm>
+          <a:prstGeom prst="roundRect">
+            <a:avLst/>
+          </a:prstGeom>
+          <a:noFill/>
+          <a:ln w="38100">
+            <a:solidFill>
+              <a:srgbClr val="92D050"/>
+            </a:solidFill>
+          </a:ln>
+        </p:spPr>
+        <p:style>
+          <a:lnRef idx="2">
+            <a:schemeClr val="accent1">
+              <a:shade val="50000"/>
+            </a:schemeClr>
+          </a:lnRef>
+          <a:fillRef idx="1">
+            <a:schemeClr val="accent1"/>
+          </a:fillRef>
+          <a:effectRef idx="0">
+            <a:schemeClr val="accent1"/>
+          </a:effectRef>
+          <a:fontRef idx="minor">
+            <a:schemeClr val="lt1"/>
+          </a:fontRef>
+        </p:style>
+        <p:txBody>
+          <a:bodyPr rtlCol="0" anchor="ctr"/>
+          <a:lstStyle/>
+          <a:p>
+            <a:pPr algn="ctr"/>
             <a:endParaRPr lang="zh-TW" altLang="en-US"/>
+          </a:p>
+        </p:txBody>
+      </p:sp>
+      <p:sp>
+        <p:nvSpPr>
+          <p:cNvPr id="7" name="圓角矩形 6"/>
+          <p:cNvSpPr/>
+          <p:nvPr/>
+        </p:nvSpPr>
+        <p:spPr>
+          <a:xfrm>
+            <a:off x="5376984" y="4192955"/>
+            <a:ext cx="4314093" cy="633046"/>
+          </a:xfrm>
+          <a:prstGeom prst="roundRect">
+            <a:avLst/>
+          </a:prstGeom>
+          <a:noFill/>
+          <a:ln w="38100">
+            <a:solidFill>
+              <a:srgbClr val="92D050"/>
+            </a:solidFill>
+          </a:ln>
+        </p:spPr>
+        <p:style>
+          <a:lnRef idx="2">
+            <a:schemeClr val="accent1">
+              <a:shade val="50000"/>
+            </a:schemeClr>
+          </a:lnRef>
+          <a:fillRef idx="1">
+            <a:schemeClr val="accent1"/>
+          </a:fillRef>
+          <a:effectRef idx="0">
+            <a:schemeClr val="accent1"/>
+          </a:effectRef>
+          <a:fontRef idx="minor">
+            <a:schemeClr val="lt1"/>
+          </a:fontRef>
+        </p:style>
+        <p:txBody>
+          <a:bodyPr rtlCol="0" anchor="ctr"/>
+          <a:lstStyle/>
+          <a:p>
+            <a:pPr algn="ctr"/>
+            <a:endParaRPr lang="zh-TW" altLang="en-US"/>
+          </a:p>
+        </p:txBody>
+      </p:sp>
+      <p:sp>
+        <p:nvSpPr>
+          <p:cNvPr id="8" name="圓角矩形 7"/>
+          <p:cNvSpPr/>
+          <p:nvPr/>
+        </p:nvSpPr>
+        <p:spPr>
+          <a:xfrm>
+            <a:off x="7534030" y="6085749"/>
+            <a:ext cx="1547447" cy="588591"/>
+          </a:xfrm>
+          <a:prstGeom prst="roundRect">
+            <a:avLst/>
+          </a:prstGeom>
+          <a:noFill/>
+          <a:ln w="57150">
+            <a:solidFill>
+              <a:srgbClr val="FF0000"/>
+            </a:solidFill>
+          </a:ln>
+        </p:spPr>
+        <p:style>
+          <a:lnRef idx="2">
+            <a:schemeClr val="accent1">
+              <a:shade val="50000"/>
+            </a:schemeClr>
+          </a:lnRef>
+          <a:fillRef idx="1">
+            <a:schemeClr val="accent1"/>
+          </a:fillRef>
+          <a:effectRef idx="0">
+            <a:schemeClr val="accent1"/>
+          </a:effectRef>
+          <a:fontRef idx="minor">
+            <a:schemeClr val="lt1"/>
+          </a:fontRef>
+        </p:style>
+        <p:txBody>
+          <a:bodyPr rtlCol="0" anchor="ctr"/>
+          <a:lstStyle/>
+          <a:p>
+            <a:pPr algn="ctr"/>
+            <a:endParaRPr lang="zh-TW" altLang="en-US"/>
+          </a:p>
+        </p:txBody>
+      </p:sp>
+      <p:cxnSp>
+        <p:nvCxnSpPr>
+          <p:cNvPr id="10" name="直線單箭頭接點 9"/>
+          <p:cNvCxnSpPr>
+            <a:stCxn id="8" idx="1"/>
+          </p:cNvCxnSpPr>
+          <p:nvPr/>
+        </p:nvCxnSpPr>
+        <p:spPr>
+          <a:xfrm flipH="1" flipV="1">
+            <a:off x="3978031" y="4024923"/>
+            <a:ext cx="3555999" cy="2355122"/>
+          </a:xfrm>
+          <a:prstGeom prst="straightConnector1">
+            <a:avLst/>
+          </a:prstGeom>
+          <a:ln w="57150">
+            <a:solidFill>
+              <a:srgbClr val="FF0000"/>
+            </a:solidFill>
+            <a:tailEnd type="triangle"/>
+          </a:ln>
+        </p:spPr>
+        <p:style>
+          <a:lnRef idx="1">
+            <a:schemeClr val="accent1"/>
+          </a:lnRef>
+          <a:fillRef idx="0">
+            <a:schemeClr val="accent1"/>
+          </a:fillRef>
+          <a:effectRef idx="0">
+            <a:schemeClr val="accent1"/>
+          </a:effectRef>
+          <a:fontRef idx="minor">
+            <a:schemeClr val="tx1"/>
+          </a:fontRef>
+        </p:style>
+      </p:cxnSp>
+      <p:sp>
+        <p:nvSpPr>
+          <p:cNvPr id="11" name="圓角矩形 10"/>
+          <p:cNvSpPr/>
+          <p:nvPr/>
+        </p:nvSpPr>
+        <p:spPr>
+          <a:xfrm>
+            <a:off x="3055814" y="3799750"/>
+            <a:ext cx="922218" cy="326774"/>
+          </a:xfrm>
+          <a:prstGeom prst="roundRect">
+            <a:avLst/>
+          </a:prstGeom>
+          <a:noFill/>
+          <a:ln w="57150">
+            <a:solidFill>
+              <a:srgbClr val="FF0000"/>
+            </a:solidFill>
+          </a:ln>
+        </p:spPr>
+        <p:style>
+          <a:lnRef idx="2">
+            <a:schemeClr val="accent1">
+              <a:shade val="50000"/>
+            </a:schemeClr>
+          </a:lnRef>
+          <a:fillRef idx="1">
+            <a:schemeClr val="accent1"/>
+          </a:fillRef>
+          <a:effectRef idx="0">
+            <a:schemeClr val="accent1"/>
+          </a:effectRef>
+          <a:fontRef idx="minor">
+            <a:schemeClr val="lt1"/>
+          </a:fontRef>
+        </p:style>
+        <p:txBody>
+          <a:bodyPr rtlCol="0" anchor="ctr"/>
+          <a:lstStyle/>
+          <a:p>
+            <a:pPr algn="ctr"/>
+            <a:endParaRPr lang="zh-TW" altLang="en-US"/>
+          </a:p>
+        </p:txBody>
+      </p:sp>
+      <p:sp>
+        <p:nvSpPr>
+          <p:cNvPr id="12" name="矩形 11"/>
+          <p:cNvSpPr/>
+          <p:nvPr/>
+        </p:nvSpPr>
+        <p:spPr>
+          <a:xfrm>
+            <a:off x="4515209" y="-92317"/>
+            <a:ext cx="1723549" cy="1015663"/>
+          </a:xfrm>
+          <a:prstGeom prst="rect">
+            <a:avLst/>
+          </a:prstGeom>
+        </p:spPr>
+        <p:txBody>
+          <a:bodyPr wrap="none">
+            <a:spAutoFit/>
+          </a:bodyPr>
+          <a:lstStyle/>
+          <a:p>
+            <a:r>
+              <a:rPr lang="zh-TW" altLang="en-US" sz="6000" dirty="0">
+                <a:solidFill>
+                  <a:srgbClr val="00B0F0"/>
+                </a:solidFill>
+              </a:rPr>
+              <a:t>解密</a:t>
+            </a:r>
+          </a:p>
+        </p:txBody>
+      </p:sp>
+      <p:sp>
+        <p:nvSpPr>
+          <p:cNvPr id="13" name="矩形 12"/>
+          <p:cNvSpPr/>
+          <p:nvPr/>
+        </p:nvSpPr>
+        <p:spPr>
+          <a:xfrm>
+            <a:off x="4030442" y="3400367"/>
+            <a:ext cx="1699504" cy="954107"/>
+          </a:xfrm>
+          <a:prstGeom prst="rect">
+            <a:avLst/>
+          </a:prstGeom>
+        </p:spPr>
+        <p:txBody>
+          <a:bodyPr wrap="none">
+            <a:spAutoFit/>
+          </a:bodyPr>
+          <a:lstStyle/>
+          <a:p>
+            <a:r>
+              <a:rPr lang="zh-TW" altLang="en-US" sz="2800" b="1" dirty="0" smtClean="0">
+                <a:effectLst>
+                  <a:outerShdw blurRad="38100" dist="38100" dir="2700000" algn="tl">
+                    <a:srgbClr val="000000">
+                      <a:alpha val="43137"/>
+                    </a:srgbClr>
+                  </a:outerShdw>
+                </a:effectLst>
+              </a:rPr>
+              <a:t>明文 </a:t>
+            </a:r>
+            <a:endParaRPr lang="en-US" altLang="zh-TW" sz="2800" b="1" dirty="0" smtClean="0">
+              <a:effectLst>
+                <a:outerShdw blurRad="38100" dist="38100" dir="2700000" algn="tl">
+                  <a:srgbClr val="000000">
+                    <a:alpha val="43137"/>
+                  </a:srgbClr>
+                </a:outerShdw>
+              </a:effectLst>
+            </a:endParaRPr>
+          </a:p>
+          <a:p>
+            <a:r>
+              <a:rPr lang="en-US" altLang="zh-TW" sz="2800" b="1" dirty="0" smtClean="0">
+                <a:effectLst>
+                  <a:outerShdw blurRad="38100" dist="38100" dir="2700000" algn="tl">
+                    <a:srgbClr val="000000">
+                      <a:alpha val="43137"/>
+                    </a:srgbClr>
+                  </a:outerShdw>
+                </a:effectLst>
+              </a:rPr>
+              <a:t>plaintext</a:t>
+            </a:r>
+            <a:endParaRPr lang="zh-TW" altLang="en-US" sz="2800" b="1" dirty="0">
+              <a:effectLst>
+                <a:outerShdw blurRad="38100" dist="38100" dir="2700000" algn="tl">
+                  <a:srgbClr val="000000">
+                    <a:alpha val="43137"/>
+                  </a:srgbClr>
+                </a:outerShdw>
+              </a:effectLst>
+            </a:endParaRPr>
           </a:p>
         </p:txBody>
       </p:sp>
     </p:spTree>
     <p:extLst>
       <p:ext uri="{BB962C8B-B14F-4D97-AF65-F5344CB8AC3E}">
-        <p14:creationId xmlns:p14="http://schemas.microsoft.com/office/powerpoint/2010/main" val="3592310241"/>
+        <p14:creationId xmlns:p14="http://schemas.microsoft.com/office/powerpoint/2010/main" val="1655836444"/>
       </p:ext>
     </p:extLst>
   </p:cSld>
@@ -7219,45 +7344,129 @@
       </p:grpSpPr>
       <p:sp>
         <p:nvSpPr>
-          <p:cNvPr id="2" name="標題 1"/>
-          <p:cNvSpPr>
-            <a:spLocks noGrp="1"/>
-          </p:cNvSpPr>
-          <p:nvPr>
-            <p:ph type="title"/>
-          </p:nvPr>
-        </p:nvSpPr>
-        <p:spPr>
-          <a:xfrm>
-            <a:off x="818359" y="403833"/>
-            <a:ext cx="10364451" cy="1011500"/>
-          </a:xfrm>
-        </p:spPr>
-        <p:txBody>
-          <a:bodyPr/>
-          <a:lstStyle/>
-          <a:p>
-            <a:r>
-              <a:rPr lang="en-US" altLang="zh-TW" dirty="0"/>
-              <a:t>5.Linux-CTF</a:t>
-            </a:r>
-            <a:r>
-              <a:rPr lang="zh-TW" altLang="en-US" dirty="0" smtClean="0"/>
-              <a:t>解題</a:t>
-            </a:r>
-            <a:endParaRPr lang="zh-TW" altLang="en-US" dirty="0"/>
-          </a:p>
-        </p:txBody>
-      </p:sp>
+          <p:cNvPr id="2" name="矩形 1"/>
+          <p:cNvSpPr/>
+          <p:nvPr/>
+        </p:nvSpPr>
+        <p:spPr>
+          <a:xfrm>
+            <a:off x="3604979" y="536118"/>
+            <a:ext cx="3268844" cy="1200329"/>
+          </a:xfrm>
+          <a:prstGeom prst="rect">
+            <a:avLst/>
+          </a:prstGeom>
+        </p:spPr>
+        <p:txBody>
+          <a:bodyPr wrap="none">
+            <a:spAutoFit/>
+          </a:bodyPr>
+          <a:lstStyle/>
+          <a:p>
+            <a:r>
+              <a:rPr lang="en-US" altLang="zh-TW" sz="7200" dirty="0" err="1"/>
+              <a:t>myde</a:t>
+            </a:r>
+            <a:r>
+              <a:rPr lang="en-US" altLang="zh-TW" sz="7200" dirty="0" err="1">
+                <a:solidFill>
+                  <a:schemeClr val="accent5"/>
+                </a:solidFill>
+              </a:rPr>
+              <a:t>a</a:t>
+            </a:r>
+            <a:r>
+              <a:rPr lang="en-US" altLang="zh-TW" sz="7200" dirty="0" err="1"/>
+              <a:t>r</a:t>
+            </a:r>
+            <a:endParaRPr lang="zh-TW" altLang="en-US" sz="7200" dirty="0"/>
+          </a:p>
+        </p:txBody>
+      </p:sp>
+      <p:sp>
+        <p:nvSpPr>
+          <p:cNvPr id="3" name="矩形 2"/>
+          <p:cNvSpPr/>
+          <p:nvPr/>
+        </p:nvSpPr>
+        <p:spPr>
+          <a:xfrm>
+            <a:off x="3809202" y="2795207"/>
+            <a:ext cx="2946640" cy="1107996"/>
+          </a:xfrm>
+          <a:prstGeom prst="rect">
+            <a:avLst/>
+          </a:prstGeom>
+        </p:spPr>
+        <p:txBody>
+          <a:bodyPr wrap="none">
+            <a:spAutoFit/>
+          </a:bodyPr>
+          <a:lstStyle/>
+          <a:p>
+            <a:r>
+              <a:rPr lang="en-US" altLang="zh-TW" sz="6600" dirty="0" err="1"/>
+              <a:t>pbgh</a:t>
+            </a:r>
+            <a:r>
+              <a:rPr lang="en-US" altLang="zh-TW" sz="6600" dirty="0" err="1">
+                <a:solidFill>
+                  <a:schemeClr val="accent5"/>
+                </a:solidFill>
+              </a:rPr>
+              <a:t>d</a:t>
+            </a:r>
+            <a:r>
+              <a:rPr lang="en-US" altLang="zh-TW" sz="6600" dirty="0" err="1"/>
+              <a:t>u</a:t>
+            </a:r>
+            <a:endParaRPr lang="zh-TW" altLang="en-US" sz="6600" dirty="0"/>
+          </a:p>
+        </p:txBody>
+      </p:sp>
+      <p:cxnSp>
+        <p:nvCxnSpPr>
+          <p:cNvPr id="5" name="直線單箭頭接點 4"/>
+          <p:cNvCxnSpPr/>
+          <p:nvPr/>
+        </p:nvCxnSpPr>
+        <p:spPr>
+          <a:xfrm flipH="1">
+            <a:off x="6002215" y="1646345"/>
+            <a:ext cx="7816" cy="1336431"/>
+          </a:xfrm>
+          <a:prstGeom prst="straightConnector1">
+            <a:avLst/>
+          </a:prstGeom>
+          <a:ln w="57150">
+            <a:solidFill>
+              <a:schemeClr val="accent5"/>
+            </a:solidFill>
+            <a:tailEnd type="triangle"/>
+          </a:ln>
+        </p:spPr>
+        <p:style>
+          <a:lnRef idx="1">
+            <a:schemeClr val="accent1"/>
+          </a:lnRef>
+          <a:fillRef idx="0">
+            <a:schemeClr val="accent1"/>
+          </a:fillRef>
+          <a:effectRef idx="0">
+            <a:schemeClr val="accent1"/>
+          </a:effectRef>
+          <a:fontRef idx="minor">
+            <a:schemeClr val="tx1"/>
+          </a:fontRef>
+        </p:style>
+      </p:cxnSp>
       <p:pic>
         <p:nvPicPr>
-          <p:cNvPr id="4" name="內容版面配置區 3"/>
+          <p:cNvPr id="6" name="圖片 5"/>
           <p:cNvPicPr>
-            <a:picLocks noGrp="1" noChangeAspect="1"/>
+            <a:picLocks noChangeAspect="1"/>
           </p:cNvPicPr>
-          <p:nvPr>
-            <p:ph idx="1"/>
-          </p:nvPr>
+          <p:nvPr/>
         </p:nvPicPr>
         <p:blipFill>
           <a:blip r:embed="rId2"/>
@@ -7267,18 +7476,425 @@
         </p:blipFill>
         <p:spPr>
           <a:xfrm>
-            <a:off x="1743121" y="1574358"/>
-            <a:ext cx="8829742" cy="4643561"/>
+            <a:off x="7503962" y="1860472"/>
+            <a:ext cx="4539328" cy="2520420"/>
           </a:xfrm>
           <a:prstGeom prst="rect">
             <a:avLst/>
           </a:prstGeom>
         </p:spPr>
       </p:pic>
+      <p:sp>
+        <p:nvSpPr>
+          <p:cNvPr id="7" name="矩形 6"/>
+          <p:cNvSpPr/>
+          <p:nvPr/>
+        </p:nvSpPr>
+        <p:spPr>
+          <a:xfrm>
+            <a:off x="6115075" y="1926177"/>
+            <a:ext cx="1107996" cy="646331"/>
+          </a:xfrm>
+          <a:prstGeom prst="rect">
+            <a:avLst/>
+          </a:prstGeom>
+        </p:spPr>
+        <p:txBody>
+          <a:bodyPr wrap="none">
+            <a:spAutoFit/>
+          </a:bodyPr>
+          <a:lstStyle/>
+          <a:p>
+            <a:r>
+              <a:rPr lang="zh-TW" altLang="en-US" sz="3600" b="1" dirty="0" smtClean="0">
+                <a:solidFill>
+                  <a:schemeClr val="accent5"/>
+                </a:solidFill>
+                <a:effectLst>
+                  <a:outerShdw blurRad="38100" dist="38100" dir="2700000" algn="tl">
+                    <a:srgbClr val="000000">
+                      <a:alpha val="43137"/>
+                    </a:srgbClr>
+                  </a:outerShdw>
+                </a:effectLst>
+              </a:rPr>
+              <a:t>加密</a:t>
+            </a:r>
+            <a:endParaRPr lang="en-US" altLang="zh-TW" sz="3600" b="1" dirty="0">
+              <a:solidFill>
+                <a:schemeClr val="accent5"/>
+              </a:solidFill>
+              <a:effectLst>
+                <a:outerShdw blurRad="38100" dist="38100" dir="2700000" algn="tl">
+                  <a:srgbClr val="000000">
+                    <a:alpha val="43137"/>
+                  </a:srgbClr>
+                </a:outerShdw>
+              </a:effectLst>
+            </a:endParaRPr>
+          </a:p>
+        </p:txBody>
+      </p:sp>
+      <p:sp>
+        <p:nvSpPr>
+          <p:cNvPr id="10" name="矩形 9"/>
+          <p:cNvSpPr/>
+          <p:nvPr/>
+        </p:nvSpPr>
+        <p:spPr>
+          <a:xfrm>
+            <a:off x="1159231" y="1123125"/>
+            <a:ext cx="2296654" cy="523220"/>
+          </a:xfrm>
+          <a:prstGeom prst="rect">
+            <a:avLst/>
+          </a:prstGeom>
+        </p:spPr>
+        <p:txBody>
+          <a:bodyPr wrap="none">
+            <a:spAutoFit/>
+          </a:bodyPr>
+          <a:lstStyle/>
+          <a:p>
+            <a:r>
+              <a:rPr lang="zh-TW" altLang="en-US" sz="2800" b="1" dirty="0" smtClean="0">
+                <a:solidFill>
+                  <a:srgbClr val="FFC000"/>
+                </a:solidFill>
+                <a:effectLst>
+                  <a:outerShdw blurRad="38100" dist="38100" dir="2700000" algn="tl">
+                    <a:srgbClr val="000000">
+                      <a:alpha val="43137"/>
+                    </a:srgbClr>
+                  </a:outerShdw>
+                </a:effectLst>
+              </a:rPr>
+              <a:t>明文 </a:t>
+            </a:r>
+            <a:r>
+              <a:rPr lang="en-US" altLang="zh-TW" sz="2800" b="1" dirty="0" smtClean="0">
+                <a:solidFill>
+                  <a:srgbClr val="FFC000"/>
+                </a:solidFill>
+                <a:effectLst>
+                  <a:outerShdw blurRad="38100" dist="38100" dir="2700000" algn="tl">
+                    <a:srgbClr val="000000">
+                      <a:alpha val="43137"/>
+                    </a:srgbClr>
+                  </a:outerShdw>
+                </a:effectLst>
+              </a:rPr>
+              <a:t>plaintext</a:t>
+            </a:r>
+            <a:endParaRPr lang="zh-TW" altLang="en-US" sz="2800" b="1" dirty="0">
+              <a:solidFill>
+                <a:srgbClr val="FFC000"/>
+              </a:solidFill>
+              <a:effectLst>
+                <a:outerShdw blurRad="38100" dist="38100" dir="2700000" algn="tl">
+                  <a:srgbClr val="000000">
+                    <a:alpha val="43137"/>
+                  </a:srgbClr>
+                </a:outerShdw>
+              </a:effectLst>
+            </a:endParaRPr>
+          </a:p>
+        </p:txBody>
+      </p:sp>
+      <p:sp>
+        <p:nvSpPr>
+          <p:cNvPr id="11" name="矩形 10"/>
+          <p:cNvSpPr/>
+          <p:nvPr/>
+        </p:nvSpPr>
+        <p:spPr>
+          <a:xfrm>
+            <a:off x="1201188" y="3221555"/>
+            <a:ext cx="2460417" cy="523220"/>
+          </a:xfrm>
+          <a:prstGeom prst="rect">
+            <a:avLst/>
+          </a:prstGeom>
+        </p:spPr>
+        <p:txBody>
+          <a:bodyPr wrap="none">
+            <a:spAutoFit/>
+          </a:bodyPr>
+          <a:lstStyle/>
+          <a:p>
+            <a:r>
+              <a:rPr lang="zh-TW" altLang="en-US" sz="2800" b="1" dirty="0">
+                <a:solidFill>
+                  <a:srgbClr val="FFC000"/>
+                </a:solidFill>
+                <a:effectLst>
+                  <a:outerShdw blurRad="38100" dist="38100" dir="2700000" algn="tl">
+                    <a:srgbClr val="000000">
+                      <a:alpha val="43137"/>
+                    </a:srgbClr>
+                  </a:outerShdw>
+                </a:effectLst>
+              </a:rPr>
+              <a:t>密</a:t>
+            </a:r>
+            <a:r>
+              <a:rPr lang="zh-TW" altLang="en-US" sz="2800" b="1" dirty="0" smtClean="0">
+                <a:solidFill>
+                  <a:srgbClr val="FFC000"/>
+                </a:solidFill>
+                <a:effectLst>
+                  <a:outerShdw blurRad="38100" dist="38100" dir="2700000" algn="tl">
+                    <a:srgbClr val="000000">
+                      <a:alpha val="43137"/>
+                    </a:srgbClr>
+                  </a:outerShdw>
+                </a:effectLst>
+              </a:rPr>
+              <a:t>文 </a:t>
+            </a:r>
+            <a:r>
+              <a:rPr lang="en-US" altLang="zh-TW" sz="2800" b="1" dirty="0" err="1">
+                <a:solidFill>
+                  <a:srgbClr val="FFC000"/>
+                </a:solidFill>
+                <a:effectLst>
+                  <a:outerShdw blurRad="38100" dist="38100" dir="2700000" algn="tl">
+                    <a:srgbClr val="000000">
+                      <a:alpha val="43137"/>
+                    </a:srgbClr>
+                  </a:outerShdw>
+                </a:effectLst>
+              </a:rPr>
+              <a:t>ciphertext</a:t>
+            </a:r>
+            <a:endParaRPr lang="zh-TW" altLang="en-US" sz="2800" b="1" dirty="0">
+              <a:solidFill>
+                <a:srgbClr val="FFC000"/>
+              </a:solidFill>
+              <a:effectLst>
+                <a:outerShdw blurRad="38100" dist="38100" dir="2700000" algn="tl">
+                  <a:srgbClr val="000000">
+                    <a:alpha val="43137"/>
+                  </a:srgbClr>
+                </a:outerShdw>
+              </a:effectLst>
+            </a:endParaRPr>
+          </a:p>
+        </p:txBody>
+      </p:sp>
+      <p:cxnSp>
+        <p:nvCxnSpPr>
+          <p:cNvPr id="9" name="直線單箭頭接點 8"/>
+          <p:cNvCxnSpPr/>
+          <p:nvPr/>
+        </p:nvCxnSpPr>
+        <p:spPr>
+          <a:xfrm flipH="1">
+            <a:off x="5927968" y="3903203"/>
+            <a:ext cx="7816" cy="1336431"/>
+          </a:xfrm>
+          <a:prstGeom prst="straightConnector1">
+            <a:avLst/>
+          </a:prstGeom>
+          <a:ln w="57150">
+            <a:solidFill>
+              <a:schemeClr val="accent5"/>
+            </a:solidFill>
+            <a:tailEnd type="triangle"/>
+          </a:ln>
+        </p:spPr>
+        <p:style>
+          <a:lnRef idx="1">
+            <a:schemeClr val="accent1"/>
+          </a:lnRef>
+          <a:fillRef idx="0">
+            <a:schemeClr val="accent1"/>
+          </a:fillRef>
+          <a:effectRef idx="0">
+            <a:schemeClr val="accent1"/>
+          </a:effectRef>
+          <a:fontRef idx="minor">
+            <a:schemeClr val="tx1"/>
+          </a:fontRef>
+        </p:style>
+      </p:cxnSp>
+      <p:sp>
+        <p:nvSpPr>
+          <p:cNvPr id="12" name="矩形 11"/>
+          <p:cNvSpPr/>
+          <p:nvPr/>
+        </p:nvSpPr>
+        <p:spPr>
+          <a:xfrm>
+            <a:off x="6216675" y="4228271"/>
+            <a:ext cx="1107996" cy="646331"/>
+          </a:xfrm>
+          <a:prstGeom prst="rect">
+            <a:avLst/>
+          </a:prstGeom>
+        </p:spPr>
+        <p:txBody>
+          <a:bodyPr wrap="none">
+            <a:spAutoFit/>
+          </a:bodyPr>
+          <a:lstStyle/>
+          <a:p>
+            <a:r>
+              <a:rPr lang="zh-TW" altLang="en-US" sz="3600" b="1" dirty="0">
+                <a:solidFill>
+                  <a:schemeClr val="accent5"/>
+                </a:solidFill>
+                <a:effectLst>
+                  <a:outerShdw blurRad="38100" dist="38100" dir="2700000" algn="tl">
+                    <a:srgbClr val="000000">
+                      <a:alpha val="43137"/>
+                    </a:srgbClr>
+                  </a:outerShdw>
+                </a:effectLst>
+              </a:rPr>
+              <a:t>解</a:t>
+            </a:r>
+            <a:r>
+              <a:rPr lang="zh-TW" altLang="en-US" sz="3600" b="1" dirty="0" smtClean="0">
+                <a:solidFill>
+                  <a:schemeClr val="accent5"/>
+                </a:solidFill>
+                <a:effectLst>
+                  <a:outerShdw blurRad="38100" dist="38100" dir="2700000" algn="tl">
+                    <a:srgbClr val="000000">
+                      <a:alpha val="43137"/>
+                    </a:srgbClr>
+                  </a:outerShdw>
+                </a:effectLst>
+              </a:rPr>
+              <a:t>密</a:t>
+            </a:r>
+            <a:endParaRPr lang="en-US" altLang="zh-TW" sz="3600" b="1" dirty="0">
+              <a:solidFill>
+                <a:schemeClr val="accent5"/>
+              </a:solidFill>
+              <a:effectLst>
+                <a:outerShdw blurRad="38100" dist="38100" dir="2700000" algn="tl">
+                  <a:srgbClr val="000000">
+                    <a:alpha val="43137"/>
+                  </a:srgbClr>
+                </a:outerShdw>
+              </a:effectLst>
+            </a:endParaRPr>
+          </a:p>
+        </p:txBody>
+      </p:sp>
+      <p:sp>
+        <p:nvSpPr>
+          <p:cNvPr id="13" name="矩形 12"/>
+          <p:cNvSpPr/>
+          <p:nvPr/>
+        </p:nvSpPr>
+        <p:spPr>
+          <a:xfrm>
+            <a:off x="3455885" y="4961963"/>
+            <a:ext cx="3268844" cy="1200329"/>
+          </a:xfrm>
+          <a:prstGeom prst="rect">
+            <a:avLst/>
+          </a:prstGeom>
+        </p:spPr>
+        <p:txBody>
+          <a:bodyPr wrap="none">
+            <a:spAutoFit/>
+          </a:bodyPr>
+          <a:lstStyle/>
+          <a:p>
+            <a:r>
+              <a:rPr lang="en-US" altLang="zh-TW" sz="7200" dirty="0" err="1"/>
+              <a:t>myde</a:t>
+            </a:r>
+            <a:r>
+              <a:rPr lang="en-US" altLang="zh-TW" sz="7200" dirty="0" err="1">
+                <a:solidFill>
+                  <a:schemeClr val="accent5"/>
+                </a:solidFill>
+              </a:rPr>
+              <a:t>a</a:t>
+            </a:r>
+            <a:r>
+              <a:rPr lang="en-US" altLang="zh-TW" sz="7200" dirty="0" err="1"/>
+              <a:t>r</a:t>
+            </a:r>
+            <a:endParaRPr lang="zh-TW" altLang="en-US" sz="7200" dirty="0"/>
+          </a:p>
+        </p:txBody>
+      </p:sp>
+      <p:sp>
+        <p:nvSpPr>
+          <p:cNvPr id="15" name="矩形 14"/>
+          <p:cNvSpPr/>
+          <p:nvPr/>
+        </p:nvSpPr>
+        <p:spPr>
+          <a:xfrm>
+            <a:off x="1159231" y="5446014"/>
+            <a:ext cx="2296654" cy="523220"/>
+          </a:xfrm>
+          <a:prstGeom prst="rect">
+            <a:avLst/>
+          </a:prstGeom>
+        </p:spPr>
+        <p:txBody>
+          <a:bodyPr wrap="none">
+            <a:spAutoFit/>
+          </a:bodyPr>
+          <a:lstStyle/>
+          <a:p>
+            <a:r>
+              <a:rPr lang="zh-TW" altLang="en-US" sz="2800" b="1" dirty="0" smtClean="0">
+                <a:solidFill>
+                  <a:srgbClr val="FFC000"/>
+                </a:solidFill>
+                <a:effectLst>
+                  <a:outerShdw blurRad="38100" dist="38100" dir="2700000" algn="tl">
+                    <a:srgbClr val="000000">
+                      <a:alpha val="43137"/>
+                    </a:srgbClr>
+                  </a:outerShdw>
+                </a:effectLst>
+              </a:rPr>
+              <a:t>明文 </a:t>
+            </a:r>
+            <a:r>
+              <a:rPr lang="en-US" altLang="zh-TW" sz="2800" b="1" dirty="0" smtClean="0">
+                <a:solidFill>
+                  <a:srgbClr val="FFC000"/>
+                </a:solidFill>
+                <a:effectLst>
+                  <a:outerShdw blurRad="38100" dist="38100" dir="2700000" algn="tl">
+                    <a:srgbClr val="000000">
+                      <a:alpha val="43137"/>
+                    </a:srgbClr>
+                  </a:outerShdw>
+                </a:effectLst>
+              </a:rPr>
+              <a:t>plaintext</a:t>
+            </a:r>
+            <a:endParaRPr lang="zh-TW" altLang="en-US" sz="2800" b="1" dirty="0">
+              <a:solidFill>
+                <a:srgbClr val="FFC000"/>
+              </a:solidFill>
+              <a:effectLst>
+                <a:outerShdw blurRad="38100" dist="38100" dir="2700000" algn="tl">
+                  <a:srgbClr val="000000">
+                    <a:alpha val="43137"/>
+                  </a:srgbClr>
+                </a:outerShdw>
+              </a:effectLst>
+            </a:endParaRPr>
+          </a:p>
+        </p:txBody>
+      </p:sp>
     </p:spTree>
     <p:extLst>
       <p:ext uri="{BB962C8B-B14F-4D97-AF65-F5344CB8AC3E}">
-        <p14:creationId xmlns:p14="http://schemas.microsoft.com/office/powerpoint/2010/main" val="971976528"/>
+        <p14:creationId xmlns:p14="http://schemas.microsoft.com/office/powerpoint/2010/main" val="3996857597"/>
       </p:ext>
     </p:extLst>
   </p:cSld>
@@ -7307,7 +7923,13 @@
       </p:grpSpPr>
       <p:sp>
         <p:nvSpPr>
-          <p:cNvPr id="2" name="標題 1"/>
+          <p:cNvPr id="2" name="標題 1">
+            <a:extLst>
+              <a:ext uri="{FF2B5EF4-FFF2-40B4-BE49-F238E27FC236}">
+                <a16:creationId xmlns:a16="http://schemas.microsoft.com/office/drawing/2014/main" id="{0C4D0F4A-5E2D-45E0-8D79-34D311464FBB}"/>
+              </a:ext>
+            </a:extLst>
+          </p:cNvPr>
           <p:cNvSpPr>
             <a:spLocks noGrp="1"/>
           </p:cNvSpPr>
@@ -7315,35 +7937,62 @@
             <p:ph type="title"/>
           </p:nvPr>
         </p:nvSpPr>
-        <p:spPr/>
-        <p:txBody>
-          <a:bodyPr/>
-          <a:lstStyle/>
-          <a:p>
-            <a:r>
-              <a:rPr lang="zh-TW" altLang="en-US" dirty="0" smtClean="0"/>
-              <a:t>使用</a:t>
-            </a:r>
-            <a:r>
-              <a:rPr lang="en-US" altLang="zh-TW" dirty="0" smtClean="0"/>
-              <a:t>putty</a:t>
-            </a:r>
-            <a:r>
-              <a:rPr lang="zh-TW" altLang="en-US" dirty="0" smtClean="0"/>
-              <a:t>進行網路連線</a:t>
-            </a:r>
-            <a:endParaRPr lang="zh-TW" altLang="en-US" dirty="0"/>
+        <p:spPr>
+          <a:xfrm>
+            <a:off x="913774" y="242000"/>
+            <a:ext cx="10364451" cy="1147530"/>
+          </a:xfrm>
+        </p:spPr>
+        <p:txBody>
+          <a:bodyPr>
+            <a:normAutofit/>
+          </a:bodyPr>
+          <a:lstStyle/>
+          <a:p>
+            <a:r>
+              <a:rPr lang="en-US" altLang="zh-TW" sz="6600" dirty="0"/>
+              <a:t>CTF</a:t>
+            </a:r>
+            <a:r>
+              <a:rPr lang="zh-TW" altLang="en-US" sz="6600" dirty="0"/>
+              <a:t> </a:t>
+            </a:r>
+            <a:r>
+              <a:rPr lang="zh-TW" altLang="en-US" sz="6600" b="1" dirty="0">
+                <a:solidFill>
+                  <a:srgbClr val="FF0000"/>
+                </a:solidFill>
+                <a:effectLst>
+                  <a:outerShdw blurRad="38100" dist="38100" dir="2700000" algn="tl">
+                    <a:srgbClr val="000000">
+                      <a:alpha val="43137"/>
+                    </a:srgbClr>
+                  </a:outerShdw>
+                </a:effectLst>
+              </a:rPr>
+              <a:t>破密</a:t>
+            </a:r>
+            <a:r>
+              <a:rPr lang="zh-TW" altLang="en-US" sz="6600" dirty="0"/>
+              <a:t>解題</a:t>
+            </a:r>
           </a:p>
         </p:txBody>
       </p:sp>
       <p:pic>
         <p:nvPicPr>
-          <p:cNvPr id="4" name="內容版面配置區 3"/>
+          <p:cNvPr id="4" name="內容版面配置區 3">
+            <a:extLst>
+              <a:ext uri="{FF2B5EF4-FFF2-40B4-BE49-F238E27FC236}">
+                <a16:creationId xmlns:a16="http://schemas.microsoft.com/office/drawing/2014/main" id="{AC189CC8-BB30-440A-9C63-2C7866CADBBB}"/>
+              </a:ext>
+            </a:extLst>
+          </p:cNvPr>
           <p:cNvPicPr>
             <a:picLocks noGrp="1" noChangeAspect="1"/>
           </p:cNvPicPr>
           <p:nvPr>
-            <p:ph idx="1"/>
+            <p:ph sz="quarter" idx="4294967295"/>
           </p:nvPr>
         </p:nvPicPr>
         <p:blipFill>
@@ -7354,118 +8003,18 @@
         </p:blipFill>
         <p:spPr>
           <a:xfrm>
-            <a:off x="7357170" y="1689264"/>
-            <a:ext cx="3782608" cy="2130012"/>
+            <a:off x="2090328" y="1560271"/>
+            <a:ext cx="8805078" cy="5145329"/>
           </a:xfrm>
           <a:prstGeom prst="rect">
             <a:avLst/>
           </a:prstGeom>
         </p:spPr>
       </p:pic>
-      <p:sp>
-        <p:nvSpPr>
-          <p:cNvPr id="6" name="矩形 5"/>
-          <p:cNvSpPr/>
-          <p:nvPr/>
-        </p:nvSpPr>
-        <p:spPr>
-          <a:xfrm>
-            <a:off x="913775" y="5009524"/>
-            <a:ext cx="3961084" cy="800219"/>
-          </a:xfrm>
-          <a:prstGeom prst="rect">
-            <a:avLst/>
-          </a:prstGeom>
-        </p:spPr>
-        <p:txBody>
-          <a:bodyPr wrap="none">
-            <a:spAutoFit/>
-          </a:bodyPr>
-          <a:lstStyle/>
-          <a:p>
-            <a:r>
-              <a:rPr lang="en-US" altLang="zh-TW" sz="2800" dirty="0" err="1" smtClean="0"/>
-              <a:t>PuTTY</a:t>
-            </a:r>
-            <a:endParaRPr lang="en-US" altLang="zh-TW" sz="2800" dirty="0" smtClean="0"/>
-          </a:p>
-          <a:p>
-            <a:r>
-              <a:rPr lang="en-US" altLang="zh-TW" dirty="0" smtClean="0"/>
-              <a:t>a </a:t>
-            </a:r>
-            <a:r>
-              <a:rPr lang="en-US" altLang="zh-TW" dirty="0"/>
-              <a:t>free SSH and telnet client for Windows</a:t>
-            </a:r>
-            <a:endParaRPr lang="zh-TW" altLang="en-US" dirty="0"/>
-          </a:p>
-        </p:txBody>
-      </p:sp>
-      <p:pic>
-        <p:nvPicPr>
-          <p:cNvPr id="7" name="圖片 6"/>
-          <p:cNvPicPr>
-            <a:picLocks noChangeAspect="1"/>
-          </p:cNvPicPr>
-          <p:nvPr/>
-        </p:nvPicPr>
-        <p:blipFill>
-          <a:blip r:embed="rId3"/>
-          <a:stretch>
-            <a:fillRect/>
-          </a:stretch>
-        </p:blipFill>
-        <p:spPr>
-          <a:xfrm>
-            <a:off x="571869" y="3120290"/>
-            <a:ext cx="3370974" cy="1769761"/>
-          </a:xfrm>
-          <a:prstGeom prst="rect">
-            <a:avLst/>
-          </a:prstGeom>
-        </p:spPr>
-      </p:pic>
-      <p:cxnSp>
-        <p:nvCxnSpPr>
-          <p:cNvPr id="9" name="直線單箭頭接點 8"/>
-          <p:cNvCxnSpPr>
-            <a:stCxn id="7" idx="3"/>
-            <a:endCxn id="4" idx="1"/>
-          </p:cNvCxnSpPr>
-          <p:nvPr/>
-        </p:nvCxnSpPr>
-        <p:spPr>
-          <a:xfrm flipV="1">
-            <a:off x="3942843" y="2754270"/>
-            <a:ext cx="3414327" cy="1250901"/>
-          </a:xfrm>
-          <a:prstGeom prst="straightConnector1">
-            <a:avLst/>
-          </a:prstGeom>
-          <a:ln w="38100">
-            <a:tailEnd type="triangle"/>
-          </a:ln>
-        </p:spPr>
-        <p:style>
-          <a:lnRef idx="1">
-            <a:schemeClr val="accent1"/>
-          </a:lnRef>
-          <a:fillRef idx="0">
-            <a:schemeClr val="accent1"/>
-          </a:fillRef>
-          <a:effectRef idx="0">
-            <a:schemeClr val="accent1"/>
-          </a:effectRef>
-          <a:fontRef idx="minor">
-            <a:schemeClr val="tx1"/>
-          </a:fontRef>
-        </p:style>
-      </p:cxnSp>
     </p:spTree>
     <p:extLst>
       <p:ext uri="{BB962C8B-B14F-4D97-AF65-F5344CB8AC3E}">
-        <p14:creationId xmlns:p14="http://schemas.microsoft.com/office/powerpoint/2010/main" val="1945530900"/>
+        <p14:creationId xmlns:p14="http://schemas.microsoft.com/office/powerpoint/2010/main" val="32547577"/>
       </p:ext>
     </p:extLst>
   </p:cSld>
@@ -7494,7 +8043,13 @@
       </p:grpSpPr>
       <p:sp>
         <p:nvSpPr>
-          <p:cNvPr id="2" name="標題 1"/>
+          <p:cNvPr id="2" name="標題 1">
+            <a:extLst>
+              <a:ext uri="{FF2B5EF4-FFF2-40B4-BE49-F238E27FC236}">
+                <a16:creationId xmlns:a16="http://schemas.microsoft.com/office/drawing/2014/main" id="{9521C303-4A91-4783-8285-ECA18B8E8CF5}"/>
+              </a:ext>
+            </a:extLst>
+          </p:cNvPr>
           <p:cNvSpPr>
             <a:spLocks noGrp="1"/>
           </p:cNvSpPr>
@@ -7502,24 +8057,37 @@
             <p:ph type="title"/>
           </p:nvPr>
         </p:nvSpPr>
-        <p:spPr/>
+        <p:spPr>
+          <a:xfrm>
+            <a:off x="1012387" y="286800"/>
+            <a:ext cx="10364451" cy="663436"/>
+          </a:xfrm>
+        </p:spPr>
         <p:txBody>
           <a:bodyPr/>
           <a:lstStyle/>
           <a:p>
-            <a:endParaRPr lang="zh-TW" altLang="en-US"/>
+            <a:r>
+              <a:rPr lang="en-US" altLang="zh-TW" dirty="0"/>
+              <a:t>https://planetcalc.com/1434/</a:t>
+            </a:r>
+            <a:endParaRPr lang="zh-TW" altLang="en-US" dirty="0"/>
           </a:p>
         </p:txBody>
       </p:sp>
       <p:pic>
         <p:nvPicPr>
-          <p:cNvPr id="4" name="內容版面配置區 3"/>
+          <p:cNvPr id="5" name="圖片 4">
+            <a:extLst>
+              <a:ext uri="{FF2B5EF4-FFF2-40B4-BE49-F238E27FC236}">
+                <a16:creationId xmlns:a16="http://schemas.microsoft.com/office/drawing/2014/main" id="{8C9F2DBA-D4BC-4B6D-8340-B7AEFD96ACD2}"/>
+              </a:ext>
+            </a:extLst>
+          </p:cNvPr>
           <p:cNvPicPr>
-            <a:picLocks noGrp="1" noChangeAspect="1"/>
+            <a:picLocks noChangeAspect="1"/>
           </p:cNvPicPr>
-          <p:nvPr>
-            <p:ph idx="1"/>
-          </p:nvPr>
+          <p:nvPr/>
         </p:nvPicPr>
         <p:blipFill>
           <a:blip r:embed="rId2"/>
@@ -7529,8 +8097,62 @@
         </p:blipFill>
         <p:spPr>
           <a:xfrm>
-            <a:off x="3880181" y="466601"/>
-            <a:ext cx="7240503" cy="5958053"/>
+            <a:off x="435293" y="5022306"/>
+            <a:ext cx="6018356" cy="1411201"/>
+          </a:xfrm>
+          <a:prstGeom prst="rect">
+            <a:avLst/>
+          </a:prstGeom>
+        </p:spPr>
+      </p:pic>
+      <p:pic>
+        <p:nvPicPr>
+          <p:cNvPr id="6" name="圖片 5">
+            <a:extLst>
+              <a:ext uri="{FF2B5EF4-FFF2-40B4-BE49-F238E27FC236}">
+                <a16:creationId xmlns:a16="http://schemas.microsoft.com/office/drawing/2014/main" id="{FBECAC51-0FFA-45C9-A340-0933057FF423}"/>
+              </a:ext>
+            </a:extLst>
+          </p:cNvPr>
+          <p:cNvPicPr>
+            <a:picLocks noChangeAspect="1"/>
+          </p:cNvPicPr>
+          <p:nvPr/>
+        </p:nvPicPr>
+        <p:blipFill>
+          <a:blip r:embed="rId3"/>
+          <a:stretch>
+            <a:fillRect/>
+          </a:stretch>
+        </p:blipFill>
+        <p:spPr>
+          <a:xfrm>
+            <a:off x="6600625" y="1959377"/>
+            <a:ext cx="5363677" cy="4280105"/>
+          </a:xfrm>
+          <a:prstGeom prst="rect">
+            <a:avLst/>
+          </a:prstGeom>
+        </p:spPr>
+      </p:pic>
+      <p:pic>
+        <p:nvPicPr>
+          <p:cNvPr id="3" name="圖片 2"/>
+          <p:cNvPicPr>
+            <a:picLocks noChangeAspect="1"/>
+          </p:cNvPicPr>
+          <p:nvPr/>
+        </p:nvPicPr>
+        <p:blipFill>
+          <a:blip r:embed="rId4"/>
+          <a:stretch>
+            <a:fillRect/>
+          </a:stretch>
+        </p:blipFill>
+        <p:spPr>
+          <a:xfrm>
+            <a:off x="435293" y="1327057"/>
+            <a:ext cx="6023370" cy="2962913"/>
           </a:xfrm>
           <a:prstGeom prst="rect">
             <a:avLst/>
@@ -7540,7 +8162,7 @@
     </p:spTree>
     <p:extLst>
       <p:ext uri="{BB962C8B-B14F-4D97-AF65-F5344CB8AC3E}">
-        <p14:creationId xmlns:p14="http://schemas.microsoft.com/office/powerpoint/2010/main" val="963306178"/>
+        <p14:creationId xmlns:p14="http://schemas.microsoft.com/office/powerpoint/2010/main" val="3213356367"/>
       </p:ext>
     </p:extLst>
   </p:cSld>
@@ -7567,38 +8189,19 @@
           <a:chExt cx="0" cy="0"/>
         </a:xfrm>
       </p:grpSpPr>
-      <p:sp>
-        <p:nvSpPr>
-          <p:cNvPr id="2" name="標題 1"/>
-          <p:cNvSpPr>
-            <a:spLocks noGrp="1"/>
-          </p:cNvSpPr>
-          <p:nvPr>
-            <p:ph type="title"/>
-          </p:nvPr>
-        </p:nvSpPr>
-        <p:spPr/>
-        <p:txBody>
-          <a:bodyPr/>
-          <a:lstStyle/>
-          <a:p>
-            <a:r>
-              <a:rPr lang="en-US" altLang="zh-TW" dirty="0"/>
-              <a:t>https://www.putty.org/</a:t>
-            </a:r>
-            <a:endParaRPr lang="zh-TW" altLang="en-US" dirty="0"/>
-          </a:p>
-        </p:txBody>
-      </p:sp>
       <p:pic>
         <p:nvPicPr>
-          <p:cNvPr id="4" name="內容版面配置區 3"/>
+          <p:cNvPr id="3" name="圖片 2">
+            <a:extLst>
+              <a:ext uri="{FF2B5EF4-FFF2-40B4-BE49-F238E27FC236}">
+                <a16:creationId xmlns:a16="http://schemas.microsoft.com/office/drawing/2014/main" id="{C789636C-8967-49AB-98D5-9C07E93F8401}"/>
+              </a:ext>
+            </a:extLst>
+          </p:cNvPr>
           <p:cNvPicPr>
-            <a:picLocks noGrp="1" noChangeAspect="1"/>
+            <a:picLocks noChangeAspect="1"/>
           </p:cNvPicPr>
-          <p:nvPr>
-            <p:ph idx="1"/>
-          </p:nvPr>
+          <p:nvPr/>
         </p:nvPicPr>
         <p:blipFill>
           <a:blip r:embed="rId2"/>
@@ -7608,110 +8211,332 @@
         </p:blipFill>
         <p:spPr>
           <a:xfrm>
-            <a:off x="677863" y="3035273"/>
-            <a:ext cx="8596312" cy="2132066"/>
+            <a:off x="267752" y="1120853"/>
+            <a:ext cx="5585944" cy="5563082"/>
           </a:xfrm>
           <a:prstGeom prst="rect">
             <a:avLst/>
           </a:prstGeom>
         </p:spPr>
       </p:pic>
-      <p:sp>
-        <p:nvSpPr>
-          <p:cNvPr id="5" name="矩形 4"/>
-          <p:cNvSpPr/>
+      <p:pic>
+        <p:nvPicPr>
+          <p:cNvPr id="4" name="圖片 3">
+            <a:extLst>
+              <a:ext uri="{FF2B5EF4-FFF2-40B4-BE49-F238E27FC236}">
+                <a16:creationId xmlns:a16="http://schemas.microsoft.com/office/drawing/2014/main" id="{2CE9B70E-A3B7-410C-81E7-D45436CB9504}"/>
+              </a:ext>
+            </a:extLst>
+          </p:cNvPr>
+          <p:cNvPicPr>
+            <a:picLocks noChangeAspect="1"/>
+          </p:cNvPicPr>
           <p:nvPr/>
-        </p:nvSpPr>
-        <p:spPr>
-          <a:xfrm>
-            <a:off x="4007457" y="4381169"/>
-            <a:ext cx="1820848" cy="675861"/>
+        </p:nvPicPr>
+        <p:blipFill>
+          <a:blip r:embed="rId3"/>
+          <a:stretch>
+            <a:fillRect/>
+          </a:stretch>
+        </p:blipFill>
+        <p:spPr>
+          <a:xfrm>
+            <a:off x="6096000" y="1120853"/>
+            <a:ext cx="6075692" cy="5563082"/>
           </a:xfrm>
           <a:prstGeom prst="rect">
             <a:avLst/>
           </a:prstGeom>
-          <a:noFill/>
-          <a:ln w="38100">
-            <a:solidFill>
-              <a:srgbClr val="FF0000"/>
-            </a:solidFill>
-          </a:ln>
-        </p:spPr>
-        <p:style>
-          <a:lnRef idx="2">
-            <a:schemeClr val="accent1">
-              <a:shade val="50000"/>
-            </a:schemeClr>
-          </a:lnRef>
-          <a:fillRef idx="1">
-            <a:schemeClr val="accent1"/>
-          </a:fillRef>
-          <a:effectRef idx="0">
-            <a:schemeClr val="accent1"/>
-          </a:effectRef>
-          <a:fontRef idx="minor">
-            <a:schemeClr val="lt1"/>
-          </a:fontRef>
-        </p:style>
-        <p:txBody>
-          <a:bodyPr rtlCol="0" anchor="ctr"/>
-          <a:lstStyle/>
-          <a:p>
-            <a:pPr algn="ctr"/>
-            <a:endParaRPr lang="zh-TW" altLang="en-US"/>
-          </a:p>
-        </p:txBody>
-      </p:sp>
-      <p:sp>
-        <p:nvSpPr>
-          <p:cNvPr id="6" name="向右箭號 5"/>
+        </p:spPr>
+      </p:pic>
+      <p:sp>
+        <p:nvSpPr>
+          <p:cNvPr id="5" name="矩形 4">
+            <a:extLst>
+              <a:ext uri="{FF2B5EF4-FFF2-40B4-BE49-F238E27FC236}">
+                <a16:creationId xmlns:a16="http://schemas.microsoft.com/office/drawing/2014/main" id="{73A74FBC-2C20-4E51-BE52-643DF7DBF82A}"/>
+              </a:ext>
+            </a:extLst>
+          </p:cNvPr>
           <p:cNvSpPr/>
           <p:nvPr/>
         </p:nvSpPr>
         <p:spPr>
           <a:xfrm>
-            <a:off x="3411110" y="4500438"/>
-            <a:ext cx="540688" cy="461176"/>
-          </a:xfrm>
-          <a:prstGeom prst="rightArrow">
+            <a:off x="2430024" y="30630"/>
+            <a:ext cx="9833141" cy="1138773"/>
+          </a:xfrm>
+          <a:prstGeom prst="rect">
             <a:avLst/>
           </a:prstGeom>
-          <a:solidFill>
-            <a:srgbClr val="FF0000"/>
-          </a:solidFill>
-          <a:ln>
-            <a:noFill/>
-          </a:ln>
-        </p:spPr>
-        <p:style>
-          <a:lnRef idx="2">
-            <a:schemeClr val="accent1">
-              <a:shade val="50000"/>
-            </a:schemeClr>
-          </a:lnRef>
-          <a:fillRef idx="1">
-            <a:schemeClr val="accent1"/>
-          </a:fillRef>
-          <a:effectRef idx="0">
-            <a:schemeClr val="accent1"/>
-          </a:effectRef>
-          <a:fontRef idx="minor">
-            <a:schemeClr val="lt1"/>
-          </a:fontRef>
-        </p:style>
-        <p:txBody>
-          <a:bodyPr rtlCol="0" anchor="ctr"/>
-          <a:lstStyle/>
-          <a:p>
-            <a:pPr algn="ctr"/>
-            <a:endParaRPr lang="zh-TW" altLang="en-US"/>
+        </p:spPr>
+        <p:txBody>
+          <a:bodyPr wrap="none">
+            <a:spAutoFit/>
+          </a:bodyPr>
+          <a:lstStyle/>
+          <a:p>
+            <a:r>
+              <a:rPr lang="zh-TW" altLang="en-US" sz="4400" b="1" i="1" dirty="0">
+                <a:solidFill>
+                  <a:srgbClr val="002060"/>
+                </a:solidFill>
+                <a:effectLst>
+                  <a:outerShdw blurRad="38100" dist="38100" dir="2700000" algn="tl">
+                    <a:srgbClr val="000000">
+                      <a:alpha val="43137"/>
+                    </a:srgbClr>
+                  </a:outerShdw>
+                </a:effectLst>
+              </a:rPr>
+              <a:t>窮舉法</a:t>
+            </a:r>
+            <a:r>
+              <a:rPr lang="en-US" altLang="zh-TW" sz="4400" b="1" i="1" dirty="0">
+                <a:solidFill>
+                  <a:srgbClr val="002060"/>
+                </a:solidFill>
+                <a:effectLst>
+                  <a:outerShdw blurRad="38100" dist="38100" dir="2700000" algn="tl">
+                    <a:srgbClr val="000000">
+                      <a:alpha val="43137"/>
+                    </a:srgbClr>
+                  </a:outerShdw>
+                </a:effectLst>
+              </a:rPr>
+              <a:t>:</a:t>
+            </a:r>
+            <a:r>
+              <a:rPr lang="zh-TW" altLang="en-US" sz="4400" b="1" i="1" dirty="0">
+                <a:solidFill>
+                  <a:srgbClr val="002060"/>
+                </a:solidFill>
+                <a:effectLst>
+                  <a:outerShdw blurRad="38100" dist="38100" dir="2700000" algn="tl">
+                    <a:srgbClr val="000000">
+                      <a:alpha val="43137"/>
+                    </a:srgbClr>
+                  </a:outerShdw>
+                </a:effectLst>
+              </a:rPr>
+              <a:t> 把所有可能的都列出來</a:t>
+            </a:r>
+            <a:endParaRPr lang="en-US" altLang="zh-TW" sz="4400" b="1" i="1" dirty="0">
+              <a:solidFill>
+                <a:srgbClr val="002060"/>
+              </a:solidFill>
+              <a:effectLst>
+                <a:outerShdw blurRad="38100" dist="38100" dir="2700000" algn="tl">
+                  <a:srgbClr val="000000">
+                    <a:alpha val="43137"/>
+                  </a:srgbClr>
+                </a:outerShdw>
+              </a:effectLst>
+            </a:endParaRPr>
+          </a:p>
+          <a:p>
+            <a:r>
+              <a:rPr lang="zh-TW" altLang="en-US" sz="2400" b="1" i="1" dirty="0">
+                <a:solidFill>
+                  <a:srgbClr val="002060"/>
+                </a:solidFill>
+                <a:effectLst>
+                  <a:outerShdw blurRad="38100" dist="38100" dir="2700000" algn="tl">
+                    <a:srgbClr val="000000">
+                      <a:alpha val="43137"/>
+                    </a:srgbClr>
+                  </a:outerShdw>
+                </a:effectLst>
+              </a:rPr>
+              <a:t>簡稱 </a:t>
+            </a:r>
+            <a:r>
+              <a:rPr lang="zh-TW" altLang="en-US" sz="2400" b="1" i="1" dirty="0" smtClean="0">
+                <a:solidFill>
+                  <a:srgbClr val="FF0000"/>
+                </a:solidFill>
+                <a:effectLst>
+                  <a:outerShdw blurRad="38100" dist="38100" dir="2700000" algn="tl">
+                    <a:srgbClr val="000000">
+                      <a:alpha val="43137"/>
+                    </a:srgbClr>
+                  </a:outerShdw>
+                </a:effectLst>
+              </a:rPr>
+              <a:t>暴力破解法    </a:t>
+            </a:r>
+            <a:r>
+              <a:rPr lang="zh-TW" altLang="en-US" sz="2400" b="1" i="1" dirty="0">
+                <a:solidFill>
+                  <a:srgbClr val="002060"/>
+                </a:solidFill>
+                <a:effectLst>
+                  <a:outerShdw blurRad="38100" dist="38100" dir="2700000" algn="tl">
+                    <a:srgbClr val="000000">
+                      <a:alpha val="43137"/>
+                    </a:srgbClr>
+                  </a:outerShdw>
+                </a:effectLst>
+              </a:rPr>
+              <a:t>英文字母只有</a:t>
+            </a:r>
+            <a:r>
+              <a:rPr lang="en-US" altLang="zh-TW" sz="2400" b="1" i="1" dirty="0">
+                <a:solidFill>
+                  <a:srgbClr val="002060"/>
+                </a:solidFill>
+                <a:effectLst>
+                  <a:outerShdw blurRad="38100" dist="38100" dir="2700000" algn="tl">
+                    <a:srgbClr val="000000">
+                      <a:alpha val="43137"/>
+                    </a:srgbClr>
+                  </a:outerShdw>
+                </a:effectLst>
+              </a:rPr>
+              <a:t>26</a:t>
+            </a:r>
+            <a:r>
+              <a:rPr lang="zh-TW" altLang="en-US" sz="2400" b="1" i="1" dirty="0">
+                <a:solidFill>
+                  <a:srgbClr val="002060"/>
+                </a:solidFill>
+                <a:effectLst>
+                  <a:outerShdw blurRad="38100" dist="38100" dir="2700000" algn="tl">
+                    <a:srgbClr val="000000">
+                      <a:alpha val="43137"/>
+                    </a:srgbClr>
+                  </a:outerShdw>
+                </a:effectLst>
+              </a:rPr>
+              <a:t>個</a:t>
+            </a:r>
+            <a:r>
+              <a:rPr lang="en-US" altLang="zh-TW" sz="2400" b="1" i="1" dirty="0">
+                <a:solidFill>
+                  <a:srgbClr val="002060"/>
+                </a:solidFill>
+                <a:effectLst>
+                  <a:outerShdw blurRad="38100" dist="38100" dir="2700000" algn="tl">
+                    <a:srgbClr val="000000">
+                      <a:alpha val="43137"/>
+                    </a:srgbClr>
+                  </a:outerShdw>
+                </a:effectLst>
+              </a:rPr>
+              <a:t>,</a:t>
+            </a:r>
+            <a:r>
+              <a:rPr lang="zh-TW" altLang="en-US" sz="2400" b="1" i="1" dirty="0">
+                <a:solidFill>
+                  <a:srgbClr val="002060"/>
+                </a:solidFill>
+                <a:effectLst>
+                  <a:outerShdw blurRad="38100" dist="38100" dir="2700000" algn="tl">
+                    <a:srgbClr val="000000">
+                      <a:alpha val="43137"/>
+                    </a:srgbClr>
+                  </a:outerShdw>
+                </a:effectLst>
+              </a:rPr>
+              <a:t>所以全部共有</a:t>
+            </a:r>
+            <a:r>
+              <a:rPr lang="en-US" altLang="zh-TW" sz="2400" b="1" i="1" dirty="0">
+                <a:solidFill>
+                  <a:srgbClr val="002060"/>
+                </a:solidFill>
+                <a:effectLst>
+                  <a:outerShdw blurRad="38100" dist="38100" dir="2700000" algn="tl">
+                    <a:srgbClr val="000000">
+                      <a:alpha val="43137"/>
+                    </a:srgbClr>
+                  </a:outerShdw>
+                </a:effectLst>
+              </a:rPr>
+              <a:t>26</a:t>
+            </a:r>
+            <a:r>
+              <a:rPr lang="zh-TW" altLang="en-US" sz="2400" b="1" i="1" dirty="0">
+                <a:solidFill>
+                  <a:srgbClr val="002060"/>
+                </a:solidFill>
+                <a:effectLst>
+                  <a:outerShdw blurRad="38100" dist="38100" dir="2700000" algn="tl">
+                    <a:srgbClr val="000000">
+                      <a:alpha val="43137"/>
+                    </a:srgbClr>
+                  </a:outerShdw>
+                </a:effectLst>
+              </a:rPr>
+              <a:t>種</a:t>
+            </a:r>
+            <a:r>
+              <a:rPr lang="en-US" altLang="zh-TW" sz="2400" b="1" i="1" dirty="0">
+                <a:solidFill>
+                  <a:srgbClr val="002060"/>
+                </a:solidFill>
+                <a:effectLst>
+                  <a:outerShdw blurRad="38100" dist="38100" dir="2700000" algn="tl">
+                    <a:srgbClr val="000000">
+                      <a:alpha val="43137"/>
+                    </a:srgbClr>
+                  </a:outerShdw>
+                </a:effectLst>
+              </a:rPr>
+              <a:t>(</a:t>
+            </a:r>
+            <a:r>
+              <a:rPr lang="zh-TW" altLang="en-US" sz="2400" b="1" i="1" dirty="0">
+                <a:solidFill>
+                  <a:srgbClr val="002060"/>
+                </a:solidFill>
+                <a:effectLst>
+                  <a:outerShdw blurRad="38100" dist="38100" dir="2700000" algn="tl">
+                    <a:srgbClr val="000000">
+                      <a:alpha val="43137"/>
+                    </a:srgbClr>
+                  </a:outerShdw>
+                </a:effectLst>
+              </a:rPr>
+              <a:t>加密</a:t>
+            </a:r>
+            <a:r>
+              <a:rPr lang="en-US" altLang="zh-TW" sz="2400" b="1" i="1" dirty="0">
+                <a:solidFill>
+                  <a:srgbClr val="002060"/>
+                </a:solidFill>
+                <a:effectLst>
+                  <a:outerShdw blurRad="38100" dist="38100" dir="2700000" algn="tl">
+                    <a:srgbClr val="000000">
+                      <a:alpha val="43137"/>
+                    </a:srgbClr>
+                  </a:outerShdw>
+                </a:effectLst>
+              </a:rPr>
+              <a:t>)</a:t>
+            </a:r>
+            <a:r>
+              <a:rPr lang="zh-TW" altLang="en-US" sz="2400" b="1" i="1" dirty="0">
+                <a:solidFill>
+                  <a:srgbClr val="002060"/>
+                </a:solidFill>
+                <a:effectLst>
+                  <a:outerShdw blurRad="38100" dist="38100" dir="2700000" algn="tl">
+                    <a:srgbClr val="000000">
+                      <a:alpha val="43137"/>
+                    </a:srgbClr>
+                  </a:outerShdw>
+                </a:effectLst>
+              </a:rPr>
+              <a:t>移位法</a:t>
+            </a:r>
           </a:p>
         </p:txBody>
       </p:sp>
     </p:spTree>
     <p:extLst>
       <p:ext uri="{BB962C8B-B14F-4D97-AF65-F5344CB8AC3E}">
-        <p14:creationId xmlns:p14="http://schemas.microsoft.com/office/powerpoint/2010/main" val="529936235"/>
+        <p14:creationId xmlns:p14="http://schemas.microsoft.com/office/powerpoint/2010/main" val="260724650"/>
       </p:ext>
     </p:extLst>
   </p:cSld>
@@ -7740,32 +8565,160 @@
       </p:grpSpPr>
       <p:sp>
         <p:nvSpPr>
-          <p:cNvPr id="2" name="標題 1"/>
-          <p:cNvSpPr>
-            <a:spLocks noGrp="1"/>
-          </p:cNvSpPr>
-          <p:nvPr>
-            <p:ph type="title"/>
-          </p:nvPr>
-        </p:nvSpPr>
-        <p:spPr/>
-        <p:txBody>
-          <a:bodyPr/>
-          <a:lstStyle/>
-          <a:p>
-            <a:endParaRPr lang="zh-TW" altLang="en-US"/>
+          <p:cNvPr id="3" name="矩形 2">
+            <a:extLst>
+              <a:ext uri="{FF2B5EF4-FFF2-40B4-BE49-F238E27FC236}">
+                <a16:creationId xmlns:a16="http://schemas.microsoft.com/office/drawing/2014/main" id="{49627341-AB63-48BC-BFF9-5313FC9A78EE}"/>
+              </a:ext>
+            </a:extLst>
+          </p:cNvPr>
+          <p:cNvSpPr/>
+          <p:nvPr/>
+        </p:nvSpPr>
+        <p:spPr>
+          <a:xfrm>
+            <a:off x="1290917" y="3814954"/>
+            <a:ext cx="8955741" cy="2677656"/>
+          </a:xfrm>
+          <a:prstGeom prst="rect">
+            <a:avLst/>
+          </a:prstGeom>
+        </p:spPr>
+        <p:txBody>
+          <a:bodyPr wrap="square">
+            <a:spAutoFit/>
+          </a:bodyPr>
+          <a:lstStyle/>
+          <a:p>
+            <a:r>
+              <a:rPr lang="en-US" altLang="zh-TW" sz="2400" dirty="0"/>
+              <a:t>ROT0	</a:t>
+            </a:r>
+            <a:r>
+              <a:rPr lang="en-US" altLang="zh-TW" sz="2400" dirty="0" err="1"/>
+              <a:t>xyzqc</a:t>
+            </a:r>
+            <a:r>
+              <a:rPr lang="en-US" altLang="zh-TW" sz="2400" dirty="0"/>
+              <a:t>{t3_qelrdeq_t3_k33a3a_lk3_lc_qe3p3}</a:t>
+            </a:r>
+          </a:p>
+          <a:p>
+            <a:endParaRPr lang="en-US" altLang="zh-TW" sz="2400" dirty="0"/>
+          </a:p>
+          <a:p>
+            <a:r>
+              <a:rPr lang="en-US" altLang="zh-TW" sz="2400" dirty="0"/>
+              <a:t>ROT1	</a:t>
+            </a:r>
+            <a:r>
+              <a:rPr lang="en-US" altLang="zh-TW" sz="2400" dirty="0" err="1"/>
+              <a:t>yzard</a:t>
+            </a:r>
+            <a:r>
+              <a:rPr lang="en-US" altLang="zh-TW" sz="2400" dirty="0"/>
+              <a:t>{u3_rfmsefr_u3_l33b3b_ml3_md_rf3q3}</a:t>
+            </a:r>
+          </a:p>
+          <a:p>
+            <a:endParaRPr lang="en-US" altLang="zh-TW" sz="2400" dirty="0"/>
+          </a:p>
+          <a:p>
+            <a:r>
+              <a:rPr lang="en-US" altLang="zh-TW" sz="2400" dirty="0"/>
+              <a:t>ROT2	</a:t>
+            </a:r>
+            <a:r>
+              <a:rPr lang="en-US" altLang="zh-TW" sz="2400" dirty="0" err="1"/>
+              <a:t>zabse</a:t>
+            </a:r>
+            <a:r>
+              <a:rPr lang="en-US" altLang="zh-TW" sz="2400" dirty="0"/>
+              <a:t>{v3_sgntfgs_v3_m33c3c_nm3_ne_sg3r3}</a:t>
+            </a:r>
+          </a:p>
+          <a:p>
+            <a:endParaRPr lang="en-US" altLang="zh-TW" sz="2400" b="1" dirty="0">
+              <a:solidFill>
+                <a:srgbClr val="FF0000"/>
+              </a:solidFill>
+              <a:effectLst>
+                <a:outerShdw blurRad="38100" dist="38100" dir="2700000" algn="tl">
+                  <a:srgbClr val="000000">
+                    <a:alpha val="43137"/>
+                  </a:srgbClr>
+                </a:outerShdw>
+              </a:effectLst>
+            </a:endParaRPr>
+          </a:p>
+          <a:p>
+            <a:r>
+              <a:rPr lang="en-US" altLang="zh-TW" sz="2400" b="1" dirty="0">
+                <a:solidFill>
+                  <a:srgbClr val="FF0000"/>
+                </a:solidFill>
+                <a:effectLst>
+                  <a:outerShdw blurRad="38100" dist="38100" dir="2700000" algn="tl">
+                    <a:srgbClr val="000000">
+                      <a:alpha val="43137"/>
+                    </a:srgbClr>
+                  </a:outerShdw>
+                </a:effectLst>
+              </a:rPr>
+              <a:t>ROT3	</a:t>
+            </a:r>
+            <a:r>
+              <a:rPr lang="en-US" altLang="zh-TW" sz="2400" b="1" dirty="0" err="1">
+                <a:solidFill>
+                  <a:srgbClr val="FF0000"/>
+                </a:solidFill>
+                <a:effectLst>
+                  <a:outerShdw blurRad="38100" dist="38100" dir="2700000" algn="tl">
+                    <a:srgbClr val="000000">
+                      <a:alpha val="43137"/>
+                    </a:srgbClr>
+                  </a:outerShdw>
+                </a:effectLst>
+              </a:rPr>
+              <a:t>abctf</a:t>
+            </a:r>
+            <a:r>
+              <a:rPr lang="en-US" altLang="zh-TW" sz="2400" b="1" dirty="0">
+                <a:solidFill>
+                  <a:srgbClr val="FF0000"/>
+                </a:solidFill>
+                <a:effectLst>
+                  <a:outerShdw blurRad="38100" dist="38100" dir="2700000" algn="tl">
+                    <a:srgbClr val="000000">
+                      <a:alpha val="43137"/>
+                    </a:srgbClr>
+                  </a:outerShdw>
+                </a:effectLst>
+              </a:rPr>
+              <a:t>{w3_thought_w3_n33d3d_on3_of_th3s3}</a:t>
+            </a:r>
+            <a:endParaRPr lang="zh-TW" altLang="en-US" sz="2400" b="1" dirty="0">
+              <a:solidFill>
+                <a:srgbClr val="FF0000"/>
+              </a:solidFill>
+              <a:effectLst>
+                <a:outerShdw blurRad="38100" dist="38100" dir="2700000" algn="tl">
+                  <a:srgbClr val="000000">
+                    <a:alpha val="43137"/>
+                  </a:srgbClr>
+                </a:outerShdw>
+              </a:effectLst>
+            </a:endParaRPr>
           </a:p>
         </p:txBody>
       </p:sp>
       <p:pic>
         <p:nvPicPr>
-          <p:cNvPr id="4" name="內容版面配置區 3"/>
+          <p:cNvPr id="4" name="圖片 3"/>
           <p:cNvPicPr>
-            <a:picLocks noGrp="1" noChangeAspect="1"/>
+            <a:picLocks noChangeAspect="1"/>
           </p:cNvPicPr>
-          <p:nvPr>
-            <p:ph idx="1"/>
-          </p:nvPr>
+          <p:nvPr/>
         </p:nvPicPr>
         <p:blipFill>
           <a:blip r:embed="rId2"/>
@@ -7775,145 +8728,18 @@
         </p:blipFill>
         <p:spPr>
           <a:xfrm>
-            <a:off x="2853619" y="267819"/>
-            <a:ext cx="8962212" cy="6331764"/>
+            <a:off x="1144093" y="608108"/>
+            <a:ext cx="6024149" cy="2967118"/>
           </a:xfrm>
           <a:prstGeom prst="rect">
             <a:avLst/>
           </a:prstGeom>
         </p:spPr>
       </p:pic>
-      <p:sp>
-        <p:nvSpPr>
-          <p:cNvPr id="5" name="矩形 4"/>
-          <p:cNvSpPr/>
-          <p:nvPr/>
-        </p:nvSpPr>
-        <p:spPr>
-          <a:xfrm>
-            <a:off x="3220278" y="5979381"/>
-            <a:ext cx="3450866" cy="286247"/>
-          </a:xfrm>
-          <a:prstGeom prst="rect">
-            <a:avLst/>
-          </a:prstGeom>
-          <a:noFill/>
-          <a:ln w="38100">
-            <a:solidFill>
-              <a:srgbClr val="FF0000"/>
-            </a:solidFill>
-          </a:ln>
-        </p:spPr>
-        <p:style>
-          <a:lnRef idx="2">
-            <a:schemeClr val="accent1">
-              <a:shade val="50000"/>
-            </a:schemeClr>
-          </a:lnRef>
-          <a:fillRef idx="1">
-            <a:schemeClr val="accent1"/>
-          </a:fillRef>
-          <a:effectRef idx="0">
-            <a:schemeClr val="accent1"/>
-          </a:effectRef>
-          <a:fontRef idx="minor">
-            <a:schemeClr val="lt1"/>
-          </a:fontRef>
-        </p:style>
-        <p:txBody>
-          <a:bodyPr rtlCol="0" anchor="ctr"/>
-          <a:lstStyle/>
-          <a:p>
-            <a:pPr algn="ctr"/>
-            <a:endParaRPr lang="zh-TW" altLang="en-US"/>
-          </a:p>
-        </p:txBody>
-      </p:sp>
-      <p:sp>
-        <p:nvSpPr>
-          <p:cNvPr id="6" name="向右箭號 5"/>
-          <p:cNvSpPr/>
-          <p:nvPr/>
-        </p:nvSpPr>
-        <p:spPr>
-          <a:xfrm>
-            <a:off x="2583275" y="5891916"/>
-            <a:ext cx="540688" cy="461176"/>
-          </a:xfrm>
-          <a:prstGeom prst="rightArrow">
-            <a:avLst/>
-          </a:prstGeom>
-          <a:solidFill>
-            <a:srgbClr val="FF0000"/>
-          </a:solidFill>
-          <a:ln>
-            <a:noFill/>
-          </a:ln>
-        </p:spPr>
-        <p:style>
-          <a:lnRef idx="2">
-            <a:schemeClr val="accent1">
-              <a:shade val="50000"/>
-            </a:schemeClr>
-          </a:lnRef>
-          <a:fillRef idx="1">
-            <a:schemeClr val="accent1"/>
-          </a:fillRef>
-          <a:effectRef idx="0">
-            <a:schemeClr val="accent1"/>
-          </a:effectRef>
-          <a:fontRef idx="minor">
-            <a:schemeClr val="lt1"/>
-          </a:fontRef>
-        </p:style>
-        <p:txBody>
-          <a:bodyPr rtlCol="0" anchor="ctr"/>
-          <a:lstStyle/>
-          <a:p>
-            <a:pPr algn="ctr"/>
-            <a:endParaRPr lang="zh-TW" altLang="en-US"/>
-          </a:p>
-        </p:txBody>
-      </p:sp>
-      <p:sp>
-        <p:nvSpPr>
-          <p:cNvPr id="7" name="矩形 6"/>
-          <p:cNvSpPr/>
-          <p:nvPr/>
-        </p:nvSpPr>
-        <p:spPr>
-          <a:xfrm>
-            <a:off x="2853619" y="4393946"/>
-            <a:ext cx="8067923" cy="369332"/>
-          </a:xfrm>
-          <a:prstGeom prst="rect">
-            <a:avLst/>
-          </a:prstGeom>
-          <a:solidFill>
-            <a:schemeClr val="accent5">
-              <a:lumMod val="20000"/>
-              <a:lumOff val="80000"/>
-            </a:schemeClr>
-          </a:solidFill>
-        </p:spPr>
-        <p:txBody>
-          <a:bodyPr wrap="square">
-            <a:spAutoFit/>
-          </a:bodyPr>
-          <a:lstStyle/>
-          <a:p>
-            <a:r>
-              <a:rPr lang="en-US" altLang="zh-TW" dirty="0"/>
-              <a:t>https://www.chiark.greenend.org.uk/~sgtatham/putty/latest.html</a:t>
-            </a:r>
-            <a:endParaRPr lang="zh-TW" altLang="en-US" dirty="0"/>
-          </a:p>
-        </p:txBody>
-      </p:sp>
     </p:spTree>
     <p:extLst>
       <p:ext uri="{BB962C8B-B14F-4D97-AF65-F5344CB8AC3E}">
-        <p14:creationId xmlns:p14="http://schemas.microsoft.com/office/powerpoint/2010/main" val="3968039272"/>
+        <p14:creationId xmlns:p14="http://schemas.microsoft.com/office/powerpoint/2010/main" val="437099337"/>
       </p:ext>
     </p:extLst>
   </p:cSld>
@@ -7950,45 +8776,59 @@
             <p:ph type="title"/>
           </p:nvPr>
         </p:nvSpPr>
-        <p:spPr/>
+        <p:spPr>
+          <a:xfrm>
+            <a:off x="1159472" y="2780175"/>
+            <a:ext cx="8596668" cy="1320800"/>
+          </a:xfrm>
+        </p:spPr>
+        <p:txBody>
+          <a:bodyPr>
+            <a:normAutofit/>
+          </a:bodyPr>
+          <a:lstStyle/>
+          <a:p>
+            <a:pPr algn="ctr"/>
+            <a:r>
+              <a:rPr lang="en-US" altLang="zh-TW" sz="6600" b="1" dirty="0" smtClean="0"/>
+              <a:t>4.linux</a:t>
+            </a:r>
+            <a:r>
+              <a:rPr lang="zh-TW" altLang="en-US" sz="6600" b="1" dirty="0" smtClean="0"/>
+              <a:t>實戰技術</a:t>
+            </a:r>
+            <a:endParaRPr lang="zh-TW" altLang="en-US" sz="6600" b="1" dirty="0"/>
+          </a:p>
+        </p:txBody>
+      </p:sp>
+      <p:sp>
+        <p:nvSpPr>
+          <p:cNvPr id="3" name="內容版面配置區 2"/>
+          <p:cNvSpPr>
+            <a:spLocks noGrp="1"/>
+          </p:cNvSpPr>
+          <p:nvPr>
+            <p:ph idx="1"/>
+          </p:nvPr>
+        </p:nvSpPr>
+        <p:spPr>
+          <a:xfrm>
+            <a:off x="7331824" y="4630189"/>
+            <a:ext cx="1942177" cy="1411173"/>
+          </a:xfrm>
+        </p:spPr>
         <p:txBody>
           <a:bodyPr/>
           <a:lstStyle/>
           <a:p>
-            <a:endParaRPr lang="zh-TW" altLang="en-US"/>
-          </a:p>
-        </p:txBody>
-      </p:sp>
-      <p:pic>
-        <p:nvPicPr>
-          <p:cNvPr id="4" name="內容版面配置區 3"/>
-          <p:cNvPicPr>
-            <a:picLocks noGrp="1" noChangeAspect="1"/>
-          </p:cNvPicPr>
-          <p:nvPr>
-            <p:ph idx="1"/>
-          </p:nvPr>
-        </p:nvPicPr>
-        <p:blipFill>
-          <a:blip r:embed="rId2"/>
-          <a:stretch>
-            <a:fillRect/>
-          </a:stretch>
-        </p:blipFill>
-        <p:spPr>
-          <a:xfrm>
-            <a:off x="3780382" y="298517"/>
-            <a:ext cx="6739193" cy="6559483"/>
-          </a:xfrm>
-          <a:prstGeom prst="rect">
-            <a:avLst/>
-          </a:prstGeom>
-        </p:spPr>
-      </p:pic>
+            <a:endParaRPr lang="zh-TW" altLang="en-US" dirty="0"/>
+          </a:p>
+        </p:txBody>
+      </p:sp>
     </p:spTree>
     <p:extLst>
       <p:ext uri="{BB962C8B-B14F-4D97-AF65-F5344CB8AC3E}">
-        <p14:creationId xmlns:p14="http://schemas.microsoft.com/office/powerpoint/2010/main" val="317301370"/>
+        <p14:creationId xmlns:p14="http://schemas.microsoft.com/office/powerpoint/2010/main" val="3592310241"/>
       </p:ext>
     </p:extLst>
   </p:cSld>
@@ -8017,135 +8857,64 @@
       </p:grpSpPr>
       <p:sp>
         <p:nvSpPr>
-          <p:cNvPr id="2" name="標題 1"/>
-          <p:cNvSpPr>
-            <a:spLocks noGrp="1"/>
-          </p:cNvSpPr>
-          <p:nvPr>
-            <p:ph type="title"/>
-          </p:nvPr>
-        </p:nvSpPr>
-        <p:spPr/>
-        <p:txBody>
-          <a:bodyPr/>
-          <a:lstStyle/>
-          <a:p>
-            <a:endParaRPr lang="zh-TW" altLang="en-US"/>
-          </a:p>
-        </p:txBody>
-      </p:sp>
-      <p:pic>
-        <p:nvPicPr>
-          <p:cNvPr id="4" name="內容版面配置區 3"/>
-          <p:cNvPicPr>
-            <a:picLocks noGrp="1" noChangeAspect="1"/>
-          </p:cNvPicPr>
-          <p:nvPr>
-            <p:ph idx="1"/>
-          </p:nvPr>
-        </p:nvPicPr>
-        <p:blipFill>
-          <a:blip r:embed="rId2"/>
-          <a:stretch>
-            <a:fillRect/>
-          </a:stretch>
-        </p:blipFill>
-        <p:spPr>
-          <a:xfrm>
-            <a:off x="993097" y="379137"/>
-            <a:ext cx="10411404" cy="5966004"/>
+          <p:cNvPr id="4" name="矩形 3"/>
+          <p:cNvSpPr/>
+          <p:nvPr/>
+        </p:nvSpPr>
+        <p:spPr>
+          <a:xfrm>
+            <a:off x="3363686" y="1154277"/>
+            <a:ext cx="5943600" cy="830997"/>
           </a:xfrm>
           <a:prstGeom prst="rect">
             <a:avLst/>
           </a:prstGeom>
         </p:spPr>
-      </p:pic>
-      <p:sp>
-        <p:nvSpPr>
-          <p:cNvPr id="5" name="圓角矩形 4"/>
-          <p:cNvSpPr/>
-          <p:nvPr/>
-        </p:nvSpPr>
-        <p:spPr>
-          <a:xfrm>
-            <a:off x="6090699" y="1836751"/>
-            <a:ext cx="1224501" cy="254442"/>
-          </a:xfrm>
-          <a:prstGeom prst="roundRect">
-            <a:avLst/>
-          </a:prstGeom>
-          <a:noFill/>
-          <a:ln w="38100">
-            <a:solidFill>
-              <a:srgbClr val="FF0000"/>
-            </a:solidFill>
-          </a:ln>
-        </p:spPr>
-        <p:style>
-          <a:lnRef idx="2">
-            <a:schemeClr val="accent1">
-              <a:shade val="50000"/>
-            </a:schemeClr>
-          </a:lnRef>
-          <a:fillRef idx="1">
-            <a:schemeClr val="accent1"/>
-          </a:fillRef>
-          <a:effectRef idx="0">
-            <a:schemeClr val="accent1"/>
-          </a:effectRef>
-          <a:fontRef idx="minor">
-            <a:schemeClr val="lt1"/>
-          </a:fontRef>
-        </p:style>
-        <p:txBody>
-          <a:bodyPr rtlCol="0" anchor="ctr"/>
-          <a:lstStyle/>
-          <a:p>
-            <a:pPr algn="ctr"/>
-            <a:endParaRPr lang="zh-TW" altLang="en-US"/>
-          </a:p>
-        </p:txBody>
-      </p:sp>
-      <p:cxnSp>
-        <p:nvCxnSpPr>
-          <p:cNvPr id="7" name="直線單箭頭接點 6"/>
-          <p:cNvCxnSpPr/>
-          <p:nvPr/>
-        </p:nvCxnSpPr>
-        <p:spPr>
-          <a:xfrm flipH="1">
-            <a:off x="2886323" y="1987826"/>
-            <a:ext cx="3228230" cy="922351"/>
-          </a:xfrm>
-          <a:prstGeom prst="straightConnector1">
-            <a:avLst/>
-          </a:prstGeom>
-          <a:ln w="38100">
-            <a:solidFill>
-              <a:srgbClr val="FF0000"/>
-            </a:solidFill>
-            <a:tailEnd type="triangle"/>
-          </a:ln>
-        </p:spPr>
-        <p:style>
-          <a:lnRef idx="1">
-            <a:schemeClr val="accent1"/>
-          </a:lnRef>
-          <a:fillRef idx="0">
-            <a:schemeClr val="accent1"/>
-          </a:fillRef>
-          <a:effectRef idx="0">
-            <a:schemeClr val="accent1"/>
-          </a:effectRef>
-          <a:fontRef idx="minor">
-            <a:schemeClr val="tx1"/>
-          </a:fontRef>
-        </p:style>
-      </p:cxnSp>
+        <p:txBody>
+          <a:bodyPr wrap="square">
+            <a:spAutoFit/>
+          </a:bodyPr>
+          <a:lstStyle/>
+          <a:p>
+            <a:r>
+              <a:rPr lang="en-US" altLang="zh-TW" sz="4800" dirty="0">
+                <a:solidFill>
+                  <a:srgbClr val="92D050"/>
+                </a:solidFill>
+              </a:rPr>
+              <a:t>4.</a:t>
+            </a:r>
+            <a:r>
+              <a:rPr lang="zh-TW" altLang="en-US" sz="4800" dirty="0">
+                <a:solidFill>
+                  <a:srgbClr val="92D050"/>
+                </a:solidFill>
+              </a:rPr>
+              <a:t> </a:t>
+            </a:r>
+            <a:r>
+              <a:rPr lang="en-US" altLang="zh-TW" sz="4800" dirty="0" err="1">
+                <a:solidFill>
+                  <a:srgbClr val="92D050"/>
+                </a:solidFill>
+              </a:rPr>
+              <a:t>linux</a:t>
+            </a:r>
+            <a:r>
+              <a:rPr lang="zh-TW" altLang="en-US" sz="4800" dirty="0">
+                <a:solidFill>
+                  <a:srgbClr val="92D050"/>
+                </a:solidFill>
+              </a:rPr>
+              <a:t>實戰技術</a:t>
+            </a:r>
+          </a:p>
+        </p:txBody>
+      </p:sp>
     </p:spTree>
     <p:extLst>
       <p:ext uri="{BB962C8B-B14F-4D97-AF65-F5344CB8AC3E}">
-        <p14:creationId xmlns:p14="http://schemas.microsoft.com/office/powerpoint/2010/main" val="3275792454"/>
+        <p14:creationId xmlns:p14="http://schemas.microsoft.com/office/powerpoint/2010/main" val="3677584028"/>
       </p:ext>
     </p:extLst>
   </p:cSld>
@@ -8381,53 +9150,54 @@
       </p:grpSpPr>
       <p:sp>
         <p:nvSpPr>
-          <p:cNvPr id="2" name="標題 1"/>
-          <p:cNvSpPr>
-            <a:spLocks noGrp="1"/>
-          </p:cNvSpPr>
-          <p:nvPr>
-            <p:ph type="title"/>
-          </p:nvPr>
-        </p:nvSpPr>
-        <p:spPr/>
-        <p:txBody>
-          <a:bodyPr/>
-          <a:lstStyle/>
-          <a:p>
-            <a:endParaRPr lang="zh-TW" altLang="en-US"/>
-          </a:p>
-        </p:txBody>
-      </p:sp>
-      <p:pic>
-        <p:nvPicPr>
-          <p:cNvPr id="4" name="內容版面配置區 3"/>
-          <p:cNvPicPr>
-            <a:picLocks noGrp="1" noChangeAspect="1"/>
-          </p:cNvPicPr>
-          <p:nvPr>
-            <p:ph idx="1"/>
-          </p:nvPr>
-        </p:nvPicPr>
-        <p:blipFill>
-          <a:blip r:embed="rId2"/>
-          <a:stretch>
-            <a:fillRect/>
-          </a:stretch>
-        </p:blipFill>
-        <p:spPr>
-          <a:xfrm>
-            <a:off x="1144284" y="618517"/>
-            <a:ext cx="9658154" cy="5519890"/>
+          <p:cNvPr id="4" name="矩形 3"/>
+          <p:cNvSpPr/>
+          <p:nvPr/>
+        </p:nvSpPr>
+        <p:spPr>
+          <a:xfrm>
+            <a:off x="1045029" y="2770805"/>
+            <a:ext cx="9552214" cy="1107996"/>
           </a:xfrm>
           <a:prstGeom prst="rect">
             <a:avLst/>
           </a:prstGeom>
         </p:spPr>
-      </p:pic>
+        <p:txBody>
+          <a:bodyPr wrap="square">
+            <a:spAutoFit/>
+          </a:bodyPr>
+          <a:lstStyle/>
+          <a:p>
+            <a:pPr algn="ctr"/>
+            <a:r>
+              <a:rPr lang="en-US" altLang="zh-TW" sz="6600" dirty="0">
+                <a:solidFill>
+                  <a:srgbClr val="92D050"/>
+                </a:solidFill>
+              </a:rPr>
+              <a:t>5.Linux-CTF</a:t>
+            </a:r>
+            <a:r>
+              <a:rPr lang="zh-TW" altLang="en-US" sz="6600" dirty="0">
+                <a:solidFill>
+                  <a:srgbClr val="92D050"/>
+                </a:solidFill>
+              </a:rPr>
+              <a:t>解題</a:t>
+            </a:r>
+            <a:endParaRPr lang="zh-TW" altLang="en-US" sz="6600" dirty="0">
+              <a:solidFill>
+                <a:srgbClr val="92D050"/>
+              </a:solidFill>
+            </a:endParaRPr>
+          </a:p>
+        </p:txBody>
+      </p:sp>
     </p:spTree>
     <p:extLst>
       <p:ext uri="{BB962C8B-B14F-4D97-AF65-F5344CB8AC3E}">
-        <p14:creationId xmlns:p14="http://schemas.microsoft.com/office/powerpoint/2010/main" val="1270277152"/>
+        <p14:creationId xmlns:p14="http://schemas.microsoft.com/office/powerpoint/2010/main" val="531701882"/>
       </p:ext>
     </p:extLst>
   </p:cSld>
@@ -8464,12 +9234,25 @@
             <p:ph type="title"/>
           </p:nvPr>
         </p:nvSpPr>
-        <p:spPr/>
+        <p:spPr>
+          <a:xfrm>
+            <a:off x="818359" y="403833"/>
+            <a:ext cx="10364451" cy="1011500"/>
+          </a:xfrm>
+        </p:spPr>
         <p:txBody>
           <a:bodyPr/>
           <a:lstStyle/>
           <a:p>
-            <a:endParaRPr lang="zh-TW" altLang="en-US"/>
+            <a:r>
+              <a:rPr lang="en-US" altLang="zh-TW" dirty="0"/>
+              <a:t>5.Linux-CTF</a:t>
+            </a:r>
+            <a:r>
+              <a:rPr lang="zh-TW" altLang="en-US" dirty="0" smtClean="0"/>
+              <a:t>解題</a:t>
+            </a:r>
+            <a:endParaRPr lang="zh-TW" altLang="en-US" dirty="0"/>
           </a:p>
         </p:txBody>
       </p:sp>
@@ -8491,110 +9274,18 @@
         </p:blipFill>
         <p:spPr>
           <a:xfrm>
-            <a:off x="1465392" y="228062"/>
-            <a:ext cx="8613494" cy="5401461"/>
+            <a:off x="1743121" y="1574358"/>
+            <a:ext cx="8829742" cy="4643561"/>
           </a:xfrm>
           <a:prstGeom prst="rect">
             <a:avLst/>
           </a:prstGeom>
         </p:spPr>
       </p:pic>
-      <p:sp>
-        <p:nvSpPr>
-          <p:cNvPr id="5" name="圓角矩形 4"/>
-          <p:cNvSpPr/>
-          <p:nvPr/>
-        </p:nvSpPr>
-        <p:spPr>
-          <a:xfrm>
-            <a:off x="5788550" y="4953663"/>
-            <a:ext cx="993913" cy="564542"/>
-          </a:xfrm>
-          <a:prstGeom prst="roundRect">
-            <a:avLst/>
-          </a:prstGeom>
-          <a:noFill/>
-          <a:ln w="38100">
-            <a:solidFill>
-              <a:srgbClr val="FF0000"/>
-            </a:solidFill>
-          </a:ln>
-        </p:spPr>
-        <p:style>
-          <a:lnRef idx="2">
-            <a:schemeClr val="accent1">
-              <a:shade val="50000"/>
-            </a:schemeClr>
-          </a:lnRef>
-          <a:fillRef idx="1">
-            <a:schemeClr val="accent1"/>
-          </a:fillRef>
-          <a:effectRef idx="0">
-            <a:schemeClr val="accent1"/>
-          </a:effectRef>
-          <a:fontRef idx="minor">
-            <a:schemeClr val="lt1"/>
-          </a:fontRef>
-        </p:style>
-        <p:txBody>
-          <a:bodyPr rtlCol="0" anchor="ctr"/>
-          <a:lstStyle/>
-          <a:p>
-            <a:pPr algn="ctr"/>
-            <a:endParaRPr lang="zh-TW" altLang="en-US"/>
-          </a:p>
-        </p:txBody>
-      </p:sp>
-      <p:sp>
-        <p:nvSpPr>
-          <p:cNvPr id="6" name="向右箭號 5"/>
-          <p:cNvSpPr/>
-          <p:nvPr/>
-        </p:nvSpPr>
-        <p:spPr>
-          <a:xfrm>
-            <a:off x="5184250" y="4961614"/>
-            <a:ext cx="628153" cy="516835"/>
-          </a:xfrm>
-          <a:prstGeom prst="rightArrow">
-            <a:avLst/>
-          </a:prstGeom>
-          <a:solidFill>
-            <a:srgbClr val="FF0000"/>
-          </a:solidFill>
-          <a:ln>
-            <a:noFill/>
-          </a:ln>
-        </p:spPr>
-        <p:style>
-          <a:lnRef idx="2">
-            <a:schemeClr val="accent1">
-              <a:shade val="50000"/>
-            </a:schemeClr>
-          </a:lnRef>
-          <a:fillRef idx="1">
-            <a:schemeClr val="accent1"/>
-          </a:fillRef>
-          <a:effectRef idx="0">
-            <a:schemeClr val="accent1"/>
-          </a:effectRef>
-          <a:fontRef idx="minor">
-            <a:schemeClr val="lt1"/>
-          </a:fontRef>
-        </p:style>
-        <p:txBody>
-          <a:bodyPr rtlCol="0" anchor="ctr"/>
-          <a:lstStyle/>
-          <a:p>
-            <a:pPr algn="ctr"/>
-            <a:endParaRPr lang="zh-TW" altLang="en-US"/>
-          </a:p>
-        </p:txBody>
-      </p:sp>
     </p:spTree>
     <p:extLst>
       <p:ext uri="{BB962C8B-B14F-4D97-AF65-F5344CB8AC3E}">
-        <p14:creationId xmlns:p14="http://schemas.microsoft.com/office/powerpoint/2010/main" val="3088526891"/>
+        <p14:creationId xmlns:p14="http://schemas.microsoft.com/office/powerpoint/2010/main" val="971976528"/>
       </p:ext>
     </p:extLst>
   </p:cSld>
@@ -8636,7 +9327,19 @@
           <a:bodyPr/>
           <a:lstStyle/>
           <a:p>
-            <a:endParaRPr lang="zh-TW" altLang="en-US"/>
+            <a:r>
+              <a:rPr lang="zh-TW" altLang="en-US" dirty="0" smtClean="0"/>
+              <a:t>使用</a:t>
+            </a:r>
+            <a:r>
+              <a:rPr lang="en-US" altLang="zh-TW" dirty="0" smtClean="0"/>
+              <a:t>putty</a:t>
+            </a:r>
+            <a:r>
+              <a:rPr lang="zh-TW" altLang="en-US" dirty="0" smtClean="0"/>
+              <a:t>進行網路連線</a:t>
+            </a:r>
+            <a:endParaRPr lang="zh-TW" altLang="en-US" dirty="0"/>
           </a:p>
         </p:txBody>
       </p:sp>
@@ -8658,18 +9361,118 @@
         </p:blipFill>
         <p:spPr>
           <a:xfrm>
-            <a:off x="1256344" y="618517"/>
-            <a:ext cx="10099775" cy="5758429"/>
+            <a:off x="7357170" y="1689264"/>
+            <a:ext cx="3782608" cy="2130012"/>
           </a:xfrm>
           <a:prstGeom prst="rect">
             <a:avLst/>
           </a:prstGeom>
         </p:spPr>
       </p:pic>
+      <p:sp>
+        <p:nvSpPr>
+          <p:cNvPr id="6" name="矩形 5"/>
+          <p:cNvSpPr/>
+          <p:nvPr/>
+        </p:nvSpPr>
+        <p:spPr>
+          <a:xfrm>
+            <a:off x="913775" y="5009524"/>
+            <a:ext cx="3961084" cy="800219"/>
+          </a:xfrm>
+          <a:prstGeom prst="rect">
+            <a:avLst/>
+          </a:prstGeom>
+        </p:spPr>
+        <p:txBody>
+          <a:bodyPr wrap="none">
+            <a:spAutoFit/>
+          </a:bodyPr>
+          <a:lstStyle/>
+          <a:p>
+            <a:r>
+              <a:rPr lang="en-US" altLang="zh-TW" sz="2800" dirty="0" err="1" smtClean="0"/>
+              <a:t>PuTTY</a:t>
+            </a:r>
+            <a:endParaRPr lang="en-US" altLang="zh-TW" sz="2800" dirty="0" smtClean="0"/>
+          </a:p>
+          <a:p>
+            <a:r>
+              <a:rPr lang="en-US" altLang="zh-TW" dirty="0" smtClean="0"/>
+              <a:t>a </a:t>
+            </a:r>
+            <a:r>
+              <a:rPr lang="en-US" altLang="zh-TW" dirty="0"/>
+              <a:t>free SSH and telnet client for Windows</a:t>
+            </a:r>
+            <a:endParaRPr lang="zh-TW" altLang="en-US" dirty="0"/>
+          </a:p>
+        </p:txBody>
+      </p:sp>
+      <p:pic>
+        <p:nvPicPr>
+          <p:cNvPr id="7" name="圖片 6"/>
+          <p:cNvPicPr>
+            <a:picLocks noChangeAspect="1"/>
+          </p:cNvPicPr>
+          <p:nvPr/>
+        </p:nvPicPr>
+        <p:blipFill>
+          <a:blip r:embed="rId3"/>
+          <a:stretch>
+            <a:fillRect/>
+          </a:stretch>
+        </p:blipFill>
+        <p:spPr>
+          <a:xfrm>
+            <a:off x="571869" y="3120290"/>
+            <a:ext cx="3370974" cy="1769761"/>
+          </a:xfrm>
+          <a:prstGeom prst="rect">
+            <a:avLst/>
+          </a:prstGeom>
+        </p:spPr>
+      </p:pic>
+      <p:cxnSp>
+        <p:nvCxnSpPr>
+          <p:cNvPr id="9" name="直線單箭頭接點 8"/>
+          <p:cNvCxnSpPr>
+            <a:stCxn id="7" idx="3"/>
+            <a:endCxn id="4" idx="1"/>
+          </p:cNvCxnSpPr>
+          <p:nvPr/>
+        </p:nvCxnSpPr>
+        <p:spPr>
+          <a:xfrm flipV="1">
+            <a:off x="3942843" y="2754270"/>
+            <a:ext cx="3414327" cy="1250901"/>
+          </a:xfrm>
+          <a:prstGeom prst="straightConnector1">
+            <a:avLst/>
+          </a:prstGeom>
+          <a:ln w="38100">
+            <a:tailEnd type="triangle"/>
+          </a:ln>
+        </p:spPr>
+        <p:style>
+          <a:lnRef idx="1">
+            <a:schemeClr val="accent1"/>
+          </a:lnRef>
+          <a:fillRef idx="0">
+            <a:schemeClr val="accent1"/>
+          </a:fillRef>
+          <a:effectRef idx="0">
+            <a:schemeClr val="accent1"/>
+          </a:effectRef>
+          <a:fontRef idx="minor">
+            <a:schemeClr val="tx1"/>
+          </a:fontRef>
+        </p:style>
+      </p:cxnSp>
     </p:spTree>
     <p:extLst>
       <p:ext uri="{BB962C8B-B14F-4D97-AF65-F5344CB8AC3E}">
-        <p14:creationId xmlns:p14="http://schemas.microsoft.com/office/powerpoint/2010/main" val="3692687188"/>
+        <p14:creationId xmlns:p14="http://schemas.microsoft.com/office/powerpoint/2010/main" val="1945530900"/>
       </p:ext>
     </p:extLst>
   </p:cSld>
@@ -8733,8 +9536,8 @@
         </p:blipFill>
         <p:spPr>
           <a:xfrm>
-            <a:off x="1408953" y="1416605"/>
-            <a:ext cx="9451685" cy="3576814"/>
+            <a:off x="3880181" y="466601"/>
+            <a:ext cx="7240503" cy="5958053"/>
           </a:xfrm>
           <a:prstGeom prst="rect">
             <a:avLst/>
@@ -8744,7 +9547,7 @@
     </p:spTree>
     <p:extLst>
       <p:ext uri="{BB962C8B-B14F-4D97-AF65-F5344CB8AC3E}">
-        <p14:creationId xmlns:p14="http://schemas.microsoft.com/office/powerpoint/2010/main" val="2536626046"/>
+        <p14:creationId xmlns:p14="http://schemas.microsoft.com/office/powerpoint/2010/main" val="963306178"/>
       </p:ext>
     </p:extLst>
   </p:cSld>
@@ -8786,7 +9589,11 @@
           <a:bodyPr/>
           <a:lstStyle/>
           <a:p>
-            <a:endParaRPr lang="zh-TW" altLang="en-US"/>
+            <a:r>
+              <a:rPr lang="en-US" altLang="zh-TW" dirty="0"/>
+              <a:t>https://www.putty.org/</a:t>
+            </a:r>
+            <a:endParaRPr lang="zh-TW" altLang="en-US" dirty="0"/>
           </a:p>
         </p:txBody>
       </p:sp>
@@ -8808,50 +9615,26 @@
         </p:blipFill>
         <p:spPr>
           <a:xfrm>
-            <a:off x="546030" y="820257"/>
-            <a:ext cx="5679841" cy="2496794"/>
+            <a:off x="677863" y="3035273"/>
+            <a:ext cx="8596312" cy="2132066"/>
           </a:xfrm>
           <a:prstGeom prst="rect">
             <a:avLst/>
           </a:prstGeom>
         </p:spPr>
       </p:pic>
-      <p:pic>
-        <p:nvPicPr>
-          <p:cNvPr id="5" name="圖片 4"/>
-          <p:cNvPicPr>
-            <a:picLocks noChangeAspect="1"/>
-          </p:cNvPicPr>
-          <p:nvPr/>
-        </p:nvPicPr>
-        <p:blipFill>
-          <a:blip r:embed="rId3"/>
-          <a:stretch>
-            <a:fillRect/>
-          </a:stretch>
-        </p:blipFill>
-        <p:spPr>
-          <a:xfrm>
-            <a:off x="2805526" y="3881685"/>
-            <a:ext cx="7416560" cy="2638384"/>
-          </a:xfrm>
-          <a:prstGeom prst="rect">
-            <a:avLst/>
-          </a:prstGeom>
-        </p:spPr>
-      </p:pic>
-      <p:sp>
-        <p:nvSpPr>
-          <p:cNvPr id="6" name="橢圓 5"/>
+      <p:sp>
+        <p:nvSpPr>
+          <p:cNvPr id="5" name="矩形 4"/>
           <p:cNvSpPr/>
           <p:nvPr/>
         </p:nvSpPr>
         <p:spPr>
           <a:xfrm>
-            <a:off x="4071068" y="3760967"/>
-            <a:ext cx="1558455" cy="755374"/>
-          </a:xfrm>
-          <a:prstGeom prst="ellipse">
+            <a:off x="3267624" y="4162507"/>
+            <a:ext cx="1820848" cy="675861"/>
+          </a:xfrm>
+          <a:prstGeom prst="rect">
             <a:avLst/>
           </a:prstGeom>
           <a:noFill/>
@@ -8886,10 +9669,56 @@
           </a:p>
         </p:txBody>
       </p:sp>
+      <p:sp>
+        <p:nvSpPr>
+          <p:cNvPr id="6" name="向右箭號 5"/>
+          <p:cNvSpPr/>
+          <p:nvPr/>
+        </p:nvSpPr>
+        <p:spPr>
+          <a:xfrm>
+            <a:off x="2726936" y="4162507"/>
+            <a:ext cx="540688" cy="461176"/>
+          </a:xfrm>
+          <a:prstGeom prst="rightArrow">
+            <a:avLst/>
+          </a:prstGeom>
+          <a:solidFill>
+            <a:srgbClr val="FF0000"/>
+          </a:solidFill>
+          <a:ln>
+            <a:noFill/>
+          </a:ln>
+        </p:spPr>
+        <p:style>
+          <a:lnRef idx="2">
+            <a:schemeClr val="accent1">
+              <a:shade val="50000"/>
+            </a:schemeClr>
+          </a:lnRef>
+          <a:fillRef idx="1">
+            <a:schemeClr val="accent1"/>
+          </a:fillRef>
+          <a:effectRef idx="0">
+            <a:schemeClr val="accent1"/>
+          </a:effectRef>
+          <a:fontRef idx="minor">
+            <a:schemeClr val="lt1"/>
+          </a:fontRef>
+        </p:style>
+        <p:txBody>
+          <a:bodyPr rtlCol="0" anchor="ctr"/>
+          <a:lstStyle/>
+          <a:p>
+            <a:pPr algn="ctr"/>
+            <a:endParaRPr lang="zh-TW" altLang="en-US"/>
+          </a:p>
+        </p:txBody>
+      </p:sp>
     </p:spTree>
     <p:extLst>
       <p:ext uri="{BB962C8B-B14F-4D97-AF65-F5344CB8AC3E}">
-        <p14:creationId xmlns:p14="http://schemas.microsoft.com/office/powerpoint/2010/main" val="842017432"/>
+        <p14:creationId xmlns:p14="http://schemas.microsoft.com/office/powerpoint/2010/main" val="529936235"/>
       </p:ext>
     </p:extLst>
   </p:cSld>
@@ -8953,18 +9782,145 @@
         </p:blipFill>
         <p:spPr>
           <a:xfrm>
-            <a:off x="848843" y="1563155"/>
-            <a:ext cx="10822459" cy="2881623"/>
+            <a:off x="2853619" y="267819"/>
+            <a:ext cx="8962212" cy="6331764"/>
           </a:xfrm>
           <a:prstGeom prst="rect">
             <a:avLst/>
           </a:prstGeom>
         </p:spPr>
       </p:pic>
+      <p:sp>
+        <p:nvSpPr>
+          <p:cNvPr id="5" name="矩形 4"/>
+          <p:cNvSpPr/>
+          <p:nvPr/>
+        </p:nvSpPr>
+        <p:spPr>
+          <a:xfrm>
+            <a:off x="3220278" y="5979381"/>
+            <a:ext cx="3450866" cy="286247"/>
+          </a:xfrm>
+          <a:prstGeom prst="rect">
+            <a:avLst/>
+          </a:prstGeom>
+          <a:noFill/>
+          <a:ln w="38100">
+            <a:solidFill>
+              <a:srgbClr val="FF0000"/>
+            </a:solidFill>
+          </a:ln>
+        </p:spPr>
+        <p:style>
+          <a:lnRef idx="2">
+            <a:schemeClr val="accent1">
+              <a:shade val="50000"/>
+            </a:schemeClr>
+          </a:lnRef>
+          <a:fillRef idx="1">
+            <a:schemeClr val="accent1"/>
+          </a:fillRef>
+          <a:effectRef idx="0">
+            <a:schemeClr val="accent1"/>
+          </a:effectRef>
+          <a:fontRef idx="minor">
+            <a:schemeClr val="lt1"/>
+          </a:fontRef>
+        </p:style>
+        <p:txBody>
+          <a:bodyPr rtlCol="0" anchor="ctr"/>
+          <a:lstStyle/>
+          <a:p>
+            <a:pPr algn="ctr"/>
+            <a:endParaRPr lang="zh-TW" altLang="en-US"/>
+          </a:p>
+        </p:txBody>
+      </p:sp>
+      <p:sp>
+        <p:nvSpPr>
+          <p:cNvPr id="6" name="向右箭號 5"/>
+          <p:cNvSpPr/>
+          <p:nvPr/>
+        </p:nvSpPr>
+        <p:spPr>
+          <a:xfrm>
+            <a:off x="2583275" y="5891916"/>
+            <a:ext cx="540688" cy="461176"/>
+          </a:xfrm>
+          <a:prstGeom prst="rightArrow">
+            <a:avLst/>
+          </a:prstGeom>
+          <a:solidFill>
+            <a:srgbClr val="FF0000"/>
+          </a:solidFill>
+          <a:ln>
+            <a:noFill/>
+          </a:ln>
+        </p:spPr>
+        <p:style>
+          <a:lnRef idx="2">
+            <a:schemeClr val="accent1">
+              <a:shade val="50000"/>
+            </a:schemeClr>
+          </a:lnRef>
+          <a:fillRef idx="1">
+            <a:schemeClr val="accent1"/>
+          </a:fillRef>
+          <a:effectRef idx="0">
+            <a:schemeClr val="accent1"/>
+          </a:effectRef>
+          <a:fontRef idx="minor">
+            <a:schemeClr val="lt1"/>
+          </a:fontRef>
+        </p:style>
+        <p:txBody>
+          <a:bodyPr rtlCol="0" anchor="ctr"/>
+          <a:lstStyle/>
+          <a:p>
+            <a:pPr algn="ctr"/>
+            <a:endParaRPr lang="zh-TW" altLang="en-US"/>
+          </a:p>
+        </p:txBody>
+      </p:sp>
+      <p:sp>
+        <p:nvSpPr>
+          <p:cNvPr id="7" name="矩形 6"/>
+          <p:cNvSpPr/>
+          <p:nvPr/>
+        </p:nvSpPr>
+        <p:spPr>
+          <a:xfrm>
+            <a:off x="2853619" y="4393946"/>
+            <a:ext cx="8067923" cy="369332"/>
+          </a:xfrm>
+          <a:prstGeom prst="rect">
+            <a:avLst/>
+          </a:prstGeom>
+          <a:solidFill>
+            <a:schemeClr val="accent5">
+              <a:lumMod val="20000"/>
+              <a:lumOff val="80000"/>
+            </a:schemeClr>
+          </a:solidFill>
+        </p:spPr>
+        <p:txBody>
+          <a:bodyPr wrap="square">
+            <a:spAutoFit/>
+          </a:bodyPr>
+          <a:lstStyle/>
+          <a:p>
+            <a:r>
+              <a:rPr lang="en-US" altLang="zh-TW" dirty="0"/>
+              <a:t>https://www.chiark.greenend.org.uk/~sgtatham/putty/latest.html</a:t>
+            </a:r>
+            <a:endParaRPr lang="zh-TW" altLang="en-US" dirty="0"/>
+          </a:p>
+        </p:txBody>
+      </p:sp>
     </p:spTree>
     <p:extLst>
       <p:ext uri="{BB962C8B-B14F-4D97-AF65-F5344CB8AC3E}">
-        <p14:creationId xmlns:p14="http://schemas.microsoft.com/office/powerpoint/2010/main" val="1497092797"/>
+        <p14:creationId xmlns:p14="http://schemas.microsoft.com/office/powerpoint/2010/main" val="3968039272"/>
       </p:ext>
     </p:extLst>
   </p:cSld>
@@ -9028,8 +9984,8 @@
         </p:blipFill>
         <p:spPr>
           <a:xfrm>
-            <a:off x="5615124" y="220111"/>
-            <a:ext cx="5663102" cy="6411277"/>
+            <a:off x="3780382" y="298517"/>
+            <a:ext cx="6739193" cy="6559483"/>
           </a:xfrm>
           <a:prstGeom prst="rect">
             <a:avLst/>
@@ -9039,7 +9995,7 @@
     </p:spTree>
     <p:extLst>
       <p:ext uri="{BB962C8B-B14F-4D97-AF65-F5344CB8AC3E}">
-        <p14:creationId xmlns:p14="http://schemas.microsoft.com/office/powerpoint/2010/main" val="1596137399"/>
+        <p14:creationId xmlns:p14="http://schemas.microsoft.com/office/powerpoint/2010/main" val="317301370"/>
       </p:ext>
     </p:extLst>
   </p:cSld>
@@ -9103,18 +10059,100 @@
         </p:blipFill>
         <p:spPr>
           <a:xfrm>
-            <a:off x="1129966" y="502575"/>
-            <a:ext cx="10344374" cy="6160618"/>
+            <a:off x="993097" y="379137"/>
+            <a:ext cx="10411404" cy="5966004"/>
           </a:xfrm>
           <a:prstGeom prst="rect">
             <a:avLst/>
           </a:prstGeom>
         </p:spPr>
       </p:pic>
+      <p:sp>
+        <p:nvSpPr>
+          <p:cNvPr id="5" name="圓角矩形 4"/>
+          <p:cNvSpPr/>
+          <p:nvPr/>
+        </p:nvSpPr>
+        <p:spPr>
+          <a:xfrm>
+            <a:off x="6090699" y="1836751"/>
+            <a:ext cx="1224501" cy="254442"/>
+          </a:xfrm>
+          <a:prstGeom prst="roundRect">
+            <a:avLst/>
+          </a:prstGeom>
+          <a:noFill/>
+          <a:ln w="38100">
+            <a:solidFill>
+              <a:srgbClr val="FF0000"/>
+            </a:solidFill>
+          </a:ln>
+        </p:spPr>
+        <p:style>
+          <a:lnRef idx="2">
+            <a:schemeClr val="accent1">
+              <a:shade val="50000"/>
+            </a:schemeClr>
+          </a:lnRef>
+          <a:fillRef idx="1">
+            <a:schemeClr val="accent1"/>
+          </a:fillRef>
+          <a:effectRef idx="0">
+            <a:schemeClr val="accent1"/>
+          </a:effectRef>
+          <a:fontRef idx="minor">
+            <a:schemeClr val="lt1"/>
+          </a:fontRef>
+        </p:style>
+        <p:txBody>
+          <a:bodyPr rtlCol="0" anchor="ctr"/>
+          <a:lstStyle/>
+          <a:p>
+            <a:pPr algn="ctr"/>
+            <a:endParaRPr lang="zh-TW" altLang="en-US"/>
+          </a:p>
+        </p:txBody>
+      </p:sp>
+      <p:cxnSp>
+        <p:nvCxnSpPr>
+          <p:cNvPr id="7" name="直線單箭頭接點 6"/>
+          <p:cNvCxnSpPr/>
+          <p:nvPr/>
+        </p:nvCxnSpPr>
+        <p:spPr>
+          <a:xfrm flipH="1">
+            <a:off x="2886323" y="1987826"/>
+            <a:ext cx="3228230" cy="922351"/>
+          </a:xfrm>
+          <a:prstGeom prst="straightConnector1">
+            <a:avLst/>
+          </a:prstGeom>
+          <a:ln w="38100">
+            <a:solidFill>
+              <a:srgbClr val="FF0000"/>
+            </a:solidFill>
+            <a:tailEnd type="triangle"/>
+          </a:ln>
+        </p:spPr>
+        <p:style>
+          <a:lnRef idx="1">
+            <a:schemeClr val="accent1"/>
+          </a:lnRef>
+          <a:fillRef idx="0">
+            <a:schemeClr val="accent1"/>
+          </a:fillRef>
+          <a:effectRef idx="0">
+            <a:schemeClr val="accent1"/>
+          </a:effectRef>
+          <a:fontRef idx="minor">
+            <a:schemeClr val="tx1"/>
+          </a:fontRef>
+        </p:style>
+      </p:cxnSp>
     </p:spTree>
     <p:extLst>
       <p:ext uri="{BB962C8B-B14F-4D97-AF65-F5344CB8AC3E}">
-        <p14:creationId xmlns:p14="http://schemas.microsoft.com/office/powerpoint/2010/main" val="507214087"/>
+        <p14:creationId xmlns:p14="http://schemas.microsoft.com/office/powerpoint/2010/main" val="3275792454"/>
       </p:ext>
     </p:extLst>
   </p:cSld>
@@ -9178,8 +10216,8 @@
         </p:blipFill>
         <p:spPr>
           <a:xfrm>
-            <a:off x="1154655" y="502575"/>
-            <a:ext cx="10506326" cy="5977738"/>
+            <a:off x="1144284" y="618517"/>
+            <a:ext cx="9658154" cy="5519890"/>
           </a:xfrm>
           <a:prstGeom prst="rect">
             <a:avLst/>
@@ -9189,7 +10227,176 @@
     </p:spTree>
     <p:extLst>
       <p:ext uri="{BB962C8B-B14F-4D97-AF65-F5344CB8AC3E}">
-        <p14:creationId xmlns:p14="http://schemas.microsoft.com/office/powerpoint/2010/main" val="1017173363"/>
+        <p14:creationId xmlns:p14="http://schemas.microsoft.com/office/powerpoint/2010/main" val="1270277152"/>
+      </p:ext>
+    </p:extLst>
+  </p:cSld>
+  <p:clrMapOvr>
+    <a:masterClrMapping/>
+  </p:clrMapOvr>
+</p:sld>
+</file>
+
+<file path=ppt/slides/slide29.xml><?xml version="1.0" encoding="utf-8"?>
+<p:sld xmlns:a="http://schemas.openxmlformats.org/drawingml/2006/main" xmlns:r="http://schemas.openxmlformats.org/officeDocument/2006/relationships" xmlns:p="http://schemas.openxmlformats.org/presentationml/2006/main">
+  <p:cSld>
+    <p:spTree>
+      <p:nvGrpSpPr>
+        <p:cNvPr id="1" name=""/>
+        <p:cNvGrpSpPr/>
+        <p:nvPr/>
+      </p:nvGrpSpPr>
+      <p:grpSpPr>
+        <a:xfrm>
+          <a:off x="0" y="0"/>
+          <a:ext cx="0" cy="0"/>
+          <a:chOff x="0" y="0"/>
+          <a:chExt cx="0" cy="0"/>
+        </a:xfrm>
+      </p:grpSpPr>
+      <p:sp>
+        <p:nvSpPr>
+          <p:cNvPr id="2" name="標題 1"/>
+          <p:cNvSpPr>
+            <a:spLocks noGrp="1"/>
+          </p:cNvSpPr>
+          <p:nvPr>
+            <p:ph type="title"/>
+          </p:nvPr>
+        </p:nvSpPr>
+        <p:spPr/>
+        <p:txBody>
+          <a:bodyPr/>
+          <a:lstStyle/>
+          <a:p>
+            <a:endParaRPr lang="zh-TW" altLang="en-US"/>
+          </a:p>
+        </p:txBody>
+      </p:sp>
+      <p:pic>
+        <p:nvPicPr>
+          <p:cNvPr id="4" name="內容版面配置區 3"/>
+          <p:cNvPicPr>
+            <a:picLocks noGrp="1" noChangeAspect="1"/>
+          </p:cNvPicPr>
+          <p:nvPr>
+            <p:ph idx="1"/>
+          </p:nvPr>
+        </p:nvPicPr>
+        <p:blipFill>
+          <a:blip r:embed="rId2"/>
+          <a:stretch>
+            <a:fillRect/>
+          </a:stretch>
+        </p:blipFill>
+        <p:spPr>
+          <a:xfrm>
+            <a:off x="1465392" y="228062"/>
+            <a:ext cx="8613494" cy="5401461"/>
+          </a:xfrm>
+          <a:prstGeom prst="rect">
+            <a:avLst/>
+          </a:prstGeom>
+        </p:spPr>
+      </p:pic>
+      <p:sp>
+        <p:nvSpPr>
+          <p:cNvPr id="5" name="圓角矩形 4"/>
+          <p:cNvSpPr/>
+          <p:nvPr/>
+        </p:nvSpPr>
+        <p:spPr>
+          <a:xfrm>
+            <a:off x="5788550" y="4953663"/>
+            <a:ext cx="993913" cy="564542"/>
+          </a:xfrm>
+          <a:prstGeom prst="roundRect">
+            <a:avLst/>
+          </a:prstGeom>
+          <a:noFill/>
+          <a:ln w="38100">
+            <a:solidFill>
+              <a:srgbClr val="92D050"/>
+            </a:solidFill>
+          </a:ln>
+        </p:spPr>
+        <p:style>
+          <a:lnRef idx="2">
+            <a:schemeClr val="accent1">
+              <a:shade val="50000"/>
+            </a:schemeClr>
+          </a:lnRef>
+          <a:fillRef idx="1">
+            <a:schemeClr val="accent1"/>
+          </a:fillRef>
+          <a:effectRef idx="0">
+            <a:schemeClr val="accent1"/>
+          </a:effectRef>
+          <a:fontRef idx="minor">
+            <a:schemeClr val="lt1"/>
+          </a:fontRef>
+        </p:style>
+        <p:txBody>
+          <a:bodyPr rtlCol="0" anchor="ctr"/>
+          <a:lstStyle/>
+          <a:p>
+            <a:pPr algn="ctr"/>
+            <a:endParaRPr lang="zh-TW" altLang="en-US"/>
+          </a:p>
+        </p:txBody>
+      </p:sp>
+      <p:sp>
+        <p:nvSpPr>
+          <p:cNvPr id="6" name="向右箭號 5"/>
+          <p:cNvSpPr/>
+          <p:nvPr/>
+        </p:nvSpPr>
+        <p:spPr>
+          <a:xfrm>
+            <a:off x="5184250" y="4961614"/>
+            <a:ext cx="628153" cy="516835"/>
+          </a:xfrm>
+          <a:prstGeom prst="rightArrow">
+            <a:avLst/>
+          </a:prstGeom>
+          <a:solidFill>
+            <a:srgbClr val="92D050"/>
+          </a:solidFill>
+          <a:ln>
+            <a:solidFill>
+              <a:srgbClr val="92D050"/>
+            </a:solidFill>
+          </a:ln>
+        </p:spPr>
+        <p:style>
+          <a:lnRef idx="2">
+            <a:schemeClr val="accent1">
+              <a:shade val="50000"/>
+            </a:schemeClr>
+          </a:lnRef>
+          <a:fillRef idx="1">
+            <a:schemeClr val="accent1"/>
+          </a:fillRef>
+          <a:effectRef idx="0">
+            <a:schemeClr val="accent1"/>
+          </a:effectRef>
+          <a:fontRef idx="minor">
+            <a:schemeClr val="lt1"/>
+          </a:fontRef>
+        </p:style>
+        <p:txBody>
+          <a:bodyPr rtlCol="0" anchor="ctr"/>
+          <a:lstStyle/>
+          <a:p>
+            <a:pPr algn="ctr"/>
+            <a:endParaRPr lang="zh-TW" altLang="en-US"/>
+          </a:p>
+        </p:txBody>
+      </p:sp>
+    </p:spTree>
+    <p:extLst>
+      <p:ext uri="{BB962C8B-B14F-4D97-AF65-F5344CB8AC3E}">
+        <p14:creationId xmlns:p14="http://schemas.microsoft.com/office/powerpoint/2010/main" val="3088526891"/>
       </p:ext>
     </p:extLst>
   </p:cSld>
@@ -9225,7 +10432,7 @@
         <p:spPr>
           <a:xfrm>
             <a:off x="1787236" y="2945076"/>
-            <a:ext cx="8345978" cy="830997"/>
+            <a:ext cx="8345978" cy="1107996"/>
           </a:xfrm>
           <a:prstGeom prst="rect">
             <a:avLst/>
@@ -9239,18 +10446,29 @@
           <a:p>
             <a:pPr algn="ctr"/>
             <a:r>
-              <a:rPr lang="en-US" altLang="zh-TW" sz="4800" dirty="0"/>
+              <a:rPr lang="en-US" altLang="zh-TW" sz="6600" dirty="0">
+                <a:solidFill>
+                  <a:schemeClr val="accent1"/>
+                </a:solidFill>
+              </a:rPr>
               <a:t>1.</a:t>
             </a:r>
             <a:r>
-              <a:rPr lang="zh-TW" altLang="en-US" sz="4800" dirty="0"/>
+              <a:rPr lang="zh-TW" altLang="en-US" sz="6600" dirty="0">
+                <a:solidFill>
+                  <a:schemeClr val="accent1"/>
+                </a:solidFill>
+              </a:rPr>
               <a:t>資訊安全目標</a:t>
             </a:r>
             <a:r>
-              <a:rPr lang="en-US" altLang="zh-TW" sz="4800" dirty="0"/>
+              <a:rPr lang="en-US" altLang="zh-TW" sz="6600" dirty="0">
+                <a:solidFill>
+                  <a:schemeClr val="accent1"/>
+                </a:solidFill>
+              </a:rPr>
               <a:t>:CIA</a:t>
             </a:r>
-            <a:endParaRPr lang="en-US" altLang="zh-TW" sz="4800" dirty="0"/>
           </a:p>
         </p:txBody>
       </p:sp>
@@ -9258,6 +10476,601 @@
     <p:extLst>
       <p:ext uri="{BB962C8B-B14F-4D97-AF65-F5344CB8AC3E}">
         <p14:creationId xmlns:p14="http://schemas.microsoft.com/office/powerpoint/2010/main" val="2363720173"/>
+      </p:ext>
+    </p:extLst>
+  </p:cSld>
+  <p:clrMapOvr>
+    <a:masterClrMapping/>
+  </p:clrMapOvr>
+</p:sld>
+</file>
+
+<file path=ppt/slides/slide30.xml><?xml version="1.0" encoding="utf-8"?>
+<p:sld xmlns:a="http://schemas.openxmlformats.org/drawingml/2006/main" xmlns:r="http://schemas.openxmlformats.org/officeDocument/2006/relationships" xmlns:p="http://schemas.openxmlformats.org/presentationml/2006/main">
+  <p:cSld>
+    <p:spTree>
+      <p:nvGrpSpPr>
+        <p:cNvPr id="1" name=""/>
+        <p:cNvGrpSpPr/>
+        <p:nvPr/>
+      </p:nvGrpSpPr>
+      <p:grpSpPr>
+        <a:xfrm>
+          <a:off x="0" y="0"/>
+          <a:ext cx="0" cy="0"/>
+          <a:chOff x="0" y="0"/>
+          <a:chExt cx="0" cy="0"/>
+        </a:xfrm>
+      </p:grpSpPr>
+      <p:sp>
+        <p:nvSpPr>
+          <p:cNvPr id="2" name="標題 1"/>
+          <p:cNvSpPr>
+            <a:spLocks noGrp="1"/>
+          </p:cNvSpPr>
+          <p:nvPr>
+            <p:ph type="title"/>
+          </p:nvPr>
+        </p:nvSpPr>
+        <p:spPr/>
+        <p:txBody>
+          <a:bodyPr/>
+          <a:lstStyle/>
+          <a:p>
+            <a:endParaRPr lang="zh-TW" altLang="en-US"/>
+          </a:p>
+        </p:txBody>
+      </p:sp>
+      <p:pic>
+        <p:nvPicPr>
+          <p:cNvPr id="4" name="內容版面配置區 3"/>
+          <p:cNvPicPr>
+            <a:picLocks noGrp="1" noChangeAspect="1"/>
+          </p:cNvPicPr>
+          <p:nvPr>
+            <p:ph idx="1"/>
+          </p:nvPr>
+        </p:nvPicPr>
+        <p:blipFill>
+          <a:blip r:embed="rId2"/>
+          <a:stretch>
+            <a:fillRect/>
+          </a:stretch>
+        </p:blipFill>
+        <p:spPr>
+          <a:xfrm>
+            <a:off x="1256344" y="618517"/>
+            <a:ext cx="10099775" cy="5758429"/>
+          </a:xfrm>
+          <a:prstGeom prst="rect">
+            <a:avLst/>
+          </a:prstGeom>
+        </p:spPr>
+      </p:pic>
+    </p:spTree>
+    <p:extLst>
+      <p:ext uri="{BB962C8B-B14F-4D97-AF65-F5344CB8AC3E}">
+        <p14:creationId xmlns:p14="http://schemas.microsoft.com/office/powerpoint/2010/main" val="3692687188"/>
+      </p:ext>
+    </p:extLst>
+  </p:cSld>
+  <p:clrMapOvr>
+    <a:masterClrMapping/>
+  </p:clrMapOvr>
+</p:sld>
+</file>
+
+<file path=ppt/slides/slide31.xml><?xml version="1.0" encoding="utf-8"?>
+<p:sld xmlns:a="http://schemas.openxmlformats.org/drawingml/2006/main" xmlns:r="http://schemas.openxmlformats.org/officeDocument/2006/relationships" xmlns:p="http://schemas.openxmlformats.org/presentationml/2006/main">
+  <p:cSld>
+    <p:spTree>
+      <p:nvGrpSpPr>
+        <p:cNvPr id="1" name=""/>
+        <p:cNvGrpSpPr/>
+        <p:nvPr/>
+      </p:nvGrpSpPr>
+      <p:grpSpPr>
+        <a:xfrm>
+          <a:off x="0" y="0"/>
+          <a:ext cx="0" cy="0"/>
+          <a:chOff x="0" y="0"/>
+          <a:chExt cx="0" cy="0"/>
+        </a:xfrm>
+      </p:grpSpPr>
+      <p:sp>
+        <p:nvSpPr>
+          <p:cNvPr id="2" name="標題 1"/>
+          <p:cNvSpPr>
+            <a:spLocks noGrp="1"/>
+          </p:cNvSpPr>
+          <p:nvPr>
+            <p:ph type="title"/>
+          </p:nvPr>
+        </p:nvSpPr>
+        <p:spPr/>
+        <p:txBody>
+          <a:bodyPr/>
+          <a:lstStyle/>
+          <a:p>
+            <a:endParaRPr lang="zh-TW" altLang="en-US"/>
+          </a:p>
+        </p:txBody>
+      </p:sp>
+      <p:pic>
+        <p:nvPicPr>
+          <p:cNvPr id="4" name="內容版面配置區 3"/>
+          <p:cNvPicPr>
+            <a:picLocks noGrp="1" noChangeAspect="1"/>
+          </p:cNvPicPr>
+          <p:nvPr>
+            <p:ph idx="1"/>
+          </p:nvPr>
+        </p:nvPicPr>
+        <p:blipFill>
+          <a:blip r:embed="rId2"/>
+          <a:stretch>
+            <a:fillRect/>
+          </a:stretch>
+        </p:blipFill>
+        <p:spPr>
+          <a:xfrm>
+            <a:off x="1408953" y="1416605"/>
+            <a:ext cx="9451685" cy="3576814"/>
+          </a:xfrm>
+          <a:prstGeom prst="rect">
+            <a:avLst/>
+          </a:prstGeom>
+        </p:spPr>
+      </p:pic>
+    </p:spTree>
+    <p:extLst>
+      <p:ext uri="{BB962C8B-B14F-4D97-AF65-F5344CB8AC3E}">
+        <p14:creationId xmlns:p14="http://schemas.microsoft.com/office/powerpoint/2010/main" val="2536626046"/>
+      </p:ext>
+    </p:extLst>
+  </p:cSld>
+  <p:clrMapOvr>
+    <a:masterClrMapping/>
+  </p:clrMapOvr>
+</p:sld>
+</file>
+
+<file path=ppt/slides/slide32.xml><?xml version="1.0" encoding="utf-8"?>
+<p:sld xmlns:a="http://schemas.openxmlformats.org/drawingml/2006/main" xmlns:r="http://schemas.openxmlformats.org/officeDocument/2006/relationships" xmlns:p="http://schemas.openxmlformats.org/presentationml/2006/main">
+  <p:cSld>
+    <p:spTree>
+      <p:nvGrpSpPr>
+        <p:cNvPr id="1" name=""/>
+        <p:cNvGrpSpPr/>
+        <p:nvPr/>
+      </p:nvGrpSpPr>
+      <p:grpSpPr>
+        <a:xfrm>
+          <a:off x="0" y="0"/>
+          <a:ext cx="0" cy="0"/>
+          <a:chOff x="0" y="0"/>
+          <a:chExt cx="0" cy="0"/>
+        </a:xfrm>
+      </p:grpSpPr>
+      <p:sp>
+        <p:nvSpPr>
+          <p:cNvPr id="2" name="標題 1"/>
+          <p:cNvSpPr>
+            <a:spLocks noGrp="1"/>
+          </p:cNvSpPr>
+          <p:nvPr>
+            <p:ph type="title"/>
+          </p:nvPr>
+        </p:nvSpPr>
+        <p:spPr/>
+        <p:txBody>
+          <a:bodyPr/>
+          <a:lstStyle/>
+          <a:p>
+            <a:endParaRPr lang="zh-TW" altLang="en-US"/>
+          </a:p>
+        </p:txBody>
+      </p:sp>
+      <p:pic>
+        <p:nvPicPr>
+          <p:cNvPr id="4" name="內容版面配置區 3"/>
+          <p:cNvPicPr>
+            <a:picLocks noGrp="1" noChangeAspect="1"/>
+          </p:cNvPicPr>
+          <p:nvPr>
+            <p:ph idx="1"/>
+          </p:nvPr>
+        </p:nvPicPr>
+        <p:blipFill>
+          <a:blip r:embed="rId2"/>
+          <a:stretch>
+            <a:fillRect/>
+          </a:stretch>
+        </p:blipFill>
+        <p:spPr>
+          <a:xfrm>
+            <a:off x="546030" y="820257"/>
+            <a:ext cx="5679841" cy="2496794"/>
+          </a:xfrm>
+          <a:prstGeom prst="rect">
+            <a:avLst/>
+          </a:prstGeom>
+        </p:spPr>
+      </p:pic>
+      <p:pic>
+        <p:nvPicPr>
+          <p:cNvPr id="5" name="圖片 4"/>
+          <p:cNvPicPr>
+            <a:picLocks noChangeAspect="1"/>
+          </p:cNvPicPr>
+          <p:nvPr/>
+        </p:nvPicPr>
+        <p:blipFill>
+          <a:blip r:embed="rId3"/>
+          <a:stretch>
+            <a:fillRect/>
+          </a:stretch>
+        </p:blipFill>
+        <p:spPr>
+          <a:xfrm>
+            <a:off x="2805526" y="3881685"/>
+            <a:ext cx="7416560" cy="2638384"/>
+          </a:xfrm>
+          <a:prstGeom prst="rect">
+            <a:avLst/>
+          </a:prstGeom>
+        </p:spPr>
+      </p:pic>
+      <p:sp>
+        <p:nvSpPr>
+          <p:cNvPr id="6" name="橢圓 5"/>
+          <p:cNvSpPr/>
+          <p:nvPr/>
+        </p:nvSpPr>
+        <p:spPr>
+          <a:xfrm>
+            <a:off x="4071068" y="3760967"/>
+            <a:ext cx="1558455" cy="755374"/>
+          </a:xfrm>
+          <a:prstGeom prst="ellipse">
+            <a:avLst/>
+          </a:prstGeom>
+          <a:noFill/>
+          <a:ln w="38100">
+            <a:solidFill>
+              <a:srgbClr val="FF0000"/>
+            </a:solidFill>
+          </a:ln>
+        </p:spPr>
+        <p:style>
+          <a:lnRef idx="2">
+            <a:schemeClr val="accent1">
+              <a:shade val="50000"/>
+            </a:schemeClr>
+          </a:lnRef>
+          <a:fillRef idx="1">
+            <a:schemeClr val="accent1"/>
+          </a:fillRef>
+          <a:effectRef idx="0">
+            <a:schemeClr val="accent1"/>
+          </a:effectRef>
+          <a:fontRef idx="minor">
+            <a:schemeClr val="lt1"/>
+          </a:fontRef>
+        </p:style>
+        <p:txBody>
+          <a:bodyPr rtlCol="0" anchor="ctr"/>
+          <a:lstStyle/>
+          <a:p>
+            <a:pPr algn="ctr"/>
+            <a:endParaRPr lang="zh-TW" altLang="en-US"/>
+          </a:p>
+        </p:txBody>
+      </p:sp>
+    </p:spTree>
+    <p:extLst>
+      <p:ext uri="{BB962C8B-B14F-4D97-AF65-F5344CB8AC3E}">
+        <p14:creationId xmlns:p14="http://schemas.microsoft.com/office/powerpoint/2010/main" val="842017432"/>
+      </p:ext>
+    </p:extLst>
+  </p:cSld>
+  <p:clrMapOvr>
+    <a:masterClrMapping/>
+  </p:clrMapOvr>
+</p:sld>
+</file>
+
+<file path=ppt/slides/slide33.xml><?xml version="1.0" encoding="utf-8"?>
+<p:sld xmlns:a="http://schemas.openxmlformats.org/drawingml/2006/main" xmlns:r="http://schemas.openxmlformats.org/officeDocument/2006/relationships" xmlns:p="http://schemas.openxmlformats.org/presentationml/2006/main">
+  <p:cSld>
+    <p:spTree>
+      <p:nvGrpSpPr>
+        <p:cNvPr id="1" name=""/>
+        <p:cNvGrpSpPr/>
+        <p:nvPr/>
+      </p:nvGrpSpPr>
+      <p:grpSpPr>
+        <a:xfrm>
+          <a:off x="0" y="0"/>
+          <a:ext cx="0" cy="0"/>
+          <a:chOff x="0" y="0"/>
+          <a:chExt cx="0" cy="0"/>
+        </a:xfrm>
+      </p:grpSpPr>
+      <p:sp>
+        <p:nvSpPr>
+          <p:cNvPr id="2" name="標題 1"/>
+          <p:cNvSpPr>
+            <a:spLocks noGrp="1"/>
+          </p:cNvSpPr>
+          <p:nvPr>
+            <p:ph type="title"/>
+          </p:nvPr>
+        </p:nvSpPr>
+        <p:spPr/>
+        <p:txBody>
+          <a:bodyPr/>
+          <a:lstStyle/>
+          <a:p>
+            <a:endParaRPr lang="zh-TW" altLang="en-US"/>
+          </a:p>
+        </p:txBody>
+      </p:sp>
+      <p:pic>
+        <p:nvPicPr>
+          <p:cNvPr id="4" name="內容版面配置區 3"/>
+          <p:cNvPicPr>
+            <a:picLocks noGrp="1" noChangeAspect="1"/>
+          </p:cNvPicPr>
+          <p:nvPr>
+            <p:ph idx="1"/>
+          </p:nvPr>
+        </p:nvPicPr>
+        <p:blipFill>
+          <a:blip r:embed="rId2"/>
+          <a:stretch>
+            <a:fillRect/>
+          </a:stretch>
+        </p:blipFill>
+        <p:spPr>
+          <a:xfrm>
+            <a:off x="848843" y="1563155"/>
+            <a:ext cx="10822459" cy="2881623"/>
+          </a:xfrm>
+          <a:prstGeom prst="rect">
+            <a:avLst/>
+          </a:prstGeom>
+        </p:spPr>
+      </p:pic>
+    </p:spTree>
+    <p:extLst>
+      <p:ext uri="{BB962C8B-B14F-4D97-AF65-F5344CB8AC3E}">
+        <p14:creationId xmlns:p14="http://schemas.microsoft.com/office/powerpoint/2010/main" val="1497092797"/>
+      </p:ext>
+    </p:extLst>
+  </p:cSld>
+  <p:clrMapOvr>
+    <a:masterClrMapping/>
+  </p:clrMapOvr>
+</p:sld>
+</file>
+
+<file path=ppt/slides/slide34.xml><?xml version="1.0" encoding="utf-8"?>
+<p:sld xmlns:a="http://schemas.openxmlformats.org/drawingml/2006/main" xmlns:r="http://schemas.openxmlformats.org/officeDocument/2006/relationships" xmlns:p="http://schemas.openxmlformats.org/presentationml/2006/main">
+  <p:cSld>
+    <p:spTree>
+      <p:nvGrpSpPr>
+        <p:cNvPr id="1" name=""/>
+        <p:cNvGrpSpPr/>
+        <p:nvPr/>
+      </p:nvGrpSpPr>
+      <p:grpSpPr>
+        <a:xfrm>
+          <a:off x="0" y="0"/>
+          <a:ext cx="0" cy="0"/>
+          <a:chOff x="0" y="0"/>
+          <a:chExt cx="0" cy="0"/>
+        </a:xfrm>
+      </p:grpSpPr>
+      <p:sp>
+        <p:nvSpPr>
+          <p:cNvPr id="2" name="標題 1"/>
+          <p:cNvSpPr>
+            <a:spLocks noGrp="1"/>
+          </p:cNvSpPr>
+          <p:nvPr>
+            <p:ph type="title"/>
+          </p:nvPr>
+        </p:nvSpPr>
+        <p:spPr/>
+        <p:txBody>
+          <a:bodyPr/>
+          <a:lstStyle/>
+          <a:p>
+            <a:endParaRPr lang="zh-TW" altLang="en-US"/>
+          </a:p>
+        </p:txBody>
+      </p:sp>
+      <p:pic>
+        <p:nvPicPr>
+          <p:cNvPr id="4" name="內容版面配置區 3"/>
+          <p:cNvPicPr>
+            <a:picLocks noGrp="1" noChangeAspect="1"/>
+          </p:cNvPicPr>
+          <p:nvPr>
+            <p:ph idx="1"/>
+          </p:nvPr>
+        </p:nvPicPr>
+        <p:blipFill>
+          <a:blip r:embed="rId2"/>
+          <a:stretch>
+            <a:fillRect/>
+          </a:stretch>
+        </p:blipFill>
+        <p:spPr>
+          <a:xfrm>
+            <a:off x="5615124" y="220111"/>
+            <a:ext cx="5663102" cy="6411277"/>
+          </a:xfrm>
+          <a:prstGeom prst="rect">
+            <a:avLst/>
+          </a:prstGeom>
+        </p:spPr>
+      </p:pic>
+    </p:spTree>
+    <p:extLst>
+      <p:ext uri="{BB962C8B-B14F-4D97-AF65-F5344CB8AC3E}">
+        <p14:creationId xmlns:p14="http://schemas.microsoft.com/office/powerpoint/2010/main" val="1596137399"/>
+      </p:ext>
+    </p:extLst>
+  </p:cSld>
+  <p:clrMapOvr>
+    <a:masterClrMapping/>
+  </p:clrMapOvr>
+</p:sld>
+</file>
+
+<file path=ppt/slides/slide35.xml><?xml version="1.0" encoding="utf-8"?>
+<p:sld xmlns:a="http://schemas.openxmlformats.org/drawingml/2006/main" xmlns:r="http://schemas.openxmlformats.org/officeDocument/2006/relationships" xmlns:p="http://schemas.openxmlformats.org/presentationml/2006/main">
+  <p:cSld>
+    <p:spTree>
+      <p:nvGrpSpPr>
+        <p:cNvPr id="1" name=""/>
+        <p:cNvGrpSpPr/>
+        <p:nvPr/>
+      </p:nvGrpSpPr>
+      <p:grpSpPr>
+        <a:xfrm>
+          <a:off x="0" y="0"/>
+          <a:ext cx="0" cy="0"/>
+          <a:chOff x="0" y="0"/>
+          <a:chExt cx="0" cy="0"/>
+        </a:xfrm>
+      </p:grpSpPr>
+      <p:sp>
+        <p:nvSpPr>
+          <p:cNvPr id="2" name="標題 1"/>
+          <p:cNvSpPr>
+            <a:spLocks noGrp="1"/>
+          </p:cNvSpPr>
+          <p:nvPr>
+            <p:ph type="title"/>
+          </p:nvPr>
+        </p:nvSpPr>
+        <p:spPr/>
+        <p:txBody>
+          <a:bodyPr/>
+          <a:lstStyle/>
+          <a:p>
+            <a:endParaRPr lang="zh-TW" altLang="en-US"/>
+          </a:p>
+        </p:txBody>
+      </p:sp>
+      <p:pic>
+        <p:nvPicPr>
+          <p:cNvPr id="4" name="內容版面配置區 3"/>
+          <p:cNvPicPr>
+            <a:picLocks noGrp="1" noChangeAspect="1"/>
+          </p:cNvPicPr>
+          <p:nvPr>
+            <p:ph idx="1"/>
+          </p:nvPr>
+        </p:nvPicPr>
+        <p:blipFill>
+          <a:blip r:embed="rId2"/>
+          <a:stretch>
+            <a:fillRect/>
+          </a:stretch>
+        </p:blipFill>
+        <p:spPr>
+          <a:xfrm>
+            <a:off x="1129966" y="502575"/>
+            <a:ext cx="10344374" cy="6160618"/>
+          </a:xfrm>
+          <a:prstGeom prst="rect">
+            <a:avLst/>
+          </a:prstGeom>
+        </p:spPr>
+      </p:pic>
+    </p:spTree>
+    <p:extLst>
+      <p:ext uri="{BB962C8B-B14F-4D97-AF65-F5344CB8AC3E}">
+        <p14:creationId xmlns:p14="http://schemas.microsoft.com/office/powerpoint/2010/main" val="507214087"/>
+      </p:ext>
+    </p:extLst>
+  </p:cSld>
+  <p:clrMapOvr>
+    <a:masterClrMapping/>
+  </p:clrMapOvr>
+</p:sld>
+</file>
+
+<file path=ppt/slides/slide36.xml><?xml version="1.0" encoding="utf-8"?>
+<p:sld xmlns:a="http://schemas.openxmlformats.org/drawingml/2006/main" xmlns:r="http://schemas.openxmlformats.org/officeDocument/2006/relationships" xmlns:p="http://schemas.openxmlformats.org/presentationml/2006/main">
+  <p:cSld>
+    <p:spTree>
+      <p:nvGrpSpPr>
+        <p:cNvPr id="1" name=""/>
+        <p:cNvGrpSpPr/>
+        <p:nvPr/>
+      </p:nvGrpSpPr>
+      <p:grpSpPr>
+        <a:xfrm>
+          <a:off x="0" y="0"/>
+          <a:ext cx="0" cy="0"/>
+          <a:chOff x="0" y="0"/>
+          <a:chExt cx="0" cy="0"/>
+        </a:xfrm>
+      </p:grpSpPr>
+      <p:sp>
+        <p:nvSpPr>
+          <p:cNvPr id="2" name="標題 1"/>
+          <p:cNvSpPr>
+            <a:spLocks noGrp="1"/>
+          </p:cNvSpPr>
+          <p:nvPr>
+            <p:ph type="title"/>
+          </p:nvPr>
+        </p:nvSpPr>
+        <p:spPr/>
+        <p:txBody>
+          <a:bodyPr/>
+          <a:lstStyle/>
+          <a:p>
+            <a:endParaRPr lang="zh-TW" altLang="en-US"/>
+          </a:p>
+        </p:txBody>
+      </p:sp>
+      <p:pic>
+        <p:nvPicPr>
+          <p:cNvPr id="4" name="內容版面配置區 3"/>
+          <p:cNvPicPr>
+            <a:picLocks noGrp="1" noChangeAspect="1"/>
+          </p:cNvPicPr>
+          <p:nvPr>
+            <p:ph idx="1"/>
+          </p:nvPr>
+        </p:nvPicPr>
+        <p:blipFill>
+          <a:blip r:embed="rId2"/>
+          <a:stretch>
+            <a:fillRect/>
+          </a:stretch>
+        </p:blipFill>
+        <p:spPr>
+          <a:xfrm>
+            <a:off x="1154655" y="502575"/>
+            <a:ext cx="10506326" cy="5977738"/>
+          </a:xfrm>
+          <a:prstGeom prst="rect">
+            <a:avLst/>
+          </a:prstGeom>
+        </p:spPr>
+      </p:pic>
+    </p:spTree>
+    <p:extLst>
+      <p:ext uri="{BB962C8B-B14F-4D97-AF65-F5344CB8AC3E}">
+        <p14:creationId xmlns:p14="http://schemas.microsoft.com/office/powerpoint/2010/main" val="1017173363"/>
       </p:ext>
     </p:extLst>
   </p:cSld>
@@ -9377,42 +11190,54 @@
       </p:grpSpPr>
       <p:sp>
         <p:nvSpPr>
-          <p:cNvPr id="4" name="矩形 3"/>
+          <p:cNvPr id="2" name="矩形 1"/>
           <p:cNvSpPr/>
           <p:nvPr/>
         </p:nvSpPr>
         <p:spPr>
           <a:xfrm>
-            <a:off x="2757427" y="2587628"/>
-            <a:ext cx="7026283" cy="1015663"/>
+            <a:off x="391885" y="3244333"/>
+            <a:ext cx="10025743" cy="1107996"/>
           </a:xfrm>
           <a:prstGeom prst="rect">
             <a:avLst/>
           </a:prstGeom>
         </p:spPr>
         <p:txBody>
-          <a:bodyPr wrap="none">
+          <a:bodyPr wrap="square">
             <a:spAutoFit/>
           </a:bodyPr>
           <a:lstStyle/>
           <a:p>
             <a:pPr algn="ctr"/>
             <a:r>
-              <a:rPr lang="en-US" altLang="zh-TW" sz="6000" dirty="0"/>
-              <a:t>3.</a:t>
-            </a:r>
-            <a:r>
-              <a:rPr lang="zh-TW" altLang="en-US" sz="6000" dirty="0"/>
-              <a:t>密碼學的基本認知</a:t>
-            </a:r>
-            <a:endParaRPr lang="zh-TW" altLang="en-US" sz="6000" dirty="0"/>
+              <a:rPr lang="en-US" altLang="zh-TW" sz="6600" b="1" i="1" dirty="0">
+                <a:solidFill>
+                  <a:schemeClr val="accent1"/>
+                </a:solidFill>
+              </a:rPr>
+              <a:t>2.</a:t>
+            </a:r>
+            <a:r>
+              <a:rPr lang="zh-TW" altLang="en-US" sz="6600" b="1" i="1" dirty="0">
+                <a:solidFill>
+                  <a:schemeClr val="accent1"/>
+                </a:solidFill>
+              </a:rPr>
+              <a:t>雜湊函數與實戰</a:t>
+            </a:r>
+            <a:endParaRPr lang="zh-TW" altLang="en-US" sz="6600" b="1" i="1" dirty="0">
+              <a:solidFill>
+                <a:schemeClr val="accent1"/>
+              </a:solidFill>
+            </a:endParaRPr>
           </a:p>
         </p:txBody>
       </p:sp>
     </p:spTree>
     <p:extLst>
       <p:ext uri="{BB962C8B-B14F-4D97-AF65-F5344CB8AC3E}">
-        <p14:creationId xmlns:p14="http://schemas.microsoft.com/office/powerpoint/2010/main" val="2135535614"/>
+        <p14:creationId xmlns:p14="http://schemas.microsoft.com/office/powerpoint/2010/main" val="28028430"/>
       </p:ext>
     </p:extLst>
   </p:cSld>
@@ -9441,7 +11266,13 @@
       </p:grpSpPr>
       <p:sp>
         <p:nvSpPr>
-          <p:cNvPr id="2" name="標題 1"/>
+          <p:cNvPr id="2" name="標題 1">
+            <a:extLst>
+              <a:ext uri="{FF2B5EF4-FFF2-40B4-BE49-F238E27FC236}">
+                <a16:creationId xmlns:a16="http://schemas.microsoft.com/office/drawing/2014/main" id="{10B85545-6A0D-487B-88B9-CA884CC73A82}"/>
+              </a:ext>
+            </a:extLst>
+          </p:cNvPr>
           <p:cNvSpPr>
             <a:spLocks noGrp="1"/>
           </p:cNvSpPr>
@@ -9451,8 +11282,8 @@
         </p:nvSpPr>
         <p:spPr>
           <a:xfrm>
-            <a:off x="913775" y="618518"/>
-            <a:ext cx="10364451" cy="1069606"/>
+            <a:off x="797234" y="161317"/>
+            <a:ext cx="10364451" cy="959271"/>
           </a:xfrm>
         </p:spPr>
         <p:txBody>
@@ -9460,8 +11291,12 @@
           <a:lstStyle/>
           <a:p>
             <a:r>
-              <a:rPr lang="zh-TW" altLang="en-US" dirty="0" smtClean="0"/>
-              <a:t>使用凱薩密碼加解密</a:t>
+              <a:rPr lang="zh-TW" altLang="en-US" dirty="0"/>
+              <a:t>雜湊函數 </a:t>
+            </a:r>
+            <a:r>
+              <a:rPr lang="en-US" altLang="zh-TW" dirty="0"/>
+              <a:t>Hash function</a:t>
             </a:r>
             <a:endParaRPr lang="zh-TW" altLang="en-US" dirty="0"/>
           </a:p>
@@ -9469,12 +11304,18 @@
       </p:sp>
       <p:pic>
         <p:nvPicPr>
-          <p:cNvPr id="4" name="內容版面配置區 3"/>
+          <p:cNvPr id="4" name="內容版面配置區 3">
+            <a:extLst>
+              <a:ext uri="{FF2B5EF4-FFF2-40B4-BE49-F238E27FC236}">
+                <a16:creationId xmlns:a16="http://schemas.microsoft.com/office/drawing/2014/main" id="{0F3AC441-685D-4BF8-B74A-FBD083F9CD68}"/>
+              </a:ext>
+            </a:extLst>
+          </p:cNvPr>
           <p:cNvPicPr>
             <a:picLocks noGrp="1" noChangeAspect="1"/>
           </p:cNvPicPr>
           <p:nvPr>
-            <p:ph idx="1"/>
+            <p:ph sz="quarter" idx="4294967295"/>
           </p:nvPr>
         </p:nvPicPr>
         <p:blipFill>
@@ -9485,18 +11326,570 @@
         </p:blipFill>
         <p:spPr>
           <a:xfrm>
-            <a:off x="1191428" y="1796440"/>
-            <a:ext cx="10102318" cy="4276114"/>
+            <a:off x="6849035" y="1120588"/>
+            <a:ext cx="4411252" cy="2984488"/>
           </a:xfrm>
           <a:prstGeom prst="rect">
             <a:avLst/>
           </a:prstGeom>
         </p:spPr>
       </p:pic>
+      <p:sp>
+        <p:nvSpPr>
+          <p:cNvPr id="5" name="矩形 4">
+            <a:extLst>
+              <a:ext uri="{FF2B5EF4-FFF2-40B4-BE49-F238E27FC236}">
+                <a16:creationId xmlns:a16="http://schemas.microsoft.com/office/drawing/2014/main" id="{AFDD19E6-59C5-4EB4-8247-8D8C6C2D2B35}"/>
+              </a:ext>
+            </a:extLst>
+          </p:cNvPr>
+          <p:cNvSpPr/>
+          <p:nvPr/>
+        </p:nvSpPr>
+        <p:spPr>
+          <a:xfrm>
+            <a:off x="44823" y="1064372"/>
+            <a:ext cx="6486274" cy="5632311"/>
+          </a:xfrm>
+          <a:prstGeom prst="rect">
+            <a:avLst/>
+          </a:prstGeom>
+          <a:solidFill>
+            <a:schemeClr val="accent1"/>
+          </a:solidFill>
+        </p:spPr>
+        <p:txBody>
+          <a:bodyPr wrap="square">
+            <a:spAutoFit/>
+          </a:bodyPr>
+          <a:lstStyle/>
+          <a:p>
+            <a:pPr marL="285750" indent="-285750">
+              <a:buFont typeface="Wingdings" panose="05000000000000000000" pitchFamily="2" charset="2"/>
+              <a:buChar char="ü"/>
+            </a:pPr>
+            <a:r>
+              <a:rPr lang="zh-TW" altLang="en-US" b="1" dirty="0"/>
+              <a:t>雜湊函式（英語：</a:t>
+            </a:r>
+            <a:r>
+              <a:rPr lang="en-US" altLang="zh-TW" b="1" dirty="0"/>
+              <a:t>Hash function</a:t>
+            </a:r>
+            <a:r>
+              <a:rPr lang="zh-TW" altLang="en-US" b="1" dirty="0"/>
+              <a:t>）又稱雜湊演算法，是一種從任何一種資料中建立小的數字「指紋」的方法。</a:t>
+            </a:r>
+            <a:endParaRPr lang="en-US" altLang="zh-TW" b="1" dirty="0"/>
+          </a:p>
+          <a:p>
+            <a:pPr marL="285750" indent="-285750">
+              <a:buFont typeface="Wingdings" panose="05000000000000000000" pitchFamily="2" charset="2"/>
+              <a:buChar char="ü"/>
+            </a:pPr>
+            <a:endParaRPr lang="en-US" altLang="zh-TW" b="1" dirty="0"/>
+          </a:p>
+          <a:p>
+            <a:pPr marL="285750" indent="-285750">
+              <a:buFont typeface="Wingdings" panose="05000000000000000000" pitchFamily="2" charset="2"/>
+              <a:buChar char="ü"/>
+            </a:pPr>
+            <a:r>
+              <a:rPr lang="zh-TW" altLang="en-US" b="1" dirty="0"/>
+              <a:t>雜湊函式把訊息或資料壓縮成摘要，使得資料量變小，將資料的格式固定下來。</a:t>
+            </a:r>
+            <a:endParaRPr lang="en-US" altLang="zh-TW" b="1" dirty="0"/>
+          </a:p>
+          <a:p>
+            <a:pPr marL="285750" indent="-285750">
+              <a:buFont typeface="Wingdings" panose="05000000000000000000" pitchFamily="2" charset="2"/>
+              <a:buChar char="ü"/>
+            </a:pPr>
+            <a:endParaRPr lang="en-US" altLang="zh-TW" b="1" dirty="0"/>
+          </a:p>
+          <a:p>
+            <a:pPr marL="285750" indent="-285750">
+              <a:buFont typeface="Wingdings" panose="05000000000000000000" pitchFamily="2" charset="2"/>
+              <a:buChar char="ü"/>
+            </a:pPr>
+            <a:r>
+              <a:rPr lang="zh-TW" altLang="en-US" b="1" dirty="0"/>
+              <a:t>該函式將資料打亂混合，重新建立一個叫做雜湊值（</a:t>
+            </a:r>
+            <a:r>
+              <a:rPr lang="en-US" altLang="zh-TW" b="1" dirty="0"/>
+              <a:t>hash values</a:t>
+            </a:r>
+            <a:r>
+              <a:rPr lang="zh-TW" altLang="en-US" b="1" dirty="0"/>
+              <a:t>，</a:t>
+            </a:r>
+            <a:r>
+              <a:rPr lang="en-US" altLang="zh-TW" b="1" dirty="0"/>
+              <a:t>hash codes</a:t>
+            </a:r>
+            <a:r>
+              <a:rPr lang="zh-TW" altLang="en-US" b="1" dirty="0"/>
+              <a:t>，</a:t>
+            </a:r>
+            <a:r>
+              <a:rPr lang="en-US" altLang="zh-TW" b="1" dirty="0"/>
+              <a:t>hash sums</a:t>
+            </a:r>
+            <a:r>
+              <a:rPr lang="zh-TW" altLang="en-US" b="1" dirty="0"/>
+              <a:t>，或</a:t>
+            </a:r>
+            <a:r>
+              <a:rPr lang="en-US" altLang="zh-TW" b="1" dirty="0"/>
+              <a:t>hashes</a:t>
+            </a:r>
+            <a:r>
+              <a:rPr lang="zh-TW" altLang="en-US" b="1" dirty="0"/>
+              <a:t>）的指紋。</a:t>
+            </a:r>
+            <a:endParaRPr lang="en-US" altLang="zh-TW" b="1" dirty="0"/>
+          </a:p>
+          <a:p>
+            <a:pPr marL="285750" indent="-285750">
+              <a:buFont typeface="Wingdings" panose="05000000000000000000" pitchFamily="2" charset="2"/>
+              <a:buChar char="ü"/>
+            </a:pPr>
+            <a:endParaRPr lang="en-US" altLang="zh-TW" b="1" dirty="0"/>
+          </a:p>
+          <a:p>
+            <a:pPr marL="285750" indent="-285750">
+              <a:buFont typeface="Wingdings" panose="05000000000000000000" pitchFamily="2" charset="2"/>
+              <a:buChar char="ü"/>
+            </a:pPr>
+            <a:r>
+              <a:rPr lang="zh-TW" altLang="en-US" b="1" dirty="0"/>
+              <a:t>雜湊值通常用一個短的隨機字母和數字組成的字串來代表。</a:t>
+            </a:r>
+            <a:endParaRPr lang="en-US" altLang="zh-TW" b="1" dirty="0"/>
+          </a:p>
+          <a:p>
+            <a:pPr marL="285750" indent="-285750">
+              <a:buFont typeface="Wingdings" panose="05000000000000000000" pitchFamily="2" charset="2"/>
+              <a:buChar char="ü"/>
+            </a:pPr>
+            <a:endParaRPr lang="en-US" altLang="zh-TW" b="1" dirty="0"/>
+          </a:p>
+          <a:p>
+            <a:pPr marL="285750" indent="-285750">
+              <a:buFont typeface="Wingdings" panose="05000000000000000000" pitchFamily="2" charset="2"/>
+              <a:buChar char="ü"/>
+            </a:pPr>
+            <a:r>
+              <a:rPr lang="zh-TW" altLang="en-US" b="1" dirty="0"/>
+              <a:t>好的雜湊函式在輸入域中很少出現雜湊衝突。</a:t>
+            </a:r>
+            <a:endParaRPr lang="en-US" altLang="zh-TW" b="1" dirty="0"/>
+          </a:p>
+          <a:p>
+            <a:pPr marL="285750" indent="-285750">
+              <a:buFont typeface="Wingdings" panose="05000000000000000000" pitchFamily="2" charset="2"/>
+              <a:buChar char="ü"/>
+            </a:pPr>
+            <a:endParaRPr lang="en-US" altLang="zh-TW" b="1" dirty="0"/>
+          </a:p>
+          <a:p>
+            <a:pPr marL="285750" indent="-285750">
+              <a:buFont typeface="Wingdings" panose="05000000000000000000" pitchFamily="2" charset="2"/>
+              <a:buChar char="ü"/>
+            </a:pPr>
+            <a:r>
+              <a:rPr lang="zh-TW" altLang="en-US" b="1" dirty="0"/>
+              <a:t>在雜湊表和資料處理中，不抑制衝突來區別資料，會使得資料庫記錄更難找到。</a:t>
+            </a:r>
+          </a:p>
+          <a:p>
+            <a:pPr marL="285750" indent="-285750">
+              <a:buFont typeface="Wingdings" panose="05000000000000000000" pitchFamily="2" charset="2"/>
+              <a:buChar char="ü"/>
+            </a:pPr>
+            <a:endParaRPr lang="en-US" altLang="zh-TW" b="1" dirty="0"/>
+          </a:p>
+          <a:p>
+            <a:pPr marL="285750" indent="-285750">
+              <a:buFont typeface="Wingdings" panose="05000000000000000000" pitchFamily="2" charset="2"/>
+              <a:buChar char="ü"/>
+            </a:pPr>
+            <a:r>
+              <a:rPr lang="zh-TW" altLang="en-US" b="1" dirty="0"/>
+              <a:t>雜湊演算法也被用來加密存在資料庫中的密碼（</a:t>
+            </a:r>
+            <a:r>
+              <a:rPr lang="en-US" altLang="zh-TW" b="1" dirty="0"/>
+              <a:t>password</a:t>
+            </a:r>
+            <a:r>
+              <a:rPr lang="zh-TW" altLang="en-US" b="1" dirty="0"/>
+              <a:t>）字串，由於雜湊演算法所計算出來的雜湊值（</a:t>
+            </a:r>
+            <a:r>
+              <a:rPr lang="en-US" altLang="zh-TW" b="1" dirty="0"/>
+              <a:t>Hash Value</a:t>
+            </a:r>
+            <a:r>
+              <a:rPr lang="zh-TW" altLang="en-US" b="1" dirty="0"/>
+              <a:t>）具有不可逆（無法逆向演算回原本的數值）的性質，因此可有效的保護密碼。</a:t>
+            </a:r>
+          </a:p>
+        </p:txBody>
+      </p:sp>
+      <p:sp>
+        <p:nvSpPr>
+          <p:cNvPr id="6" name="矩形: 圓角 5">
+            <a:extLst>
+              <a:ext uri="{FF2B5EF4-FFF2-40B4-BE49-F238E27FC236}">
+                <a16:creationId xmlns:a16="http://schemas.microsoft.com/office/drawing/2014/main" id="{FDA02FF5-1561-4780-AE52-DB539BB17087}"/>
+              </a:ext>
+            </a:extLst>
+          </p:cNvPr>
+          <p:cNvSpPr/>
+          <p:nvPr/>
+        </p:nvSpPr>
+        <p:spPr>
+          <a:xfrm>
+            <a:off x="6739367" y="1604683"/>
+            <a:ext cx="1552986" cy="2608730"/>
+          </a:xfrm>
+          <a:prstGeom prst="roundRect">
+            <a:avLst/>
+          </a:prstGeom>
+          <a:noFill/>
+          <a:ln w="28575">
+            <a:solidFill>
+              <a:srgbClr val="FF0000"/>
+            </a:solidFill>
+          </a:ln>
+        </p:spPr>
+        <p:style>
+          <a:lnRef idx="2">
+            <a:schemeClr val="accent1">
+              <a:shade val="50000"/>
+            </a:schemeClr>
+          </a:lnRef>
+          <a:fillRef idx="1">
+            <a:schemeClr val="accent1"/>
+          </a:fillRef>
+          <a:effectRef idx="0">
+            <a:schemeClr val="accent1"/>
+          </a:effectRef>
+          <a:fontRef idx="minor">
+            <a:schemeClr val="lt1"/>
+          </a:fontRef>
+        </p:style>
+        <p:txBody>
+          <a:bodyPr rtlCol="0" anchor="ctr"/>
+          <a:lstStyle/>
+          <a:p>
+            <a:pPr algn="ctr"/>
+            <a:endParaRPr lang="zh-TW" altLang="en-US"/>
+          </a:p>
+        </p:txBody>
+      </p:sp>
+      <p:sp>
+        <p:nvSpPr>
+          <p:cNvPr id="7" name="矩形 6">
+            <a:extLst>
+              <a:ext uri="{FF2B5EF4-FFF2-40B4-BE49-F238E27FC236}">
+                <a16:creationId xmlns:a16="http://schemas.microsoft.com/office/drawing/2014/main" id="{0B3C3120-3A7B-413D-A753-B00CBB4FBEFD}"/>
+              </a:ext>
+            </a:extLst>
+          </p:cNvPr>
+          <p:cNvSpPr/>
+          <p:nvPr/>
+        </p:nvSpPr>
+        <p:spPr>
+          <a:xfrm>
+            <a:off x="6676833" y="4354308"/>
+            <a:ext cx="1512846" cy="1015663"/>
+          </a:xfrm>
+          <a:prstGeom prst="rect">
+            <a:avLst/>
+          </a:prstGeom>
+        </p:spPr>
+        <p:txBody>
+          <a:bodyPr wrap="square">
+            <a:spAutoFit/>
+          </a:bodyPr>
+          <a:lstStyle/>
+          <a:p>
+            <a:r>
+              <a:rPr lang="zh-TW" altLang="en-US" sz="2000" b="1" dirty="0" smtClean="0"/>
+              <a:t>輸入檔案</a:t>
+            </a:r>
+            <a:endParaRPr lang="en-US" altLang="zh-TW" sz="2000" b="1" dirty="0"/>
+          </a:p>
+          <a:p>
+            <a:r>
+              <a:rPr lang="zh-TW" altLang="en-US" sz="2000" b="1" dirty="0"/>
+              <a:t>大小可以</a:t>
+            </a:r>
+            <a:endParaRPr lang="en-US" altLang="zh-TW" sz="2000" b="1" dirty="0"/>
+          </a:p>
+          <a:p>
+            <a:r>
+              <a:rPr lang="zh-TW" altLang="en-US" sz="2000" b="1" dirty="0" smtClean="0"/>
+              <a:t>不同</a:t>
+            </a:r>
+            <a:endParaRPr lang="zh-TW" altLang="en-US" sz="2000" dirty="0"/>
+          </a:p>
+        </p:txBody>
+      </p:sp>
+      <p:sp>
+        <p:nvSpPr>
+          <p:cNvPr id="8" name="矩形 7">
+            <a:extLst>
+              <a:ext uri="{FF2B5EF4-FFF2-40B4-BE49-F238E27FC236}">
+                <a16:creationId xmlns:a16="http://schemas.microsoft.com/office/drawing/2014/main" id="{5780C215-D2A4-43A4-A5FC-EE0B0B4D8E0C}"/>
+              </a:ext>
+            </a:extLst>
+          </p:cNvPr>
+          <p:cNvSpPr/>
+          <p:nvPr/>
+        </p:nvSpPr>
+        <p:spPr>
+          <a:xfrm>
+            <a:off x="10129681" y="808637"/>
+            <a:ext cx="646331" cy="369332"/>
+          </a:xfrm>
+          <a:prstGeom prst="rect">
+            <a:avLst/>
+          </a:prstGeom>
+        </p:spPr>
+        <p:txBody>
+          <a:bodyPr wrap="none">
+            <a:spAutoFit/>
+          </a:bodyPr>
+          <a:lstStyle/>
+          <a:p>
+            <a:r>
+              <a:rPr lang="zh-TW" altLang="en-US" b="1" dirty="0"/>
+              <a:t>指紋</a:t>
+            </a:r>
+            <a:endParaRPr lang="zh-TW" altLang="en-US" dirty="0"/>
+          </a:p>
+        </p:txBody>
+      </p:sp>
+      <p:sp>
+        <p:nvSpPr>
+          <p:cNvPr id="9" name="矩形 8">
+            <a:extLst>
+              <a:ext uri="{FF2B5EF4-FFF2-40B4-BE49-F238E27FC236}">
+                <a16:creationId xmlns:a16="http://schemas.microsoft.com/office/drawing/2014/main" id="{0B584883-455A-47D0-9417-EDC24AD217D9}"/>
+              </a:ext>
+            </a:extLst>
+          </p:cNvPr>
+          <p:cNvSpPr/>
+          <p:nvPr/>
+        </p:nvSpPr>
+        <p:spPr>
+          <a:xfrm>
+            <a:off x="10053689" y="4040544"/>
+            <a:ext cx="1826141" cy="1138773"/>
+          </a:xfrm>
+          <a:prstGeom prst="rect">
+            <a:avLst/>
+          </a:prstGeom>
+        </p:spPr>
+        <p:txBody>
+          <a:bodyPr wrap="none">
+            <a:spAutoFit/>
+          </a:bodyPr>
+          <a:lstStyle/>
+          <a:p>
+            <a:r>
+              <a:rPr lang="zh-TW" altLang="en-US" b="1" dirty="0"/>
+              <a:t>輸出</a:t>
+            </a:r>
+            <a:endParaRPr lang="en-US" altLang="zh-TW" b="1" dirty="0"/>
+          </a:p>
+          <a:p>
+            <a:r>
+              <a:rPr lang="zh-TW" altLang="en-US" sz="3200" b="1" dirty="0">
+                <a:solidFill>
+                  <a:srgbClr val="FFFF00"/>
+                </a:solidFill>
+                <a:effectLst>
+                  <a:outerShdw blurRad="38100" dist="38100" dir="2700000" algn="tl">
+                    <a:srgbClr val="000000">
+                      <a:alpha val="43137"/>
+                    </a:srgbClr>
+                  </a:outerShdw>
+                </a:effectLst>
+              </a:rPr>
+              <a:t>固定大小</a:t>
+            </a:r>
+            <a:endParaRPr lang="en-US" altLang="zh-TW" sz="3200" b="1" dirty="0">
+              <a:solidFill>
+                <a:srgbClr val="FFFF00"/>
+              </a:solidFill>
+              <a:effectLst>
+                <a:outerShdw blurRad="38100" dist="38100" dir="2700000" algn="tl">
+                  <a:srgbClr val="000000">
+                    <a:alpha val="43137"/>
+                  </a:srgbClr>
+                </a:outerShdw>
+              </a:effectLst>
+            </a:endParaRPr>
+          </a:p>
+          <a:p>
+            <a:r>
+              <a:rPr lang="zh-TW" altLang="en-US" b="1" dirty="0"/>
+              <a:t>的雜湊值</a:t>
+            </a:r>
+            <a:endParaRPr lang="en-US" altLang="zh-TW" b="1" dirty="0"/>
+          </a:p>
+        </p:txBody>
+      </p:sp>
+      <p:sp>
+        <p:nvSpPr>
+          <p:cNvPr id="10" name="矩形 9">
+            <a:extLst>
+              <a:ext uri="{FF2B5EF4-FFF2-40B4-BE49-F238E27FC236}">
+                <a16:creationId xmlns:a16="http://schemas.microsoft.com/office/drawing/2014/main" id="{55CE6D41-0C6F-4F2C-8EE9-A866A2A3C27D}"/>
+              </a:ext>
+            </a:extLst>
+          </p:cNvPr>
+          <p:cNvSpPr/>
+          <p:nvPr/>
+        </p:nvSpPr>
+        <p:spPr>
+          <a:xfrm>
+            <a:off x="8552520" y="1272988"/>
+            <a:ext cx="1097567" cy="2832088"/>
+          </a:xfrm>
+          <a:prstGeom prst="rect">
+            <a:avLst/>
+          </a:prstGeom>
+          <a:noFill/>
+          <a:ln w="38100"/>
+        </p:spPr>
+        <p:style>
+          <a:lnRef idx="2">
+            <a:schemeClr val="accent1">
+              <a:shade val="50000"/>
+            </a:schemeClr>
+          </a:lnRef>
+          <a:fillRef idx="1">
+            <a:schemeClr val="accent1"/>
+          </a:fillRef>
+          <a:effectRef idx="0">
+            <a:schemeClr val="accent1"/>
+          </a:effectRef>
+          <a:fontRef idx="minor">
+            <a:schemeClr val="lt1"/>
+          </a:fontRef>
+        </p:style>
+        <p:txBody>
+          <a:bodyPr rtlCol="0" anchor="ctr"/>
+          <a:lstStyle/>
+          <a:p>
+            <a:pPr algn="ctr"/>
+            <a:endParaRPr lang="zh-TW" altLang="en-US"/>
+          </a:p>
+        </p:txBody>
+      </p:sp>
+      <p:cxnSp>
+        <p:nvCxnSpPr>
+          <p:cNvPr id="12" name="直線單箭頭接點 11">
+            <a:extLst>
+              <a:ext uri="{FF2B5EF4-FFF2-40B4-BE49-F238E27FC236}">
+                <a16:creationId xmlns:a16="http://schemas.microsoft.com/office/drawing/2014/main" id="{0ABC42C3-16D2-48FB-829F-E171ED52D81B}"/>
+              </a:ext>
+            </a:extLst>
+          </p:cNvPr>
+          <p:cNvCxnSpPr/>
+          <p:nvPr/>
+        </p:nvCxnSpPr>
+        <p:spPr>
+          <a:xfrm>
+            <a:off x="8919882" y="3962400"/>
+            <a:ext cx="0" cy="636494"/>
+          </a:xfrm>
+          <a:prstGeom prst="straightConnector1">
+            <a:avLst/>
+          </a:prstGeom>
+          <a:ln w="57150">
+            <a:tailEnd type="triangle"/>
+          </a:ln>
+        </p:spPr>
+        <p:style>
+          <a:lnRef idx="1">
+            <a:schemeClr val="accent1"/>
+          </a:lnRef>
+          <a:fillRef idx="0">
+            <a:schemeClr val="accent1"/>
+          </a:fillRef>
+          <a:effectRef idx="0">
+            <a:schemeClr val="accent1"/>
+          </a:effectRef>
+          <a:fontRef idx="minor">
+            <a:schemeClr val="tx1"/>
+          </a:fontRef>
+        </p:style>
+      </p:cxnSp>
+      <p:sp>
+        <p:nvSpPr>
+          <p:cNvPr id="13" name="矩形 12">
+            <a:extLst>
+              <a:ext uri="{FF2B5EF4-FFF2-40B4-BE49-F238E27FC236}">
+                <a16:creationId xmlns:a16="http://schemas.microsoft.com/office/drawing/2014/main" id="{7ACCFF5C-8911-4DF4-861C-125C4A2098D8}"/>
+              </a:ext>
+            </a:extLst>
+          </p:cNvPr>
+          <p:cNvSpPr/>
+          <p:nvPr/>
+        </p:nvSpPr>
+        <p:spPr>
+          <a:xfrm>
+            <a:off x="8657494" y="4650399"/>
+            <a:ext cx="1250460" cy="1200329"/>
+          </a:xfrm>
+          <a:prstGeom prst="rect">
+            <a:avLst/>
+          </a:prstGeom>
+        </p:spPr>
+        <p:txBody>
+          <a:bodyPr wrap="square">
+            <a:spAutoFit/>
+          </a:bodyPr>
+          <a:lstStyle/>
+          <a:p>
+            <a:r>
+              <a:rPr lang="zh-TW" altLang="en-US" b="1" dirty="0"/>
+              <a:t>很多種</a:t>
+            </a:r>
+            <a:endParaRPr lang="en-US" altLang="zh-TW" b="1" dirty="0"/>
+          </a:p>
+          <a:p>
+            <a:r>
+              <a:rPr lang="en-US" altLang="zh-TW" b="1" dirty="0"/>
+              <a:t>MD5</a:t>
+            </a:r>
+          </a:p>
+          <a:p>
+            <a:r>
+              <a:rPr lang="en-US" altLang="zh-TW" b="1" dirty="0"/>
+              <a:t>SHA-1</a:t>
+            </a:r>
+          </a:p>
+          <a:p>
+            <a:r>
+              <a:rPr lang="en-US" altLang="zh-TW" b="1" dirty="0"/>
+              <a:t>SHA-2</a:t>
+            </a:r>
+            <a:endParaRPr lang="zh-TW" altLang="en-US" dirty="0"/>
+          </a:p>
+        </p:txBody>
+      </p:sp>
     </p:spTree>
     <p:extLst>
       <p:ext uri="{BB962C8B-B14F-4D97-AF65-F5344CB8AC3E}">
-        <p14:creationId xmlns:p14="http://schemas.microsoft.com/office/powerpoint/2010/main" val="1306437631"/>
+        <p14:creationId xmlns:p14="http://schemas.microsoft.com/office/powerpoint/2010/main" val="2204415828"/>
       </p:ext>
     </p:extLst>
   </p:cSld>
@@ -9525,6 +11918,161 @@
       </p:grpSpPr>
       <p:sp>
         <p:nvSpPr>
+          <p:cNvPr id="4" name="矩形 3"/>
+          <p:cNvSpPr/>
+          <p:nvPr/>
+        </p:nvSpPr>
+        <p:spPr>
+          <a:xfrm>
+            <a:off x="2415186" y="2587628"/>
+            <a:ext cx="7710765" cy="1107996"/>
+          </a:xfrm>
+          <a:prstGeom prst="rect">
+            <a:avLst/>
+          </a:prstGeom>
+        </p:spPr>
+        <p:txBody>
+          <a:bodyPr wrap="none">
+            <a:spAutoFit/>
+          </a:bodyPr>
+          <a:lstStyle/>
+          <a:p>
+            <a:pPr algn="ctr"/>
+            <a:r>
+              <a:rPr lang="en-US" altLang="zh-TW" sz="6600" dirty="0">
+                <a:solidFill>
+                  <a:schemeClr val="accent1"/>
+                </a:solidFill>
+              </a:rPr>
+              <a:t>3.</a:t>
+            </a:r>
+            <a:r>
+              <a:rPr lang="zh-TW" altLang="en-US" sz="6600" dirty="0">
+                <a:solidFill>
+                  <a:schemeClr val="accent1"/>
+                </a:solidFill>
+              </a:rPr>
+              <a:t>密碼學的基本認知</a:t>
+            </a:r>
+          </a:p>
+        </p:txBody>
+      </p:sp>
+    </p:spTree>
+    <p:extLst>
+      <p:ext uri="{BB962C8B-B14F-4D97-AF65-F5344CB8AC3E}">
+        <p14:creationId xmlns:p14="http://schemas.microsoft.com/office/powerpoint/2010/main" val="2135535614"/>
+      </p:ext>
+    </p:extLst>
+  </p:cSld>
+  <p:clrMapOvr>
+    <a:masterClrMapping/>
+  </p:clrMapOvr>
+</p:sld>
+</file>
+
+<file path=ppt/slides/slide8.xml><?xml version="1.0" encoding="utf-8"?>
+<p:sld xmlns:a="http://schemas.openxmlformats.org/drawingml/2006/main" xmlns:r="http://schemas.openxmlformats.org/officeDocument/2006/relationships" xmlns:p="http://schemas.openxmlformats.org/presentationml/2006/main">
+  <p:cSld>
+    <p:spTree>
+      <p:nvGrpSpPr>
+        <p:cNvPr id="1" name=""/>
+        <p:cNvGrpSpPr/>
+        <p:nvPr/>
+      </p:nvGrpSpPr>
+      <p:grpSpPr>
+        <a:xfrm>
+          <a:off x="0" y="0"/>
+          <a:ext cx="0" cy="0"/>
+          <a:chOff x="0" y="0"/>
+          <a:chExt cx="0" cy="0"/>
+        </a:xfrm>
+      </p:grpSpPr>
+      <p:sp>
+        <p:nvSpPr>
+          <p:cNvPr id="2" name="標題 1"/>
+          <p:cNvSpPr>
+            <a:spLocks noGrp="1"/>
+          </p:cNvSpPr>
+          <p:nvPr>
+            <p:ph type="title"/>
+          </p:nvPr>
+        </p:nvSpPr>
+        <p:spPr>
+          <a:xfrm>
+            <a:off x="913775" y="618518"/>
+            <a:ext cx="10364451" cy="1069606"/>
+          </a:xfrm>
+        </p:spPr>
+        <p:txBody>
+          <a:bodyPr/>
+          <a:lstStyle/>
+          <a:p>
+            <a:r>
+              <a:rPr lang="zh-TW" altLang="en-US" dirty="0" smtClean="0"/>
+              <a:t>使用凱薩密碼加解密</a:t>
+            </a:r>
+            <a:endParaRPr lang="zh-TW" altLang="en-US" dirty="0"/>
+          </a:p>
+        </p:txBody>
+      </p:sp>
+      <p:pic>
+        <p:nvPicPr>
+          <p:cNvPr id="4" name="內容版面配置區 3"/>
+          <p:cNvPicPr>
+            <a:picLocks noGrp="1" noChangeAspect="1"/>
+          </p:cNvPicPr>
+          <p:nvPr>
+            <p:ph idx="1"/>
+          </p:nvPr>
+        </p:nvPicPr>
+        <p:blipFill>
+          <a:blip r:embed="rId2"/>
+          <a:stretch>
+            <a:fillRect/>
+          </a:stretch>
+        </p:blipFill>
+        <p:spPr>
+          <a:xfrm>
+            <a:off x="1191428" y="1796440"/>
+            <a:ext cx="10102318" cy="4276114"/>
+          </a:xfrm>
+          <a:prstGeom prst="rect">
+            <a:avLst/>
+          </a:prstGeom>
+        </p:spPr>
+      </p:pic>
+    </p:spTree>
+    <p:extLst>
+      <p:ext uri="{BB962C8B-B14F-4D97-AF65-F5344CB8AC3E}">
+        <p14:creationId xmlns:p14="http://schemas.microsoft.com/office/powerpoint/2010/main" val="1306437631"/>
+      </p:ext>
+    </p:extLst>
+  </p:cSld>
+  <p:clrMapOvr>
+    <a:masterClrMapping/>
+  </p:clrMapOvr>
+</p:sld>
+</file>
+
+<file path=ppt/slides/slide9.xml><?xml version="1.0" encoding="utf-8"?>
+<p:sld xmlns:a="http://schemas.openxmlformats.org/drawingml/2006/main" xmlns:r="http://schemas.openxmlformats.org/officeDocument/2006/relationships" xmlns:p="http://schemas.openxmlformats.org/presentationml/2006/main">
+  <p:cSld>
+    <p:spTree>
+      <p:nvGrpSpPr>
+        <p:cNvPr id="1" name=""/>
+        <p:cNvGrpSpPr/>
+        <p:nvPr/>
+      </p:nvGrpSpPr>
+      <p:grpSpPr>
+        <a:xfrm>
+          <a:off x="0" y="0"/>
+          <a:ext cx="0" cy="0"/>
+          <a:chOff x="0" y="0"/>
+          <a:chExt cx="0" cy="0"/>
+        </a:xfrm>
+      </p:grpSpPr>
+      <p:sp>
+        <p:nvSpPr>
           <p:cNvPr id="2" name="矩形 1"/>
           <p:cNvSpPr/>
           <p:nvPr/>
@@ -9532,7 +12080,7 @@
         <p:spPr>
           <a:xfrm>
             <a:off x="3746168" y="1235780"/>
-            <a:ext cx="2995372" cy="1200329"/>
+            <a:ext cx="3268844" cy="1200329"/>
           </a:xfrm>
           <a:prstGeom prst="rect">
             <a:avLst/>
@@ -9551,7 +12099,7 @@
             <a:r>
               <a:rPr lang="en-US" altLang="zh-TW" sz="7200" dirty="0" err="1">
                 <a:solidFill>
-                  <a:srgbClr val="FFFF00"/>
+                  <a:schemeClr val="accent1"/>
                 </a:solidFill>
               </a:rPr>
               <a:t>a</a:t>
@@ -9573,7 +12121,7 @@
         <p:spPr>
           <a:xfrm>
             <a:off x="3848279" y="3407508"/>
-            <a:ext cx="2791149" cy="1107996"/>
+            <a:ext cx="2946640" cy="1107996"/>
           </a:xfrm>
           <a:prstGeom prst="rect">
             <a:avLst/>
@@ -9592,7 +12140,7 @@
             <a:r>
               <a:rPr lang="en-US" altLang="zh-TW" sz="6600" dirty="0" err="1">
                 <a:solidFill>
-                  <a:srgbClr val="FFFF00"/>
+                  <a:schemeClr val="accent1"/>
                 </a:solidFill>
               </a:rPr>
               <a:t>d</a:t>
@@ -9621,7 +12169,7 @@
           </a:prstGeom>
           <a:ln w="57150">
             <a:solidFill>
-              <a:srgbClr val="FFFF00"/>
+              <a:schemeClr val="accent1"/>
             </a:solidFill>
             <a:tailEnd type="triangle"/>
           </a:ln>
@@ -9867,809 +12415,6 @@
     <p:extLst>
       <p:ext uri="{BB962C8B-B14F-4D97-AF65-F5344CB8AC3E}">
         <p14:creationId xmlns:p14="http://schemas.microsoft.com/office/powerpoint/2010/main" val="101637734"/>
-      </p:ext>
-    </p:extLst>
-  </p:cSld>
-  <p:clrMapOvr>
-    <a:masterClrMapping/>
-  </p:clrMapOvr>
-</p:sld>
-</file>
-
-<file path=ppt/slides/slide8.xml><?xml version="1.0" encoding="utf-8"?>
-<p:sld xmlns:a="http://schemas.openxmlformats.org/drawingml/2006/main" xmlns:r="http://schemas.openxmlformats.org/officeDocument/2006/relationships" xmlns:p="http://schemas.openxmlformats.org/presentationml/2006/main">
-  <p:cSld>
-    <p:spTree>
-      <p:nvGrpSpPr>
-        <p:cNvPr id="1" name=""/>
-        <p:cNvGrpSpPr/>
-        <p:nvPr/>
-      </p:nvGrpSpPr>
-      <p:grpSpPr>
-        <a:xfrm>
-          <a:off x="0" y="0"/>
-          <a:ext cx="0" cy="0"/>
-          <a:chOff x="0" y="0"/>
-          <a:chExt cx="0" cy="0"/>
-        </a:xfrm>
-      </p:grpSpPr>
-      <p:pic>
-        <p:nvPicPr>
-          <p:cNvPr id="2" name="圖片 1"/>
-          <p:cNvPicPr>
-            <a:picLocks noChangeAspect="1"/>
-          </p:cNvPicPr>
-          <p:nvPr/>
-        </p:nvPicPr>
-        <p:blipFill>
-          <a:blip r:embed="rId2"/>
-          <a:stretch>
-            <a:fillRect/>
-          </a:stretch>
-        </p:blipFill>
-        <p:spPr>
-          <a:xfrm>
-            <a:off x="1683025" y="1160593"/>
-            <a:ext cx="9106874" cy="5294915"/>
-          </a:xfrm>
-          <a:prstGeom prst="rect">
-            <a:avLst/>
-          </a:prstGeom>
-        </p:spPr>
-      </p:pic>
-      <p:sp>
-        <p:nvSpPr>
-          <p:cNvPr id="3" name="矩形 2"/>
-          <p:cNvSpPr/>
-          <p:nvPr/>
-        </p:nvSpPr>
-        <p:spPr>
-          <a:xfrm>
-            <a:off x="3371500" y="422980"/>
-            <a:ext cx="6127768" cy="584775"/>
-          </a:xfrm>
-          <a:prstGeom prst="rect">
-            <a:avLst/>
-          </a:prstGeom>
-        </p:spPr>
-        <p:txBody>
-          <a:bodyPr wrap="none">
-            <a:spAutoFit/>
-          </a:bodyPr>
-          <a:lstStyle/>
-          <a:p>
-            <a:r>
-              <a:rPr lang="en-US" altLang="zh-TW" sz="3200" dirty="0"/>
-              <a:t>https://www.dcode.fr/caesar-cipher</a:t>
-            </a:r>
-            <a:endParaRPr lang="zh-TW" altLang="en-US" sz="3200" dirty="0"/>
-          </a:p>
-        </p:txBody>
-      </p:sp>
-      <p:sp>
-        <p:nvSpPr>
-          <p:cNvPr id="4" name="圓角矩形 3"/>
-          <p:cNvSpPr/>
-          <p:nvPr/>
-        </p:nvSpPr>
-        <p:spPr>
-          <a:xfrm>
-            <a:off x="5165969" y="4431323"/>
-            <a:ext cx="2579077" cy="633046"/>
-          </a:xfrm>
-          <a:prstGeom prst="roundRect">
-            <a:avLst/>
-          </a:prstGeom>
-          <a:noFill/>
-          <a:ln w="38100">
-            <a:solidFill>
-              <a:srgbClr val="92D050"/>
-            </a:solidFill>
-          </a:ln>
-        </p:spPr>
-        <p:style>
-          <a:lnRef idx="2">
-            <a:schemeClr val="accent1">
-              <a:shade val="50000"/>
-            </a:schemeClr>
-          </a:lnRef>
-          <a:fillRef idx="1">
-            <a:schemeClr val="accent1"/>
-          </a:fillRef>
-          <a:effectRef idx="0">
-            <a:schemeClr val="accent1"/>
-          </a:effectRef>
-          <a:fontRef idx="minor">
-            <a:schemeClr val="lt1"/>
-          </a:fontRef>
-        </p:style>
-        <p:txBody>
-          <a:bodyPr rtlCol="0" anchor="ctr"/>
-          <a:lstStyle/>
-          <a:p>
-            <a:pPr algn="ctr"/>
-            <a:endParaRPr lang="zh-TW" altLang="en-US"/>
-          </a:p>
-        </p:txBody>
-      </p:sp>
-      <p:sp>
-        <p:nvSpPr>
-          <p:cNvPr id="6" name="圓角矩形 5"/>
-          <p:cNvSpPr/>
-          <p:nvPr/>
-        </p:nvSpPr>
-        <p:spPr>
-          <a:xfrm>
-            <a:off x="5263662" y="5822462"/>
-            <a:ext cx="4013200" cy="633046"/>
-          </a:xfrm>
-          <a:prstGeom prst="roundRect">
-            <a:avLst/>
-          </a:prstGeom>
-          <a:noFill/>
-          <a:ln w="38100">
-            <a:solidFill>
-              <a:srgbClr val="92D050"/>
-            </a:solidFill>
-          </a:ln>
-        </p:spPr>
-        <p:style>
-          <a:lnRef idx="2">
-            <a:schemeClr val="accent1">
-              <a:shade val="50000"/>
-            </a:schemeClr>
-          </a:lnRef>
-          <a:fillRef idx="1">
-            <a:schemeClr val="accent1"/>
-          </a:fillRef>
-          <a:effectRef idx="0">
-            <a:schemeClr val="accent1"/>
-          </a:effectRef>
-          <a:fontRef idx="minor">
-            <a:schemeClr val="lt1"/>
-          </a:fontRef>
-        </p:style>
-        <p:txBody>
-          <a:bodyPr rtlCol="0" anchor="ctr"/>
-          <a:lstStyle/>
-          <a:p>
-            <a:pPr algn="ctr"/>
-            <a:endParaRPr lang="zh-TW" altLang="en-US"/>
-          </a:p>
-        </p:txBody>
-      </p:sp>
-      <p:cxnSp>
-        <p:nvCxnSpPr>
-          <p:cNvPr id="8" name="直線單箭頭接點 7"/>
-          <p:cNvCxnSpPr/>
-          <p:nvPr/>
-        </p:nvCxnSpPr>
-        <p:spPr>
-          <a:xfrm flipH="1" flipV="1">
-            <a:off x="3907692" y="1430215"/>
-            <a:ext cx="1258277" cy="3219938"/>
-          </a:xfrm>
-          <a:prstGeom prst="straightConnector1">
-            <a:avLst/>
-          </a:prstGeom>
-          <a:ln w="38100">
-            <a:solidFill>
-              <a:srgbClr val="FF0000"/>
-            </a:solidFill>
-            <a:tailEnd type="triangle"/>
-          </a:ln>
-        </p:spPr>
-        <p:style>
-          <a:lnRef idx="1">
-            <a:schemeClr val="accent1"/>
-          </a:lnRef>
-          <a:fillRef idx="0">
-            <a:schemeClr val="accent1"/>
-          </a:fillRef>
-          <a:effectRef idx="0">
-            <a:schemeClr val="accent1"/>
-          </a:effectRef>
-          <a:fontRef idx="minor">
-            <a:schemeClr val="tx1"/>
-          </a:fontRef>
-        </p:style>
-      </p:cxnSp>
-      <p:sp>
-        <p:nvSpPr>
-          <p:cNvPr id="9" name="圓角矩形 8"/>
-          <p:cNvSpPr/>
-          <p:nvPr/>
-        </p:nvSpPr>
-        <p:spPr>
-          <a:xfrm>
-            <a:off x="3067538" y="1256103"/>
-            <a:ext cx="840154" cy="348223"/>
-          </a:xfrm>
-          <a:prstGeom prst="roundRect">
-            <a:avLst/>
-          </a:prstGeom>
-          <a:noFill/>
-          <a:ln w="38100">
-            <a:solidFill>
-              <a:srgbClr val="FF0000"/>
-            </a:solidFill>
-          </a:ln>
-        </p:spPr>
-        <p:style>
-          <a:lnRef idx="2">
-            <a:schemeClr val="accent1">
-              <a:shade val="50000"/>
-            </a:schemeClr>
-          </a:lnRef>
-          <a:fillRef idx="1">
-            <a:schemeClr val="accent1"/>
-          </a:fillRef>
-          <a:effectRef idx="0">
-            <a:schemeClr val="accent1"/>
-          </a:effectRef>
-          <a:fontRef idx="minor">
-            <a:schemeClr val="lt1"/>
-          </a:fontRef>
-        </p:style>
-        <p:txBody>
-          <a:bodyPr rtlCol="0" anchor="ctr"/>
-          <a:lstStyle/>
-          <a:p>
-            <a:pPr algn="ctr"/>
-            <a:endParaRPr lang="zh-TW" altLang="en-US"/>
-          </a:p>
-        </p:txBody>
-      </p:sp>
-      <p:sp>
-        <p:nvSpPr>
-          <p:cNvPr id="10" name="矩形 9"/>
-          <p:cNvSpPr/>
-          <p:nvPr/>
-        </p:nvSpPr>
-        <p:spPr>
-          <a:xfrm>
-            <a:off x="7854996" y="4541149"/>
-            <a:ext cx="2296654" cy="523220"/>
-          </a:xfrm>
-          <a:prstGeom prst="rect">
-            <a:avLst/>
-          </a:prstGeom>
-        </p:spPr>
-        <p:txBody>
-          <a:bodyPr wrap="none">
-            <a:spAutoFit/>
-          </a:bodyPr>
-          <a:lstStyle/>
-          <a:p>
-            <a:r>
-              <a:rPr lang="zh-TW" altLang="en-US" sz="2800" b="1" dirty="0" smtClean="0">
-                <a:solidFill>
-                  <a:schemeClr val="bg1"/>
-                </a:solidFill>
-                <a:effectLst>
-                  <a:outerShdw blurRad="38100" dist="38100" dir="2700000" algn="tl">
-                    <a:srgbClr val="000000">
-                      <a:alpha val="43137"/>
-                    </a:srgbClr>
-                  </a:outerShdw>
-                </a:effectLst>
-              </a:rPr>
-              <a:t>明文 </a:t>
-            </a:r>
-            <a:r>
-              <a:rPr lang="en-US" altLang="zh-TW" sz="2800" b="1" dirty="0" smtClean="0">
-                <a:solidFill>
-                  <a:schemeClr val="bg1"/>
-                </a:solidFill>
-                <a:effectLst>
-                  <a:outerShdw blurRad="38100" dist="38100" dir="2700000" algn="tl">
-                    <a:srgbClr val="000000">
-                      <a:alpha val="43137"/>
-                    </a:srgbClr>
-                  </a:outerShdw>
-                </a:effectLst>
-              </a:rPr>
-              <a:t>plaintext</a:t>
-            </a:r>
-            <a:endParaRPr lang="zh-TW" altLang="en-US" sz="2800" b="1" dirty="0">
-              <a:solidFill>
-                <a:schemeClr val="bg1"/>
-              </a:solidFill>
-              <a:effectLst>
-                <a:outerShdw blurRad="38100" dist="38100" dir="2700000" algn="tl">
-                  <a:srgbClr val="000000">
-                    <a:alpha val="43137"/>
-                  </a:srgbClr>
-                </a:outerShdw>
-              </a:effectLst>
-            </a:endParaRPr>
-          </a:p>
-        </p:txBody>
-      </p:sp>
-      <p:sp>
-        <p:nvSpPr>
-          <p:cNvPr id="11" name="矩形 10"/>
-          <p:cNvSpPr/>
-          <p:nvPr/>
-        </p:nvSpPr>
-        <p:spPr>
-          <a:xfrm>
-            <a:off x="4202296" y="1181867"/>
-            <a:ext cx="1646092" cy="954107"/>
-          </a:xfrm>
-          <a:prstGeom prst="rect">
-            <a:avLst/>
-          </a:prstGeom>
-        </p:spPr>
-        <p:txBody>
-          <a:bodyPr wrap="none">
-            <a:spAutoFit/>
-          </a:bodyPr>
-          <a:lstStyle/>
-          <a:p>
-            <a:r>
-              <a:rPr lang="zh-TW" altLang="en-US" sz="2800" b="1" dirty="0">
-                <a:solidFill>
-                  <a:schemeClr val="bg1"/>
-                </a:solidFill>
-                <a:effectLst>
-                  <a:outerShdw blurRad="38100" dist="38100" dir="2700000" algn="tl">
-                    <a:srgbClr val="000000">
-                      <a:alpha val="43137"/>
-                    </a:srgbClr>
-                  </a:outerShdw>
-                </a:effectLst>
-              </a:rPr>
-              <a:t>密</a:t>
-            </a:r>
-            <a:r>
-              <a:rPr lang="zh-TW" altLang="en-US" sz="2800" b="1" dirty="0" smtClean="0">
-                <a:solidFill>
-                  <a:schemeClr val="bg1"/>
-                </a:solidFill>
-                <a:effectLst>
-                  <a:outerShdw blurRad="38100" dist="38100" dir="2700000" algn="tl">
-                    <a:srgbClr val="000000">
-                      <a:alpha val="43137"/>
-                    </a:srgbClr>
-                  </a:outerShdw>
-                </a:effectLst>
-              </a:rPr>
-              <a:t>文 </a:t>
-            </a:r>
-            <a:endParaRPr lang="en-US" altLang="zh-TW" sz="2800" b="1" dirty="0" smtClean="0">
-              <a:solidFill>
-                <a:schemeClr val="bg1"/>
-              </a:solidFill>
-              <a:effectLst>
-                <a:outerShdw blurRad="38100" dist="38100" dir="2700000" algn="tl">
-                  <a:srgbClr val="000000">
-                    <a:alpha val="43137"/>
-                  </a:srgbClr>
-                </a:outerShdw>
-              </a:effectLst>
-            </a:endParaRPr>
-          </a:p>
-          <a:p>
-            <a:r>
-              <a:rPr lang="en-US" altLang="zh-TW" sz="2800" b="1" dirty="0" err="1" smtClean="0">
-                <a:solidFill>
-                  <a:schemeClr val="bg1"/>
-                </a:solidFill>
-                <a:effectLst>
-                  <a:outerShdw blurRad="38100" dist="38100" dir="2700000" algn="tl">
-                    <a:srgbClr val="000000">
-                      <a:alpha val="43137"/>
-                    </a:srgbClr>
-                  </a:outerShdw>
-                </a:effectLst>
-              </a:rPr>
-              <a:t>ciphertext</a:t>
-            </a:r>
-            <a:endParaRPr lang="zh-TW" altLang="en-US" sz="2800" b="1" dirty="0">
-              <a:solidFill>
-                <a:schemeClr val="bg1"/>
-              </a:solidFill>
-              <a:effectLst>
-                <a:outerShdw blurRad="38100" dist="38100" dir="2700000" algn="tl">
-                  <a:srgbClr val="000000">
-                    <a:alpha val="43137"/>
-                  </a:srgbClr>
-                </a:outerShdw>
-              </a:effectLst>
-            </a:endParaRPr>
-          </a:p>
-        </p:txBody>
-      </p:sp>
-    </p:spTree>
-    <p:extLst>
-      <p:ext uri="{BB962C8B-B14F-4D97-AF65-F5344CB8AC3E}">
-        <p14:creationId xmlns:p14="http://schemas.microsoft.com/office/powerpoint/2010/main" val="990824978"/>
-      </p:ext>
-    </p:extLst>
-  </p:cSld>
-  <p:clrMapOvr>
-    <a:masterClrMapping/>
-  </p:clrMapOvr>
-</p:sld>
-</file>
-
-<file path=ppt/slides/slide9.xml><?xml version="1.0" encoding="utf-8"?>
-<p:sld xmlns:a="http://schemas.openxmlformats.org/drawingml/2006/main" xmlns:r="http://schemas.openxmlformats.org/officeDocument/2006/relationships" xmlns:p="http://schemas.openxmlformats.org/presentationml/2006/main">
-  <p:cSld>
-    <p:spTree>
-      <p:nvGrpSpPr>
-        <p:cNvPr id="1" name=""/>
-        <p:cNvGrpSpPr/>
-        <p:nvPr/>
-      </p:nvGrpSpPr>
-      <p:grpSpPr>
-        <a:xfrm>
-          <a:off x="0" y="0"/>
-          <a:ext cx="0" cy="0"/>
-          <a:chOff x="0" y="0"/>
-          <a:chExt cx="0" cy="0"/>
-        </a:xfrm>
-      </p:grpSpPr>
-      <p:sp>
-        <p:nvSpPr>
-          <p:cNvPr id="2" name="矩形 1"/>
-          <p:cNvSpPr/>
-          <p:nvPr/>
-        </p:nvSpPr>
-        <p:spPr>
-          <a:xfrm>
-            <a:off x="3746168" y="3417614"/>
-            <a:ext cx="2995372" cy="1200329"/>
-          </a:xfrm>
-          <a:prstGeom prst="rect">
-            <a:avLst/>
-          </a:prstGeom>
-        </p:spPr>
-        <p:txBody>
-          <a:bodyPr wrap="none">
-            <a:spAutoFit/>
-          </a:bodyPr>
-          <a:lstStyle/>
-          <a:p>
-            <a:r>
-              <a:rPr lang="en-US" altLang="zh-TW" sz="7200" dirty="0" err="1"/>
-              <a:t>myde</a:t>
-            </a:r>
-            <a:r>
-              <a:rPr lang="en-US" altLang="zh-TW" sz="7200" dirty="0" err="1">
-                <a:solidFill>
-                  <a:srgbClr val="FFFF00"/>
-                </a:solidFill>
-              </a:rPr>
-              <a:t>a</a:t>
-            </a:r>
-            <a:r>
-              <a:rPr lang="en-US" altLang="zh-TW" sz="7200" dirty="0" err="1"/>
-              <a:t>r</a:t>
-            </a:r>
-            <a:endParaRPr lang="zh-TW" altLang="en-US" sz="7200" dirty="0"/>
-          </a:p>
-        </p:txBody>
-      </p:sp>
-      <p:sp>
-        <p:nvSpPr>
-          <p:cNvPr id="3" name="矩形 2"/>
-          <p:cNvSpPr/>
-          <p:nvPr/>
-        </p:nvSpPr>
-        <p:spPr>
-          <a:xfrm>
-            <a:off x="3848279" y="1197677"/>
-            <a:ext cx="2791149" cy="1107996"/>
-          </a:xfrm>
-          <a:prstGeom prst="rect">
-            <a:avLst/>
-          </a:prstGeom>
-        </p:spPr>
-        <p:txBody>
-          <a:bodyPr wrap="none">
-            <a:spAutoFit/>
-          </a:bodyPr>
-          <a:lstStyle/>
-          <a:p>
-            <a:r>
-              <a:rPr lang="en-US" altLang="zh-TW" sz="6600" dirty="0" err="1"/>
-              <a:t>pbgh</a:t>
-            </a:r>
-            <a:r>
-              <a:rPr lang="en-US" altLang="zh-TW" sz="6600" dirty="0" err="1">
-                <a:solidFill>
-                  <a:srgbClr val="FFFF00"/>
-                </a:solidFill>
-              </a:rPr>
-              <a:t>d</a:t>
-            </a:r>
-            <a:r>
-              <a:rPr lang="en-US" altLang="zh-TW" sz="6600" dirty="0" err="1"/>
-              <a:t>u</a:t>
-            </a:r>
-            <a:endParaRPr lang="zh-TW" altLang="en-US" sz="6600" dirty="0"/>
-          </a:p>
-        </p:txBody>
-      </p:sp>
-      <p:cxnSp>
-        <p:nvCxnSpPr>
-          <p:cNvPr id="5" name="直線單箭頭接點 4"/>
-          <p:cNvCxnSpPr/>
-          <p:nvPr/>
-        </p:nvCxnSpPr>
-        <p:spPr>
-          <a:xfrm flipH="1">
-            <a:off x="6041292" y="2258646"/>
-            <a:ext cx="7816" cy="1336431"/>
-          </a:xfrm>
-          <a:prstGeom prst="straightConnector1">
-            <a:avLst/>
-          </a:prstGeom>
-          <a:ln w="57150">
-            <a:solidFill>
-              <a:srgbClr val="FFFF00"/>
-            </a:solidFill>
-            <a:tailEnd type="triangle"/>
-          </a:ln>
-        </p:spPr>
-        <p:style>
-          <a:lnRef idx="1">
-            <a:schemeClr val="accent1"/>
-          </a:lnRef>
-          <a:fillRef idx="0">
-            <a:schemeClr val="accent1"/>
-          </a:fillRef>
-          <a:effectRef idx="0">
-            <a:schemeClr val="accent1"/>
-          </a:effectRef>
-          <a:fontRef idx="minor">
-            <a:schemeClr val="tx1"/>
-          </a:fontRef>
-        </p:style>
-      </p:cxnSp>
-      <p:pic>
-        <p:nvPicPr>
-          <p:cNvPr id="6" name="圖片 5"/>
-          <p:cNvPicPr>
-            <a:picLocks noChangeAspect="1"/>
-          </p:cNvPicPr>
-          <p:nvPr/>
-        </p:nvPicPr>
-        <p:blipFill>
-          <a:blip r:embed="rId2"/>
-          <a:stretch>
-            <a:fillRect/>
-          </a:stretch>
-        </p:blipFill>
-        <p:spPr>
-          <a:xfrm>
-            <a:off x="7367192" y="1735426"/>
-            <a:ext cx="4539328" cy="2520420"/>
-          </a:xfrm>
-          <a:prstGeom prst="rect">
-            <a:avLst/>
-          </a:prstGeom>
-        </p:spPr>
-      </p:pic>
-      <p:sp>
-        <p:nvSpPr>
-          <p:cNvPr id="7" name="矩形 6"/>
-          <p:cNvSpPr/>
-          <p:nvPr/>
-        </p:nvSpPr>
-        <p:spPr>
-          <a:xfrm>
-            <a:off x="6154152" y="2538478"/>
-            <a:ext cx="1107996" cy="646331"/>
-          </a:xfrm>
-          <a:prstGeom prst="rect">
-            <a:avLst/>
-          </a:prstGeom>
-        </p:spPr>
-        <p:txBody>
-          <a:bodyPr wrap="none">
-            <a:spAutoFit/>
-          </a:bodyPr>
-          <a:lstStyle/>
-          <a:p>
-            <a:r>
-              <a:rPr lang="zh-TW" altLang="en-US" sz="3600" b="1" dirty="0">
-                <a:solidFill>
-                  <a:srgbClr val="FFFF00"/>
-                </a:solidFill>
-                <a:effectLst>
-                  <a:outerShdw blurRad="38100" dist="38100" dir="2700000" algn="tl">
-                    <a:srgbClr val="000000">
-                      <a:alpha val="43137"/>
-                    </a:srgbClr>
-                  </a:outerShdw>
-                </a:effectLst>
-              </a:rPr>
-              <a:t>解</a:t>
-            </a:r>
-            <a:r>
-              <a:rPr lang="zh-TW" altLang="en-US" sz="3600" b="1" dirty="0" smtClean="0">
-                <a:solidFill>
-                  <a:srgbClr val="FFFF00"/>
-                </a:solidFill>
-                <a:effectLst>
-                  <a:outerShdw blurRad="38100" dist="38100" dir="2700000" algn="tl">
-                    <a:srgbClr val="000000">
-                      <a:alpha val="43137"/>
-                    </a:srgbClr>
-                  </a:outerShdw>
-                </a:effectLst>
-              </a:rPr>
-              <a:t>密</a:t>
-            </a:r>
-            <a:endParaRPr lang="en-US" altLang="zh-TW" sz="3600" b="1" dirty="0">
-              <a:solidFill>
-                <a:srgbClr val="FFFF00"/>
-              </a:solidFill>
-              <a:effectLst>
-                <a:outerShdw blurRad="38100" dist="38100" dir="2700000" algn="tl">
-                  <a:srgbClr val="000000">
-                    <a:alpha val="43137"/>
-                  </a:srgbClr>
-                </a:outerShdw>
-              </a:effectLst>
-            </a:endParaRPr>
-          </a:p>
-        </p:txBody>
-      </p:sp>
-      <p:sp>
-        <p:nvSpPr>
-          <p:cNvPr id="10" name="矩形 9"/>
-          <p:cNvSpPr/>
-          <p:nvPr/>
-        </p:nvSpPr>
-        <p:spPr>
-          <a:xfrm>
-            <a:off x="1367632" y="3908102"/>
-            <a:ext cx="2296654" cy="523220"/>
-          </a:xfrm>
-          <a:prstGeom prst="rect">
-            <a:avLst/>
-          </a:prstGeom>
-        </p:spPr>
-        <p:txBody>
-          <a:bodyPr wrap="none">
-            <a:spAutoFit/>
-          </a:bodyPr>
-          <a:lstStyle/>
-          <a:p>
-            <a:r>
-              <a:rPr lang="zh-TW" altLang="en-US" sz="2800" b="1" dirty="0" smtClean="0">
-                <a:solidFill>
-                  <a:srgbClr val="FFC000"/>
-                </a:solidFill>
-                <a:effectLst>
-                  <a:outerShdw blurRad="38100" dist="38100" dir="2700000" algn="tl">
-                    <a:srgbClr val="000000">
-                      <a:alpha val="43137"/>
-                    </a:srgbClr>
-                  </a:outerShdw>
-                </a:effectLst>
-              </a:rPr>
-              <a:t>明文 </a:t>
-            </a:r>
-            <a:r>
-              <a:rPr lang="en-US" altLang="zh-TW" sz="2800" b="1" dirty="0" smtClean="0">
-                <a:solidFill>
-                  <a:srgbClr val="FFC000"/>
-                </a:solidFill>
-                <a:effectLst>
-                  <a:outerShdw blurRad="38100" dist="38100" dir="2700000" algn="tl">
-                    <a:srgbClr val="000000">
-                      <a:alpha val="43137"/>
-                    </a:srgbClr>
-                  </a:outerShdw>
-                </a:effectLst>
-              </a:rPr>
-              <a:t>plaintext</a:t>
-            </a:r>
-            <a:endParaRPr lang="zh-TW" altLang="en-US" sz="2800" b="1" dirty="0">
-              <a:solidFill>
-                <a:srgbClr val="FFC000"/>
-              </a:solidFill>
-              <a:effectLst>
-                <a:outerShdw blurRad="38100" dist="38100" dir="2700000" algn="tl">
-                  <a:srgbClr val="000000">
-                    <a:alpha val="43137"/>
-                  </a:srgbClr>
-                </a:outerShdw>
-              </a:effectLst>
-            </a:endParaRPr>
-          </a:p>
-        </p:txBody>
-      </p:sp>
-      <p:sp>
-        <p:nvSpPr>
-          <p:cNvPr id="11" name="矩形 10"/>
-          <p:cNvSpPr/>
-          <p:nvPr/>
-        </p:nvSpPr>
-        <p:spPr>
-          <a:xfrm>
-            <a:off x="1285751" y="1606471"/>
-            <a:ext cx="2460417" cy="523220"/>
-          </a:xfrm>
-          <a:prstGeom prst="rect">
-            <a:avLst/>
-          </a:prstGeom>
-        </p:spPr>
-        <p:txBody>
-          <a:bodyPr wrap="none">
-            <a:spAutoFit/>
-          </a:bodyPr>
-          <a:lstStyle/>
-          <a:p>
-            <a:r>
-              <a:rPr lang="zh-TW" altLang="en-US" sz="2800" b="1" dirty="0">
-                <a:solidFill>
-                  <a:srgbClr val="FFC000"/>
-                </a:solidFill>
-                <a:effectLst>
-                  <a:outerShdw blurRad="38100" dist="38100" dir="2700000" algn="tl">
-                    <a:srgbClr val="000000">
-                      <a:alpha val="43137"/>
-                    </a:srgbClr>
-                  </a:outerShdw>
-                </a:effectLst>
-              </a:rPr>
-              <a:t>密</a:t>
-            </a:r>
-            <a:r>
-              <a:rPr lang="zh-TW" altLang="en-US" sz="2800" b="1" dirty="0" smtClean="0">
-                <a:solidFill>
-                  <a:srgbClr val="FFC000"/>
-                </a:solidFill>
-                <a:effectLst>
-                  <a:outerShdw blurRad="38100" dist="38100" dir="2700000" algn="tl">
-                    <a:srgbClr val="000000">
-                      <a:alpha val="43137"/>
-                    </a:srgbClr>
-                  </a:outerShdw>
-                </a:effectLst>
-              </a:rPr>
-              <a:t>文 </a:t>
-            </a:r>
-            <a:r>
-              <a:rPr lang="en-US" altLang="zh-TW" sz="2800" b="1" dirty="0" err="1">
-                <a:solidFill>
-                  <a:srgbClr val="FFC000"/>
-                </a:solidFill>
-                <a:effectLst>
-                  <a:outerShdw blurRad="38100" dist="38100" dir="2700000" algn="tl">
-                    <a:srgbClr val="000000">
-                      <a:alpha val="43137"/>
-                    </a:srgbClr>
-                  </a:outerShdw>
-                </a:effectLst>
-              </a:rPr>
-              <a:t>ciphertext</a:t>
-            </a:r>
-            <a:endParaRPr lang="zh-TW" altLang="en-US" sz="2800" b="1" dirty="0">
-              <a:solidFill>
-                <a:srgbClr val="FFC000"/>
-              </a:solidFill>
-              <a:effectLst>
-                <a:outerShdw blurRad="38100" dist="38100" dir="2700000" algn="tl">
-                  <a:srgbClr val="000000">
-                    <a:alpha val="43137"/>
-                  </a:srgbClr>
-                </a:outerShdw>
-              </a:effectLst>
-            </a:endParaRPr>
-          </a:p>
-        </p:txBody>
-      </p:sp>
-    </p:spTree>
-    <p:extLst>
-      <p:ext uri="{BB962C8B-B14F-4D97-AF65-F5344CB8AC3E}">
-        <p14:creationId xmlns:p14="http://schemas.microsoft.com/office/powerpoint/2010/main" val="209240901"/>
       </p:ext>
     </p:extLst>
   </p:cSld>
